--- a/协程/协程-潘东经.pptx
+++ b/协程/协程-潘东经.pptx
@@ -15,7 +15,8 @@
     <p:sldId id="261" r:id="rId9"/>
     <p:sldId id="264" r:id="rId10"/>
     <p:sldId id="265" r:id="rId11"/>
-    <p:sldId id="266" r:id="rId12"/>
+    <p:sldId id="267" r:id="rId12"/>
+    <p:sldId id="266" r:id="rId13"/>
   </p:sldIdLst>
   <p:sldSz cx="12192000" cy="6858000"/>
   <p:notesSz cx="6858000" cy="9144000"/>
@@ -3858,670 +3859,6 @@
       <dsp:cNvGrpSpPr/>
     </dsp:nvGrpSpPr>
     <dsp:grpSpPr/>
-    <dsp:sp modelId="{432D1971-5BC2-40D9-B444-D58533A740C0}">
-      <dsp:nvSpPr>
-        <dsp:cNvPr id="0" name=""/>
-        <dsp:cNvSpPr/>
-      </dsp:nvSpPr>
-      <dsp:spPr>
-        <a:xfrm>
-          <a:off x="1824" y="47977"/>
-          <a:ext cx="1779218" cy="489600"/>
-        </a:xfrm>
-        <a:prstGeom prst="rect">
-          <a:avLst/>
-        </a:prstGeom>
-        <a:solidFill>
-          <a:schemeClr val="accent1">
-            <a:hueOff val="0"/>
-            <a:satOff val="0"/>
-            <a:lumOff val="0"/>
-            <a:alphaOff val="0"/>
-          </a:schemeClr>
-        </a:solidFill>
-        <a:ln w="12700" cap="flat" cmpd="sng" algn="ctr">
-          <a:solidFill>
-            <a:schemeClr val="accent1">
-              <a:hueOff val="0"/>
-              <a:satOff val="0"/>
-              <a:lumOff val="0"/>
-              <a:alphaOff val="0"/>
-            </a:schemeClr>
-          </a:solidFill>
-          <a:prstDash val="solid"/>
-          <a:miter lim="800000"/>
-        </a:ln>
-        <a:effectLst/>
-      </dsp:spPr>
-      <dsp:style>
-        <a:lnRef idx="2">
-          <a:scrgbClr r="0" g="0" b="0"/>
-        </a:lnRef>
-        <a:fillRef idx="1">
-          <a:scrgbClr r="0" g="0" b="0"/>
-        </a:fillRef>
-        <a:effectRef idx="0">
-          <a:scrgbClr r="0" g="0" b="0"/>
-        </a:effectRef>
-        <a:fontRef idx="minor">
-          <a:schemeClr val="lt1"/>
-        </a:fontRef>
-      </dsp:style>
-      <dsp:txBody>
-        <a:bodyPr spcFirstLastPara="0" vert="horz" wrap="square" lIns="120904" tIns="69088" rIns="120904" bIns="69088" numCol="1" spcCol="1270" anchor="ctr" anchorCtr="0">
-          <a:noAutofit/>
-        </a:bodyPr>
-        <a:lstStyle/>
-        <a:p>
-          <a:pPr lvl="0" algn="ctr" defTabSz="755650">
-            <a:lnSpc>
-              <a:spcPct val="90000"/>
-            </a:lnSpc>
-            <a:spcBef>
-              <a:spcPct val="0"/>
-            </a:spcBef>
-            <a:spcAft>
-              <a:spcPct val="35000"/>
-            </a:spcAft>
-          </a:pPr>
-          <a:r>
-            <a:rPr lang="zh-CN" altLang="en-US" sz="1700" kern="1200" dirty="0" smtClean="0"/>
-            <a:t>进程</a:t>
-          </a:r>
-          <a:r>
-            <a:rPr lang="en-US" altLang="zh-CN" sz="1700" kern="1200" dirty="0" smtClean="0"/>
-            <a:t>1</a:t>
-          </a:r>
-          <a:endParaRPr lang="zh-CN" altLang="en-US" sz="1700" kern="1200" dirty="0"/>
-        </a:p>
-      </dsp:txBody>
-      <dsp:txXfrm>
-        <a:off x="1824" y="47977"/>
-        <a:ext cx="1779218" cy="489600"/>
-      </dsp:txXfrm>
-    </dsp:sp>
-    <dsp:sp modelId="{6FC44D69-7B76-476D-AAE9-1CF08B9C5332}">
-      <dsp:nvSpPr>
-        <dsp:cNvPr id="0" name=""/>
-        <dsp:cNvSpPr/>
-      </dsp:nvSpPr>
-      <dsp:spPr>
-        <a:xfrm>
-          <a:off x="1824" y="537578"/>
-          <a:ext cx="1779218" cy="1306620"/>
-        </a:xfrm>
-        <a:prstGeom prst="rect">
-          <a:avLst/>
-        </a:prstGeom>
-        <a:solidFill>
-          <a:schemeClr val="accent1">
-            <a:alpha val="90000"/>
-            <a:tint val="40000"/>
-            <a:hueOff val="0"/>
-            <a:satOff val="0"/>
-            <a:lumOff val="0"/>
-            <a:alphaOff val="0"/>
-          </a:schemeClr>
-        </a:solidFill>
-        <a:ln w="12700" cap="flat" cmpd="sng" algn="ctr">
-          <a:solidFill>
-            <a:schemeClr val="accent1">
-              <a:alpha val="90000"/>
-              <a:tint val="40000"/>
-              <a:hueOff val="0"/>
-              <a:satOff val="0"/>
-              <a:lumOff val="0"/>
-              <a:alphaOff val="0"/>
-            </a:schemeClr>
-          </a:solidFill>
-          <a:prstDash val="solid"/>
-          <a:miter lim="800000"/>
-        </a:ln>
-        <a:effectLst/>
-      </dsp:spPr>
-      <dsp:style>
-        <a:lnRef idx="2">
-          <a:scrgbClr r="0" g="0" b="0"/>
-        </a:lnRef>
-        <a:fillRef idx="1">
-          <a:scrgbClr r="0" g="0" b="0"/>
-        </a:fillRef>
-        <a:effectRef idx="0">
-          <a:scrgbClr r="0" g="0" b="0"/>
-        </a:effectRef>
-        <a:fontRef idx="minor"/>
-      </dsp:style>
-      <dsp:txBody>
-        <a:bodyPr spcFirstLastPara="0" vert="horz" wrap="square" lIns="90678" tIns="90678" rIns="120904" bIns="136017" numCol="1" spcCol="1270" anchor="t" anchorCtr="0">
-          <a:noAutofit/>
-        </a:bodyPr>
-        <a:lstStyle/>
-        <a:p>
-          <a:pPr marL="171450" lvl="1" indent="-171450" algn="l" defTabSz="755650">
-            <a:lnSpc>
-              <a:spcPct val="90000"/>
-            </a:lnSpc>
-            <a:spcBef>
-              <a:spcPct val="0"/>
-            </a:spcBef>
-            <a:spcAft>
-              <a:spcPct val="15000"/>
-            </a:spcAft>
-            <a:buChar char="••"/>
-          </a:pPr>
-          <a:r>
-            <a:rPr lang="en-US" altLang="zh-CN" sz="1700" kern="1200" dirty="0" smtClean="0"/>
-            <a:t>accept</a:t>
-          </a:r>
-          <a:endParaRPr lang="zh-CN" altLang="en-US" sz="1700" kern="1200" dirty="0"/>
-        </a:p>
-        <a:p>
-          <a:pPr marL="171450" lvl="1" indent="-171450" algn="l" defTabSz="755650">
-            <a:lnSpc>
-              <a:spcPct val="90000"/>
-            </a:lnSpc>
-            <a:spcBef>
-              <a:spcPct val="0"/>
-            </a:spcBef>
-            <a:spcAft>
-              <a:spcPct val="15000"/>
-            </a:spcAft>
-            <a:buChar char="••"/>
-          </a:pPr>
-          <a:r>
-            <a:rPr lang="en-US" altLang="zh-CN" sz="1700" kern="1200" dirty="0" err="1" smtClean="0"/>
-            <a:t>recv</a:t>
-          </a:r>
-          <a:endParaRPr lang="zh-CN" altLang="en-US" sz="1700" kern="1200" dirty="0"/>
-        </a:p>
-        <a:p>
-          <a:pPr marL="171450" lvl="1" indent="-171450" algn="l" defTabSz="755650">
-            <a:lnSpc>
-              <a:spcPct val="90000"/>
-            </a:lnSpc>
-            <a:spcBef>
-              <a:spcPct val="0"/>
-            </a:spcBef>
-            <a:spcAft>
-              <a:spcPct val="15000"/>
-            </a:spcAft>
-            <a:buChar char="••"/>
-          </a:pPr>
-          <a:r>
-            <a:rPr lang="en-US" altLang="zh-CN" sz="1700" kern="1200" dirty="0" err="1" smtClean="0"/>
-            <a:t>do_something</a:t>
-          </a:r>
-          <a:endParaRPr lang="zh-CN" altLang="en-US" sz="1700" kern="1200" dirty="0"/>
-        </a:p>
-        <a:p>
-          <a:pPr marL="171450" lvl="1" indent="-171450" algn="l" defTabSz="755650">
-            <a:lnSpc>
-              <a:spcPct val="90000"/>
-            </a:lnSpc>
-            <a:spcBef>
-              <a:spcPct val="0"/>
-            </a:spcBef>
-            <a:spcAft>
-              <a:spcPct val="15000"/>
-            </a:spcAft>
-            <a:buChar char="••"/>
-          </a:pPr>
-          <a:r>
-            <a:rPr lang="en-US" altLang="zh-CN" sz="1700" kern="1200" dirty="0" smtClean="0"/>
-            <a:t>send</a:t>
-          </a:r>
-          <a:endParaRPr lang="zh-CN" altLang="en-US" sz="1700" kern="1200" dirty="0"/>
-        </a:p>
-      </dsp:txBody>
-      <dsp:txXfrm>
-        <a:off x="1824" y="537578"/>
-        <a:ext cx="1779218" cy="1306620"/>
-      </dsp:txXfrm>
-    </dsp:sp>
-    <dsp:sp modelId="{FF03801B-83DC-4F72-A4EF-37591F280430}">
-      <dsp:nvSpPr>
-        <dsp:cNvPr id="0" name=""/>
-        <dsp:cNvSpPr/>
-      </dsp:nvSpPr>
-      <dsp:spPr>
-        <a:xfrm>
-          <a:off x="2030133" y="47977"/>
-          <a:ext cx="1779218" cy="489600"/>
-        </a:xfrm>
-        <a:prstGeom prst="rect">
-          <a:avLst/>
-        </a:prstGeom>
-        <a:solidFill>
-          <a:schemeClr val="accent1">
-            <a:hueOff val="0"/>
-            <a:satOff val="0"/>
-            <a:lumOff val="0"/>
-            <a:alphaOff val="0"/>
-          </a:schemeClr>
-        </a:solidFill>
-        <a:ln w="12700" cap="flat" cmpd="sng" algn="ctr">
-          <a:solidFill>
-            <a:schemeClr val="accent1">
-              <a:hueOff val="0"/>
-              <a:satOff val="0"/>
-              <a:lumOff val="0"/>
-              <a:alphaOff val="0"/>
-            </a:schemeClr>
-          </a:solidFill>
-          <a:prstDash val="solid"/>
-          <a:miter lim="800000"/>
-        </a:ln>
-        <a:effectLst/>
-      </dsp:spPr>
-      <dsp:style>
-        <a:lnRef idx="2">
-          <a:scrgbClr r="0" g="0" b="0"/>
-        </a:lnRef>
-        <a:fillRef idx="1">
-          <a:scrgbClr r="0" g="0" b="0"/>
-        </a:fillRef>
-        <a:effectRef idx="0">
-          <a:scrgbClr r="0" g="0" b="0"/>
-        </a:effectRef>
-        <a:fontRef idx="minor">
-          <a:schemeClr val="lt1"/>
-        </a:fontRef>
-      </dsp:style>
-      <dsp:txBody>
-        <a:bodyPr spcFirstLastPara="0" vert="horz" wrap="square" lIns="120904" tIns="69088" rIns="120904" bIns="69088" numCol="1" spcCol="1270" anchor="ctr" anchorCtr="0">
-          <a:noAutofit/>
-        </a:bodyPr>
-        <a:lstStyle/>
-        <a:p>
-          <a:pPr lvl="0" algn="ctr" defTabSz="755650">
-            <a:lnSpc>
-              <a:spcPct val="90000"/>
-            </a:lnSpc>
-            <a:spcBef>
-              <a:spcPct val="0"/>
-            </a:spcBef>
-            <a:spcAft>
-              <a:spcPct val="35000"/>
-            </a:spcAft>
-          </a:pPr>
-          <a:r>
-            <a:rPr lang="zh-CN" altLang="en-US" sz="1700" kern="1200" dirty="0" smtClean="0"/>
-            <a:t>进程</a:t>
-          </a:r>
-          <a:r>
-            <a:rPr lang="en-US" altLang="zh-CN" sz="1700" kern="1200" dirty="0" smtClean="0"/>
-            <a:t>2</a:t>
-          </a:r>
-          <a:endParaRPr lang="zh-CN" altLang="en-US" sz="1700" kern="1200" dirty="0"/>
-        </a:p>
-      </dsp:txBody>
-      <dsp:txXfrm>
-        <a:off x="2030133" y="47977"/>
-        <a:ext cx="1779218" cy="489600"/>
-      </dsp:txXfrm>
-    </dsp:sp>
-    <dsp:sp modelId="{C2907F33-AB4F-4C15-9B88-A84DE46788B7}">
-      <dsp:nvSpPr>
-        <dsp:cNvPr id="0" name=""/>
-        <dsp:cNvSpPr/>
-      </dsp:nvSpPr>
-      <dsp:spPr>
-        <a:xfrm>
-          <a:off x="2030133" y="537578"/>
-          <a:ext cx="1779218" cy="1306620"/>
-        </a:xfrm>
-        <a:prstGeom prst="rect">
-          <a:avLst/>
-        </a:prstGeom>
-        <a:solidFill>
-          <a:schemeClr val="accent1">
-            <a:alpha val="90000"/>
-            <a:tint val="40000"/>
-            <a:hueOff val="0"/>
-            <a:satOff val="0"/>
-            <a:lumOff val="0"/>
-            <a:alphaOff val="0"/>
-          </a:schemeClr>
-        </a:solidFill>
-        <a:ln w="12700" cap="flat" cmpd="sng" algn="ctr">
-          <a:solidFill>
-            <a:schemeClr val="accent1">
-              <a:alpha val="90000"/>
-              <a:tint val="40000"/>
-              <a:hueOff val="0"/>
-              <a:satOff val="0"/>
-              <a:lumOff val="0"/>
-              <a:alphaOff val="0"/>
-            </a:schemeClr>
-          </a:solidFill>
-          <a:prstDash val="solid"/>
-          <a:miter lim="800000"/>
-        </a:ln>
-        <a:effectLst/>
-      </dsp:spPr>
-      <dsp:style>
-        <a:lnRef idx="2">
-          <a:scrgbClr r="0" g="0" b="0"/>
-        </a:lnRef>
-        <a:fillRef idx="1">
-          <a:scrgbClr r="0" g="0" b="0"/>
-        </a:fillRef>
-        <a:effectRef idx="0">
-          <a:scrgbClr r="0" g="0" b="0"/>
-        </a:effectRef>
-        <a:fontRef idx="minor"/>
-      </dsp:style>
-      <dsp:txBody>
-        <a:bodyPr spcFirstLastPara="0" vert="horz" wrap="square" lIns="90678" tIns="90678" rIns="120904" bIns="136017" numCol="1" spcCol="1270" anchor="t" anchorCtr="0">
-          <a:noAutofit/>
-        </a:bodyPr>
-        <a:lstStyle/>
-        <a:p>
-          <a:pPr marL="171450" lvl="1" indent="-171450" algn="l" defTabSz="755650">
-            <a:lnSpc>
-              <a:spcPct val="90000"/>
-            </a:lnSpc>
-            <a:spcBef>
-              <a:spcPct val="0"/>
-            </a:spcBef>
-            <a:spcAft>
-              <a:spcPct val="15000"/>
-            </a:spcAft>
-            <a:buChar char="••"/>
-          </a:pPr>
-          <a:r>
-            <a:rPr lang="en-US" altLang="zh-CN" sz="1700" kern="1200" dirty="0" smtClean="0"/>
-            <a:t>accept</a:t>
-          </a:r>
-          <a:endParaRPr lang="zh-CN" altLang="en-US" sz="1700" kern="1200" dirty="0"/>
-        </a:p>
-        <a:p>
-          <a:pPr marL="171450" lvl="1" indent="-171450" algn="l" defTabSz="755650">
-            <a:lnSpc>
-              <a:spcPct val="90000"/>
-            </a:lnSpc>
-            <a:spcBef>
-              <a:spcPct val="0"/>
-            </a:spcBef>
-            <a:spcAft>
-              <a:spcPct val="15000"/>
-            </a:spcAft>
-            <a:buChar char="••"/>
-          </a:pPr>
-          <a:r>
-            <a:rPr lang="en-US" altLang="zh-CN" sz="1700" kern="1200" smtClean="0"/>
-            <a:t>recv</a:t>
-          </a:r>
-          <a:endParaRPr lang="zh-CN" altLang="en-US" sz="1700" kern="1200" dirty="0"/>
-        </a:p>
-        <a:p>
-          <a:pPr marL="171450" lvl="1" indent="-171450" algn="l" defTabSz="755650">
-            <a:lnSpc>
-              <a:spcPct val="90000"/>
-            </a:lnSpc>
-            <a:spcBef>
-              <a:spcPct val="0"/>
-            </a:spcBef>
-            <a:spcAft>
-              <a:spcPct val="15000"/>
-            </a:spcAft>
-            <a:buChar char="••"/>
-          </a:pPr>
-          <a:r>
-            <a:rPr lang="en-US" altLang="zh-CN" sz="1700" kern="1200" smtClean="0"/>
-            <a:t>do_something</a:t>
-          </a:r>
-          <a:endParaRPr lang="zh-CN" altLang="en-US" sz="1700" kern="1200" dirty="0"/>
-        </a:p>
-        <a:p>
-          <a:pPr marL="171450" lvl="1" indent="-171450" algn="l" defTabSz="755650">
-            <a:lnSpc>
-              <a:spcPct val="90000"/>
-            </a:lnSpc>
-            <a:spcBef>
-              <a:spcPct val="0"/>
-            </a:spcBef>
-            <a:spcAft>
-              <a:spcPct val="15000"/>
-            </a:spcAft>
-            <a:buChar char="••"/>
-          </a:pPr>
-          <a:r>
-            <a:rPr lang="en-US" altLang="zh-CN" sz="1700" kern="1200" dirty="0" smtClean="0"/>
-            <a:t>send</a:t>
-          </a:r>
-          <a:endParaRPr lang="zh-CN" altLang="en-US" sz="1700" kern="1200" dirty="0"/>
-        </a:p>
-      </dsp:txBody>
-      <dsp:txXfrm>
-        <a:off x="2030133" y="537578"/>
-        <a:ext cx="1779218" cy="1306620"/>
-      </dsp:txXfrm>
-    </dsp:sp>
-    <dsp:sp modelId="{30269B24-1BD6-4D62-905D-3BCD885D213E}">
-      <dsp:nvSpPr>
-        <dsp:cNvPr id="0" name=""/>
-        <dsp:cNvSpPr/>
-      </dsp:nvSpPr>
-      <dsp:spPr>
-        <a:xfrm>
-          <a:off x="4058442" y="47977"/>
-          <a:ext cx="1779218" cy="489600"/>
-        </a:xfrm>
-        <a:prstGeom prst="rect">
-          <a:avLst/>
-        </a:prstGeom>
-        <a:solidFill>
-          <a:schemeClr val="accent1">
-            <a:hueOff val="0"/>
-            <a:satOff val="0"/>
-            <a:lumOff val="0"/>
-            <a:alphaOff val="0"/>
-          </a:schemeClr>
-        </a:solidFill>
-        <a:ln w="12700" cap="flat" cmpd="sng" algn="ctr">
-          <a:solidFill>
-            <a:schemeClr val="accent1">
-              <a:hueOff val="0"/>
-              <a:satOff val="0"/>
-              <a:lumOff val="0"/>
-              <a:alphaOff val="0"/>
-            </a:schemeClr>
-          </a:solidFill>
-          <a:prstDash val="solid"/>
-          <a:miter lim="800000"/>
-        </a:ln>
-        <a:effectLst/>
-      </dsp:spPr>
-      <dsp:style>
-        <a:lnRef idx="2">
-          <a:scrgbClr r="0" g="0" b="0"/>
-        </a:lnRef>
-        <a:fillRef idx="1">
-          <a:scrgbClr r="0" g="0" b="0"/>
-        </a:fillRef>
-        <a:effectRef idx="0">
-          <a:scrgbClr r="0" g="0" b="0"/>
-        </a:effectRef>
-        <a:fontRef idx="minor">
-          <a:schemeClr val="lt1"/>
-        </a:fontRef>
-      </dsp:style>
-      <dsp:txBody>
-        <a:bodyPr spcFirstLastPara="0" vert="horz" wrap="square" lIns="120904" tIns="69088" rIns="120904" bIns="69088" numCol="1" spcCol="1270" anchor="ctr" anchorCtr="0">
-          <a:noAutofit/>
-        </a:bodyPr>
-        <a:lstStyle/>
-        <a:p>
-          <a:pPr lvl="0" algn="ctr" defTabSz="755650">
-            <a:lnSpc>
-              <a:spcPct val="90000"/>
-            </a:lnSpc>
-            <a:spcBef>
-              <a:spcPct val="0"/>
-            </a:spcBef>
-            <a:spcAft>
-              <a:spcPct val="35000"/>
-            </a:spcAft>
-          </a:pPr>
-          <a:r>
-            <a:rPr lang="en-US" altLang="zh-CN" sz="1700" kern="1200" dirty="0" smtClean="0"/>
-            <a:t>…</a:t>
-          </a:r>
-          <a:r>
-            <a:rPr lang="zh-CN" altLang="en-US" sz="1700" kern="1200" dirty="0" smtClean="0"/>
-            <a:t>进程</a:t>
-          </a:r>
-          <a:r>
-            <a:rPr lang="en-US" altLang="zh-CN" sz="1700" kern="1200" dirty="0" smtClean="0"/>
-            <a:t>N</a:t>
-          </a:r>
-          <a:endParaRPr lang="zh-CN" altLang="en-US" sz="1700" kern="1200" dirty="0"/>
-        </a:p>
-      </dsp:txBody>
-      <dsp:txXfrm>
-        <a:off x="4058442" y="47977"/>
-        <a:ext cx="1779218" cy="489600"/>
-      </dsp:txXfrm>
-    </dsp:sp>
-    <dsp:sp modelId="{D3BF1AE5-7152-41DC-8017-2B91E9C576C8}">
-      <dsp:nvSpPr>
-        <dsp:cNvPr id="0" name=""/>
-        <dsp:cNvSpPr/>
-      </dsp:nvSpPr>
-      <dsp:spPr>
-        <a:xfrm>
-          <a:off x="4058442" y="537578"/>
-          <a:ext cx="1779218" cy="1306620"/>
-        </a:xfrm>
-        <a:prstGeom prst="rect">
-          <a:avLst/>
-        </a:prstGeom>
-        <a:solidFill>
-          <a:schemeClr val="accent1">
-            <a:alpha val="90000"/>
-            <a:tint val="40000"/>
-            <a:hueOff val="0"/>
-            <a:satOff val="0"/>
-            <a:lumOff val="0"/>
-            <a:alphaOff val="0"/>
-          </a:schemeClr>
-        </a:solidFill>
-        <a:ln w="12700" cap="flat" cmpd="sng" algn="ctr">
-          <a:solidFill>
-            <a:schemeClr val="accent1">
-              <a:alpha val="90000"/>
-              <a:tint val="40000"/>
-              <a:hueOff val="0"/>
-              <a:satOff val="0"/>
-              <a:lumOff val="0"/>
-              <a:alphaOff val="0"/>
-            </a:schemeClr>
-          </a:solidFill>
-          <a:prstDash val="solid"/>
-          <a:miter lim="800000"/>
-        </a:ln>
-        <a:effectLst/>
-      </dsp:spPr>
-      <dsp:style>
-        <a:lnRef idx="2">
-          <a:scrgbClr r="0" g="0" b="0"/>
-        </a:lnRef>
-        <a:fillRef idx="1">
-          <a:scrgbClr r="0" g="0" b="0"/>
-        </a:fillRef>
-        <a:effectRef idx="0">
-          <a:scrgbClr r="0" g="0" b="0"/>
-        </a:effectRef>
-        <a:fontRef idx="minor"/>
-      </dsp:style>
-      <dsp:txBody>
-        <a:bodyPr spcFirstLastPara="0" vert="horz" wrap="square" lIns="90678" tIns="90678" rIns="120904" bIns="136017" numCol="1" spcCol="1270" anchor="t" anchorCtr="0">
-          <a:noAutofit/>
-        </a:bodyPr>
-        <a:lstStyle/>
-        <a:p>
-          <a:pPr marL="171450" lvl="1" indent="-171450" algn="l" defTabSz="755650">
-            <a:lnSpc>
-              <a:spcPct val="90000"/>
-            </a:lnSpc>
-            <a:spcBef>
-              <a:spcPct val="0"/>
-            </a:spcBef>
-            <a:spcAft>
-              <a:spcPct val="15000"/>
-            </a:spcAft>
-            <a:buChar char="••"/>
-          </a:pPr>
-          <a:r>
-            <a:rPr lang="en-US" altLang="zh-CN" sz="1700" kern="1200" dirty="0" smtClean="0"/>
-            <a:t>accept</a:t>
-          </a:r>
-          <a:endParaRPr lang="zh-CN" altLang="en-US" sz="1700" kern="1200" dirty="0"/>
-        </a:p>
-        <a:p>
-          <a:pPr marL="171450" lvl="1" indent="-171450" algn="l" defTabSz="755650">
-            <a:lnSpc>
-              <a:spcPct val="90000"/>
-            </a:lnSpc>
-            <a:spcBef>
-              <a:spcPct val="0"/>
-            </a:spcBef>
-            <a:spcAft>
-              <a:spcPct val="15000"/>
-            </a:spcAft>
-            <a:buChar char="••"/>
-          </a:pPr>
-          <a:r>
-            <a:rPr lang="en-US" altLang="zh-CN" sz="1700" kern="1200" smtClean="0"/>
-            <a:t>recv</a:t>
-          </a:r>
-          <a:endParaRPr lang="zh-CN" altLang="en-US" sz="1700" kern="1200" dirty="0"/>
-        </a:p>
-        <a:p>
-          <a:pPr marL="171450" lvl="1" indent="-171450" algn="l" defTabSz="755650">
-            <a:lnSpc>
-              <a:spcPct val="90000"/>
-            </a:lnSpc>
-            <a:spcBef>
-              <a:spcPct val="0"/>
-            </a:spcBef>
-            <a:spcAft>
-              <a:spcPct val="15000"/>
-            </a:spcAft>
-            <a:buChar char="••"/>
-          </a:pPr>
-          <a:r>
-            <a:rPr lang="en-US" altLang="zh-CN" sz="1700" kern="1200" smtClean="0"/>
-            <a:t>do_something</a:t>
-          </a:r>
-          <a:endParaRPr lang="zh-CN" altLang="en-US" sz="1700" kern="1200" dirty="0"/>
-        </a:p>
-        <a:p>
-          <a:pPr marL="171450" lvl="1" indent="-171450" algn="l" defTabSz="755650">
-            <a:lnSpc>
-              <a:spcPct val="90000"/>
-            </a:lnSpc>
-            <a:spcBef>
-              <a:spcPct val="0"/>
-            </a:spcBef>
-            <a:spcAft>
-              <a:spcPct val="15000"/>
-            </a:spcAft>
-            <a:buChar char="••"/>
-          </a:pPr>
-          <a:r>
-            <a:rPr lang="en-US" altLang="zh-CN" sz="1700" kern="1200" dirty="0" smtClean="0"/>
-            <a:t>send</a:t>
-          </a:r>
-          <a:endParaRPr lang="zh-CN" altLang="en-US" sz="1700" kern="1200" dirty="0"/>
-        </a:p>
-      </dsp:txBody>
-      <dsp:txXfrm>
-        <a:off x="4058442" y="537578"/>
-        <a:ext cx="1779218" cy="1306620"/>
-      </dsp:txXfrm>
-    </dsp:sp>
   </dsp:spTree>
 </dsp:drawing>
 </file>
@@ -11808,7 +11145,7 @@
             </a:r>
             <a:r>
               <a:rPr lang="zh-CN" altLang="en-US" dirty="0" smtClean="0"/>
-              <a:t>改造后架构</a:t>
+              <a:t>改造后的框架：服务器并发编程模型</a:t>
             </a:r>
             <a:endParaRPr lang="zh-CN" altLang="en-US" dirty="0"/>
           </a:p>
@@ -11826,13 +11163,251 @@
         </p:nvSpPr>
         <p:spPr/>
         <p:txBody>
+          <a:bodyPr>
+            <a:normAutofit/>
+          </a:bodyPr>
+          <a:lstStyle/>
+          <a:p>
+            <a:endParaRPr lang="en-US" altLang="zh-CN" dirty="0" smtClean="0"/>
+          </a:p>
+          <a:p>
+            <a:endParaRPr lang="en-US" altLang="zh-CN" dirty="0"/>
+          </a:p>
+          <a:p>
+            <a:endParaRPr lang="en-US" altLang="zh-CN" dirty="0" smtClean="0"/>
+          </a:p>
+          <a:p>
+            <a:endParaRPr lang="en-US" altLang="zh-CN" dirty="0"/>
+          </a:p>
+          <a:p>
+            <a:endParaRPr lang="en-US" altLang="zh-CN" dirty="0" smtClean="0"/>
+          </a:p>
+          <a:p>
+            <a:endParaRPr lang="en-US" altLang="zh-CN" dirty="0" smtClean="0"/>
+          </a:p>
+          <a:p>
+            <a:endParaRPr lang="en-US" altLang="zh-CN" sz="2000" dirty="0" smtClean="0"/>
+          </a:p>
+          <a:p>
+            <a:r>
+              <a:rPr lang="zh-CN" altLang="en-US" sz="2000" dirty="0" smtClean="0"/>
+              <a:t>改造后，原先异步并发模型中的</a:t>
+            </a:r>
+            <a:r>
+              <a:rPr lang="en-US" altLang="zh-CN" sz="2000" dirty="0" err="1" smtClean="0"/>
+              <a:t>recv</a:t>
+            </a:r>
+            <a:r>
+              <a:rPr lang="zh-CN" altLang="en-US" sz="2000" dirty="0" smtClean="0"/>
+              <a:t>线程、</a:t>
+            </a:r>
+            <a:r>
+              <a:rPr lang="en-US" altLang="zh-CN" sz="2000" dirty="0" err="1" smtClean="0"/>
+              <a:t>do_something</a:t>
+            </a:r>
+            <a:r>
+              <a:rPr lang="zh-CN" altLang="en-US" sz="2000" dirty="0" smtClean="0"/>
+              <a:t>线程、</a:t>
+            </a:r>
+            <a:r>
+              <a:rPr lang="en-US" altLang="zh-CN" sz="2000" dirty="0" smtClean="0"/>
+              <a:t>send</a:t>
+            </a:r>
+            <a:r>
+              <a:rPr lang="zh-CN" altLang="en-US" sz="2000" dirty="0" smtClean="0"/>
+              <a:t>线程被一个</a:t>
+            </a:r>
+            <a:r>
+              <a:rPr lang="en-US" altLang="zh-CN" sz="2000" dirty="0" smtClean="0"/>
+              <a:t>worker</a:t>
+            </a:r>
+            <a:r>
+              <a:rPr lang="zh-CN" altLang="en-US" sz="2000" dirty="0" smtClean="0"/>
+              <a:t>协程替代。异步变成了同步。</a:t>
+            </a:r>
+            <a:r>
+              <a:rPr lang="en-US" altLang="zh-CN" sz="2000" dirty="0" smtClean="0"/>
+              <a:t>Acceptor</a:t>
+            </a:r>
+            <a:r>
+              <a:rPr lang="zh-CN" altLang="en-US" sz="2000" dirty="0" smtClean="0"/>
+              <a:t>线程仍然独立用一个线程。</a:t>
+            </a:r>
+            <a:endParaRPr lang="zh-CN" altLang="en-US" sz="2000" dirty="0"/>
+          </a:p>
+        </p:txBody>
+      </p:sp>
+      <p:pic>
+        <p:nvPicPr>
+          <p:cNvPr id="4" name="图片 3"/>
+          <p:cNvPicPr>
+            <a:picLocks noChangeAspect="1"/>
+          </p:cNvPicPr>
+          <p:nvPr/>
+        </p:nvPicPr>
+        <p:blipFill>
+          <a:blip r:embed="rId2"/>
+          <a:stretch>
+            <a:fillRect/>
+          </a:stretch>
+        </p:blipFill>
+        <p:spPr>
+          <a:xfrm>
+            <a:off x="4399984" y="1825625"/>
+            <a:ext cx="3041964" cy="3025912"/>
+          </a:xfrm>
+          <a:prstGeom prst="rect">
+            <a:avLst/>
+          </a:prstGeom>
+        </p:spPr>
+      </p:pic>
+    </p:spTree>
+    <p:extLst>
+      <p:ext uri="{BB962C8B-B14F-4D97-AF65-F5344CB8AC3E}">
+        <p14:creationId xmlns:p14="http://schemas.microsoft.com/office/powerpoint/2010/main" val="117458880"/>
+      </p:ext>
+    </p:extLst>
+  </p:cSld>
+  <p:clrMapOvr>
+    <a:masterClrMapping/>
+  </p:clrMapOvr>
+</p:sld>
+</file>
+
+<file path=ppt/slides/slide12.xml><?xml version="1.0" encoding="utf-8"?>
+<p:sld xmlns:a="http://schemas.openxmlformats.org/drawingml/2006/main" xmlns:r="http://schemas.openxmlformats.org/officeDocument/2006/relationships" xmlns:p="http://schemas.openxmlformats.org/presentationml/2006/main">
+  <p:cSld>
+    <p:spTree>
+      <p:nvGrpSpPr>
+        <p:cNvPr id="1" name=""/>
+        <p:cNvGrpSpPr/>
+        <p:nvPr/>
+      </p:nvGrpSpPr>
+      <p:grpSpPr>
+        <a:xfrm>
+          <a:off x="0" y="0"/>
+          <a:ext cx="0" cy="0"/>
+          <a:chOff x="0" y="0"/>
+          <a:chExt cx="0" cy="0"/>
+        </a:xfrm>
+      </p:grpSpPr>
+      <p:sp>
+        <p:nvSpPr>
+          <p:cNvPr id="2" name="标题 1"/>
+          <p:cNvSpPr>
+            <a:spLocks noGrp="1"/>
+          </p:cNvSpPr>
+          <p:nvPr>
+            <p:ph type="title"/>
+          </p:nvPr>
+        </p:nvSpPr>
+        <p:spPr/>
+        <p:txBody>
           <a:bodyPr/>
           <a:lstStyle/>
           <a:p>
+            <a:r>
+              <a:rPr lang="en-US" altLang="zh-CN" dirty="0" smtClean="0"/>
+              <a:t>3.3</a:t>
+            </a:r>
+            <a:r>
+              <a:rPr lang="en-US" altLang="zh-CN" dirty="0" smtClean="0"/>
+              <a:t>.1</a:t>
+            </a:r>
+            <a:r>
+              <a:rPr lang="en-US" altLang="zh-CN" dirty="0" smtClean="0"/>
+              <a:t> </a:t>
+            </a:r>
+            <a:r>
+              <a:rPr lang="zh-CN" altLang="en-US" dirty="0" smtClean="0"/>
+              <a:t>改造后</a:t>
+            </a:r>
+            <a:r>
+              <a:rPr lang="zh-CN" altLang="en-US" dirty="0" smtClean="0"/>
+              <a:t>架构</a:t>
+            </a:r>
+            <a:r>
+              <a:rPr lang="en-US" altLang="zh-CN" dirty="0" smtClean="0"/>
+              <a:t>:</a:t>
+            </a:r>
+            <a:r>
+              <a:rPr lang="zh-CN" altLang="en-US" dirty="0" smtClean="0"/>
+              <a:t>生产消费者</a:t>
+            </a:r>
             <a:endParaRPr lang="zh-CN" altLang="en-US" dirty="0"/>
           </a:p>
         </p:txBody>
       </p:sp>
+      <p:sp>
+        <p:nvSpPr>
+          <p:cNvPr id="5" name="内容占位符 4"/>
+          <p:cNvSpPr>
+            <a:spLocks noGrp="1"/>
+          </p:cNvSpPr>
+          <p:nvPr>
+            <p:ph idx="1"/>
+          </p:nvPr>
+        </p:nvSpPr>
+        <p:spPr/>
+        <p:txBody>
+          <a:bodyPr/>
+          <a:lstStyle/>
+          <a:p>
+            <a:endParaRPr lang="en-US" altLang="zh-CN" dirty="0" smtClean="0"/>
+          </a:p>
+          <a:p>
+            <a:endParaRPr lang="en-US" altLang="zh-CN" dirty="0"/>
+          </a:p>
+          <a:p>
+            <a:endParaRPr lang="en-US" altLang="zh-CN" dirty="0" smtClean="0"/>
+          </a:p>
+          <a:p>
+            <a:endParaRPr lang="en-US" altLang="zh-CN" dirty="0"/>
+          </a:p>
+          <a:p>
+            <a:endParaRPr lang="en-US" altLang="zh-CN" dirty="0" smtClean="0"/>
+          </a:p>
+          <a:p>
+            <a:r>
+              <a:rPr lang="zh-CN" altLang="en-US" dirty="0" smtClean="0"/>
+              <a:t>改造后的架构，生产者跟消费者之间不再需要锁对资源上锁，消除了资源竞争，提高了</a:t>
+            </a:r>
+            <a:r>
+              <a:rPr lang="en-US" altLang="zh-CN" dirty="0" smtClean="0"/>
+              <a:t>CPU</a:t>
+            </a:r>
+            <a:r>
+              <a:rPr lang="zh-CN" altLang="en-US" dirty="0" smtClean="0"/>
+              <a:t>利用率。</a:t>
+            </a:r>
+            <a:endParaRPr lang="zh-CN" altLang="en-US" dirty="0"/>
+          </a:p>
+        </p:txBody>
+      </p:sp>
+      <p:pic>
+        <p:nvPicPr>
+          <p:cNvPr id="6" name="图片 5"/>
+          <p:cNvPicPr>
+            <a:picLocks noChangeAspect="1"/>
+          </p:cNvPicPr>
+          <p:nvPr/>
+        </p:nvPicPr>
+        <p:blipFill>
+          <a:blip r:embed="rId2"/>
+          <a:stretch>
+            <a:fillRect/>
+          </a:stretch>
+        </p:blipFill>
+        <p:spPr>
+          <a:xfrm>
+            <a:off x="3545187" y="1805208"/>
+            <a:ext cx="3634212" cy="2460184"/>
+          </a:xfrm>
+          <a:prstGeom prst="rect">
+            <a:avLst/>
+          </a:prstGeom>
+        </p:spPr>
+      </p:pic>
     </p:spTree>
     <p:extLst>
       <p:ext uri="{BB962C8B-B14F-4D97-AF65-F5344CB8AC3E}">
@@ -13317,15 +12892,7 @@
           <a:p>
             <a:r>
               <a:rPr lang="zh-CN" altLang="en-US" sz="2400" dirty="0" smtClean="0"/>
-              <a:t>线程</a:t>
-            </a:r>
-            <a:r>
-              <a:rPr lang="zh-CN" altLang="en-US" sz="2400" dirty="0" smtClean="0"/>
-              <a:t>出现后</a:t>
-            </a:r>
-            <a:r>
-              <a:rPr lang="zh-CN" altLang="en-US" sz="2400" dirty="0" smtClean="0"/>
-              <a:t>，为了利用</a:t>
+              <a:t>线程出现后，为了利用</a:t>
             </a:r>
             <a:r>
               <a:rPr lang="en-US" altLang="zh-CN" sz="2400" dirty="0" smtClean="0"/>
@@ -13333,11 +12900,7 @@
             </a:r>
             <a:r>
               <a:rPr lang="zh-CN" altLang="en-US" sz="2400" dirty="0" smtClean="0"/>
-              <a:t>的处理能力，开发模式变成了异步多线程模式</a:t>
-            </a:r>
-            <a:r>
-              <a:rPr lang="zh-CN" altLang="en-US" sz="2400" dirty="0" smtClean="0"/>
-              <a:t>。</a:t>
+              <a:t>的处理能力，开发模式变成了异步多线程模式。</a:t>
             </a:r>
             <a:endParaRPr lang="en-US" altLang="zh-CN" sz="2400" dirty="0" smtClean="0"/>
           </a:p>

--- a/协程/协程-潘东经.pptx
+++ b/协程/协程-潘东经.pptx
@@ -17,6 +17,10 @@
     <p:sldId id="265" r:id="rId11"/>
     <p:sldId id="267" r:id="rId12"/>
     <p:sldId id="266" r:id="rId13"/>
+    <p:sldId id="269" r:id="rId14"/>
+    <p:sldId id="268" r:id="rId15"/>
+    <p:sldId id="270" r:id="rId16"/>
+    <p:sldId id="271" r:id="rId17"/>
   </p:sldIdLst>
   <p:sldSz cx="12192000" cy="6858000"/>
   <p:notesSz cx="6858000" cy="9144000"/>
@@ -3847,6 +3851,550 @@
       <dsp:cNvGrpSpPr/>
     </dsp:nvGrpSpPr>
     <dsp:grpSpPr/>
+    <dsp:sp modelId="{8EB859A4-7596-4658-98BB-F0FC81E8F5ED}">
+      <dsp:nvSpPr>
+        <dsp:cNvPr id="0" name=""/>
+        <dsp:cNvSpPr/>
+      </dsp:nvSpPr>
+      <dsp:spPr>
+        <a:xfrm>
+          <a:off x="3739" y="0"/>
+          <a:ext cx="1635149" cy="660903"/>
+        </a:xfrm>
+        <a:prstGeom prst="roundRect">
+          <a:avLst>
+            <a:gd name="adj" fmla="val 10000"/>
+          </a:avLst>
+        </a:prstGeom>
+        <a:solidFill>
+          <a:schemeClr val="accent1">
+            <a:hueOff val="0"/>
+            <a:satOff val="0"/>
+            <a:lumOff val="0"/>
+            <a:alphaOff val="0"/>
+          </a:schemeClr>
+        </a:solidFill>
+        <a:ln w="12700" cap="flat" cmpd="sng" algn="ctr">
+          <a:solidFill>
+            <a:schemeClr val="lt1">
+              <a:hueOff val="0"/>
+              <a:satOff val="0"/>
+              <a:lumOff val="0"/>
+              <a:alphaOff val="0"/>
+            </a:schemeClr>
+          </a:solidFill>
+          <a:prstDash val="solid"/>
+          <a:miter lim="800000"/>
+        </a:ln>
+        <a:effectLst/>
+      </dsp:spPr>
+      <dsp:style>
+        <a:lnRef idx="2">
+          <a:scrgbClr r="0" g="0" b="0"/>
+        </a:lnRef>
+        <a:fillRef idx="1">
+          <a:scrgbClr r="0" g="0" b="0"/>
+        </a:fillRef>
+        <a:effectRef idx="0">
+          <a:scrgbClr r="0" g="0" b="0"/>
+        </a:effectRef>
+        <a:fontRef idx="minor">
+          <a:schemeClr val="lt1"/>
+        </a:fontRef>
+      </dsp:style>
+      <dsp:txBody>
+        <a:bodyPr spcFirstLastPara="0" vert="horz" wrap="square" lIns="57150" tIns="57150" rIns="57150" bIns="57150" numCol="1" spcCol="1270" anchor="ctr" anchorCtr="0">
+          <a:noAutofit/>
+        </a:bodyPr>
+        <a:lstStyle/>
+        <a:p>
+          <a:pPr lvl="0" algn="ctr" defTabSz="666750">
+            <a:lnSpc>
+              <a:spcPct val="90000"/>
+            </a:lnSpc>
+            <a:spcBef>
+              <a:spcPct val="0"/>
+            </a:spcBef>
+            <a:spcAft>
+              <a:spcPct val="35000"/>
+            </a:spcAft>
+          </a:pPr>
+          <a:r>
+            <a:rPr lang="en-US" altLang="zh-CN" sz="1500" kern="1200" dirty="0" smtClean="0"/>
+            <a:t>accept</a:t>
+          </a:r>
+          <a:endParaRPr lang="zh-CN" altLang="en-US" sz="1500" kern="1200" dirty="0"/>
+        </a:p>
+      </dsp:txBody>
+      <dsp:txXfrm>
+        <a:off x="23096" y="19357"/>
+        <a:ext cx="1596435" cy="622189"/>
+      </dsp:txXfrm>
+    </dsp:sp>
+    <dsp:sp modelId="{A5BF49FD-B05A-418E-9BCB-FC975247347C}">
+      <dsp:nvSpPr>
+        <dsp:cNvPr id="0" name=""/>
+        <dsp:cNvSpPr/>
+      </dsp:nvSpPr>
+      <dsp:spPr>
+        <a:xfrm>
+          <a:off x="1802404" y="127692"/>
+          <a:ext cx="346651" cy="405517"/>
+        </a:xfrm>
+        <a:prstGeom prst="rightArrow">
+          <a:avLst>
+            <a:gd name="adj1" fmla="val 60000"/>
+            <a:gd name="adj2" fmla="val 50000"/>
+          </a:avLst>
+        </a:prstGeom>
+        <a:solidFill>
+          <a:schemeClr val="accent1">
+            <a:tint val="60000"/>
+            <a:hueOff val="0"/>
+            <a:satOff val="0"/>
+            <a:lumOff val="0"/>
+            <a:alphaOff val="0"/>
+          </a:schemeClr>
+        </a:solidFill>
+        <a:ln>
+          <a:noFill/>
+        </a:ln>
+        <a:effectLst/>
+      </dsp:spPr>
+      <dsp:style>
+        <a:lnRef idx="0">
+          <a:scrgbClr r="0" g="0" b="0"/>
+        </a:lnRef>
+        <a:fillRef idx="1">
+          <a:scrgbClr r="0" g="0" b="0"/>
+        </a:fillRef>
+        <a:effectRef idx="0">
+          <a:scrgbClr r="0" g="0" b="0"/>
+        </a:effectRef>
+        <a:fontRef idx="minor">
+          <a:schemeClr val="lt1"/>
+        </a:fontRef>
+      </dsp:style>
+      <dsp:txBody>
+        <a:bodyPr spcFirstLastPara="0" vert="horz" wrap="square" lIns="0" tIns="0" rIns="0" bIns="0" numCol="1" spcCol="1270" anchor="ctr" anchorCtr="0">
+          <a:noAutofit/>
+        </a:bodyPr>
+        <a:lstStyle/>
+        <a:p>
+          <a:pPr lvl="0" algn="ctr" defTabSz="533400">
+            <a:lnSpc>
+              <a:spcPct val="90000"/>
+            </a:lnSpc>
+            <a:spcBef>
+              <a:spcPct val="0"/>
+            </a:spcBef>
+            <a:spcAft>
+              <a:spcPct val="35000"/>
+            </a:spcAft>
+          </a:pPr>
+          <a:endParaRPr lang="zh-CN" altLang="en-US" sz="1200" kern="1200"/>
+        </a:p>
+      </dsp:txBody>
+      <dsp:txXfrm>
+        <a:off x="1802404" y="208795"/>
+        <a:ext cx="242656" cy="243311"/>
+      </dsp:txXfrm>
+    </dsp:sp>
+    <dsp:sp modelId="{8D578BC3-A8A2-4EDE-8DD7-D6AD2101C298}">
+      <dsp:nvSpPr>
+        <dsp:cNvPr id="0" name=""/>
+        <dsp:cNvSpPr/>
+      </dsp:nvSpPr>
+      <dsp:spPr>
+        <a:xfrm>
+          <a:off x="2292948" y="0"/>
+          <a:ext cx="1635149" cy="660903"/>
+        </a:xfrm>
+        <a:prstGeom prst="roundRect">
+          <a:avLst>
+            <a:gd name="adj" fmla="val 10000"/>
+          </a:avLst>
+        </a:prstGeom>
+        <a:solidFill>
+          <a:schemeClr val="accent1">
+            <a:hueOff val="0"/>
+            <a:satOff val="0"/>
+            <a:lumOff val="0"/>
+            <a:alphaOff val="0"/>
+          </a:schemeClr>
+        </a:solidFill>
+        <a:ln w="12700" cap="flat" cmpd="sng" algn="ctr">
+          <a:solidFill>
+            <a:schemeClr val="lt1">
+              <a:hueOff val="0"/>
+              <a:satOff val="0"/>
+              <a:lumOff val="0"/>
+              <a:alphaOff val="0"/>
+            </a:schemeClr>
+          </a:solidFill>
+          <a:prstDash val="solid"/>
+          <a:miter lim="800000"/>
+        </a:ln>
+        <a:effectLst/>
+      </dsp:spPr>
+      <dsp:style>
+        <a:lnRef idx="2">
+          <a:scrgbClr r="0" g="0" b="0"/>
+        </a:lnRef>
+        <a:fillRef idx="1">
+          <a:scrgbClr r="0" g="0" b="0"/>
+        </a:fillRef>
+        <a:effectRef idx="0">
+          <a:scrgbClr r="0" g="0" b="0"/>
+        </a:effectRef>
+        <a:fontRef idx="minor">
+          <a:schemeClr val="lt1"/>
+        </a:fontRef>
+      </dsp:style>
+      <dsp:txBody>
+        <a:bodyPr spcFirstLastPara="0" vert="horz" wrap="square" lIns="57150" tIns="57150" rIns="57150" bIns="57150" numCol="1" spcCol="1270" anchor="ctr" anchorCtr="0">
+          <a:noAutofit/>
+        </a:bodyPr>
+        <a:lstStyle/>
+        <a:p>
+          <a:pPr lvl="0" algn="ctr" defTabSz="666750">
+            <a:lnSpc>
+              <a:spcPct val="90000"/>
+            </a:lnSpc>
+            <a:spcBef>
+              <a:spcPct val="0"/>
+            </a:spcBef>
+            <a:spcAft>
+              <a:spcPct val="35000"/>
+            </a:spcAft>
+          </a:pPr>
+          <a:r>
+            <a:rPr lang="en-US" altLang="zh-CN" sz="1500" kern="1200" dirty="0" err="1" smtClean="0"/>
+            <a:t>recv</a:t>
+          </a:r>
+          <a:endParaRPr lang="zh-CN" altLang="en-US" sz="1500" kern="1200" dirty="0"/>
+        </a:p>
+      </dsp:txBody>
+      <dsp:txXfrm>
+        <a:off x="2312305" y="19357"/>
+        <a:ext cx="1596435" cy="622189"/>
+      </dsp:txXfrm>
+    </dsp:sp>
+    <dsp:sp modelId="{4C11A65F-E1FF-4112-8871-E89CC7510EEC}">
+      <dsp:nvSpPr>
+        <dsp:cNvPr id="0" name=""/>
+        <dsp:cNvSpPr/>
+      </dsp:nvSpPr>
+      <dsp:spPr>
+        <a:xfrm>
+          <a:off x="4091613" y="127692"/>
+          <a:ext cx="346651" cy="405517"/>
+        </a:xfrm>
+        <a:prstGeom prst="rightArrow">
+          <a:avLst>
+            <a:gd name="adj1" fmla="val 60000"/>
+            <a:gd name="adj2" fmla="val 50000"/>
+          </a:avLst>
+        </a:prstGeom>
+        <a:solidFill>
+          <a:schemeClr val="accent1">
+            <a:tint val="60000"/>
+            <a:hueOff val="0"/>
+            <a:satOff val="0"/>
+            <a:lumOff val="0"/>
+            <a:alphaOff val="0"/>
+          </a:schemeClr>
+        </a:solidFill>
+        <a:ln>
+          <a:noFill/>
+        </a:ln>
+        <a:effectLst/>
+      </dsp:spPr>
+      <dsp:style>
+        <a:lnRef idx="0">
+          <a:scrgbClr r="0" g="0" b="0"/>
+        </a:lnRef>
+        <a:fillRef idx="1">
+          <a:scrgbClr r="0" g="0" b="0"/>
+        </a:fillRef>
+        <a:effectRef idx="0">
+          <a:scrgbClr r="0" g="0" b="0"/>
+        </a:effectRef>
+        <a:fontRef idx="minor">
+          <a:schemeClr val="lt1"/>
+        </a:fontRef>
+      </dsp:style>
+      <dsp:txBody>
+        <a:bodyPr spcFirstLastPara="0" vert="horz" wrap="square" lIns="0" tIns="0" rIns="0" bIns="0" numCol="1" spcCol="1270" anchor="ctr" anchorCtr="0">
+          <a:noAutofit/>
+        </a:bodyPr>
+        <a:lstStyle/>
+        <a:p>
+          <a:pPr lvl="0" algn="ctr" defTabSz="533400">
+            <a:lnSpc>
+              <a:spcPct val="90000"/>
+            </a:lnSpc>
+            <a:spcBef>
+              <a:spcPct val="0"/>
+            </a:spcBef>
+            <a:spcAft>
+              <a:spcPct val="35000"/>
+            </a:spcAft>
+          </a:pPr>
+          <a:endParaRPr lang="zh-CN" altLang="en-US" sz="1200" kern="1200"/>
+        </a:p>
+      </dsp:txBody>
+      <dsp:txXfrm>
+        <a:off x="4091613" y="208795"/>
+        <a:ext cx="242656" cy="243311"/>
+      </dsp:txXfrm>
+    </dsp:sp>
+    <dsp:sp modelId="{E863B95B-0F7B-4BDE-8C39-4B4308DFA217}">
+      <dsp:nvSpPr>
+        <dsp:cNvPr id="0" name=""/>
+        <dsp:cNvSpPr/>
+      </dsp:nvSpPr>
+      <dsp:spPr>
+        <a:xfrm>
+          <a:off x="4582157" y="0"/>
+          <a:ext cx="1635149" cy="660903"/>
+        </a:xfrm>
+        <a:prstGeom prst="roundRect">
+          <a:avLst>
+            <a:gd name="adj" fmla="val 10000"/>
+          </a:avLst>
+        </a:prstGeom>
+        <a:solidFill>
+          <a:schemeClr val="accent1">
+            <a:hueOff val="0"/>
+            <a:satOff val="0"/>
+            <a:lumOff val="0"/>
+            <a:alphaOff val="0"/>
+          </a:schemeClr>
+        </a:solidFill>
+        <a:ln w="12700" cap="flat" cmpd="sng" algn="ctr">
+          <a:solidFill>
+            <a:schemeClr val="lt1">
+              <a:hueOff val="0"/>
+              <a:satOff val="0"/>
+              <a:lumOff val="0"/>
+              <a:alphaOff val="0"/>
+            </a:schemeClr>
+          </a:solidFill>
+          <a:prstDash val="solid"/>
+          <a:miter lim="800000"/>
+        </a:ln>
+        <a:effectLst/>
+      </dsp:spPr>
+      <dsp:style>
+        <a:lnRef idx="2">
+          <a:scrgbClr r="0" g="0" b="0"/>
+        </a:lnRef>
+        <a:fillRef idx="1">
+          <a:scrgbClr r="0" g="0" b="0"/>
+        </a:fillRef>
+        <a:effectRef idx="0">
+          <a:scrgbClr r="0" g="0" b="0"/>
+        </a:effectRef>
+        <a:fontRef idx="minor">
+          <a:schemeClr val="lt1"/>
+        </a:fontRef>
+      </dsp:style>
+      <dsp:txBody>
+        <a:bodyPr spcFirstLastPara="0" vert="horz" wrap="square" lIns="57150" tIns="57150" rIns="57150" bIns="57150" numCol="1" spcCol="1270" anchor="ctr" anchorCtr="0">
+          <a:noAutofit/>
+        </a:bodyPr>
+        <a:lstStyle/>
+        <a:p>
+          <a:pPr lvl="0" algn="ctr" defTabSz="666750">
+            <a:lnSpc>
+              <a:spcPct val="90000"/>
+            </a:lnSpc>
+            <a:spcBef>
+              <a:spcPct val="0"/>
+            </a:spcBef>
+            <a:spcAft>
+              <a:spcPct val="35000"/>
+            </a:spcAft>
+          </a:pPr>
+          <a:r>
+            <a:rPr lang="en-US" altLang="zh-CN" sz="1500" kern="1200" dirty="0" smtClean="0"/>
+            <a:t>do</a:t>
+          </a:r>
+        </a:p>
+        <a:p>
+          <a:pPr lvl="0" algn="ctr" defTabSz="666750">
+            <a:lnSpc>
+              <a:spcPct val="90000"/>
+            </a:lnSpc>
+            <a:spcBef>
+              <a:spcPct val="0"/>
+            </a:spcBef>
+            <a:spcAft>
+              <a:spcPct val="35000"/>
+            </a:spcAft>
+          </a:pPr>
+          <a:r>
+            <a:rPr lang="en-US" altLang="zh-CN" sz="1500" kern="1200" dirty="0" smtClean="0"/>
+            <a:t>something</a:t>
+          </a:r>
+          <a:endParaRPr lang="zh-CN" altLang="en-US" sz="1500" kern="1200" dirty="0"/>
+        </a:p>
+      </dsp:txBody>
+      <dsp:txXfrm>
+        <a:off x="4601514" y="19357"/>
+        <a:ext cx="1596435" cy="622189"/>
+      </dsp:txXfrm>
+    </dsp:sp>
+    <dsp:sp modelId="{911DB76E-5DC0-4408-B7A7-336DDE41EF5A}">
+      <dsp:nvSpPr>
+        <dsp:cNvPr id="0" name=""/>
+        <dsp:cNvSpPr/>
+      </dsp:nvSpPr>
+      <dsp:spPr>
+        <a:xfrm>
+          <a:off x="6380822" y="127692"/>
+          <a:ext cx="346651" cy="405517"/>
+        </a:xfrm>
+        <a:prstGeom prst="rightArrow">
+          <a:avLst>
+            <a:gd name="adj1" fmla="val 60000"/>
+            <a:gd name="adj2" fmla="val 50000"/>
+          </a:avLst>
+        </a:prstGeom>
+        <a:solidFill>
+          <a:schemeClr val="accent1">
+            <a:tint val="60000"/>
+            <a:hueOff val="0"/>
+            <a:satOff val="0"/>
+            <a:lumOff val="0"/>
+            <a:alphaOff val="0"/>
+          </a:schemeClr>
+        </a:solidFill>
+        <a:ln>
+          <a:noFill/>
+        </a:ln>
+        <a:effectLst/>
+      </dsp:spPr>
+      <dsp:style>
+        <a:lnRef idx="0">
+          <a:scrgbClr r="0" g="0" b="0"/>
+        </a:lnRef>
+        <a:fillRef idx="1">
+          <a:scrgbClr r="0" g="0" b="0"/>
+        </a:fillRef>
+        <a:effectRef idx="0">
+          <a:scrgbClr r="0" g="0" b="0"/>
+        </a:effectRef>
+        <a:fontRef idx="minor">
+          <a:schemeClr val="lt1"/>
+        </a:fontRef>
+      </dsp:style>
+      <dsp:txBody>
+        <a:bodyPr spcFirstLastPara="0" vert="horz" wrap="square" lIns="0" tIns="0" rIns="0" bIns="0" numCol="1" spcCol="1270" anchor="ctr" anchorCtr="0">
+          <a:noAutofit/>
+        </a:bodyPr>
+        <a:lstStyle/>
+        <a:p>
+          <a:pPr lvl="0" algn="ctr" defTabSz="533400">
+            <a:lnSpc>
+              <a:spcPct val="90000"/>
+            </a:lnSpc>
+            <a:spcBef>
+              <a:spcPct val="0"/>
+            </a:spcBef>
+            <a:spcAft>
+              <a:spcPct val="35000"/>
+            </a:spcAft>
+          </a:pPr>
+          <a:endParaRPr lang="zh-CN" altLang="en-US" sz="1200" kern="1200"/>
+        </a:p>
+      </dsp:txBody>
+      <dsp:txXfrm>
+        <a:off x="6380822" y="208795"/>
+        <a:ext cx="242656" cy="243311"/>
+      </dsp:txXfrm>
+    </dsp:sp>
+    <dsp:sp modelId="{8C4F1557-888B-401F-B366-2568C5753FCD}">
+      <dsp:nvSpPr>
+        <dsp:cNvPr id="0" name=""/>
+        <dsp:cNvSpPr/>
+      </dsp:nvSpPr>
+      <dsp:spPr>
+        <a:xfrm>
+          <a:off x="6871366" y="0"/>
+          <a:ext cx="1635149" cy="660903"/>
+        </a:xfrm>
+        <a:prstGeom prst="roundRect">
+          <a:avLst>
+            <a:gd name="adj" fmla="val 10000"/>
+          </a:avLst>
+        </a:prstGeom>
+        <a:solidFill>
+          <a:schemeClr val="accent1">
+            <a:hueOff val="0"/>
+            <a:satOff val="0"/>
+            <a:lumOff val="0"/>
+            <a:alphaOff val="0"/>
+          </a:schemeClr>
+        </a:solidFill>
+        <a:ln w="12700" cap="flat" cmpd="sng" algn="ctr">
+          <a:solidFill>
+            <a:schemeClr val="lt1">
+              <a:hueOff val="0"/>
+              <a:satOff val="0"/>
+              <a:lumOff val="0"/>
+              <a:alphaOff val="0"/>
+            </a:schemeClr>
+          </a:solidFill>
+          <a:prstDash val="solid"/>
+          <a:miter lim="800000"/>
+        </a:ln>
+        <a:effectLst/>
+      </dsp:spPr>
+      <dsp:style>
+        <a:lnRef idx="2">
+          <a:scrgbClr r="0" g="0" b="0"/>
+        </a:lnRef>
+        <a:fillRef idx="1">
+          <a:scrgbClr r="0" g="0" b="0"/>
+        </a:fillRef>
+        <a:effectRef idx="0">
+          <a:scrgbClr r="0" g="0" b="0"/>
+        </a:effectRef>
+        <a:fontRef idx="minor">
+          <a:schemeClr val="lt1"/>
+        </a:fontRef>
+      </dsp:style>
+      <dsp:txBody>
+        <a:bodyPr spcFirstLastPara="0" vert="horz" wrap="square" lIns="57150" tIns="57150" rIns="57150" bIns="57150" numCol="1" spcCol="1270" anchor="ctr" anchorCtr="0">
+          <a:noAutofit/>
+        </a:bodyPr>
+        <a:lstStyle/>
+        <a:p>
+          <a:pPr lvl="0" algn="ctr" defTabSz="666750">
+            <a:lnSpc>
+              <a:spcPct val="90000"/>
+            </a:lnSpc>
+            <a:spcBef>
+              <a:spcPct val="0"/>
+            </a:spcBef>
+            <a:spcAft>
+              <a:spcPct val="35000"/>
+            </a:spcAft>
+          </a:pPr>
+          <a:r>
+            <a:rPr lang="en-US" altLang="zh-CN" sz="1500" kern="1200" dirty="0" smtClean="0"/>
+            <a:t>send</a:t>
+          </a:r>
+          <a:endParaRPr lang="zh-CN" altLang="en-US" sz="1500" kern="1200" dirty="0"/>
+        </a:p>
+      </dsp:txBody>
+      <dsp:txXfrm>
+        <a:off x="6890723" y="19357"/>
+        <a:ext cx="1596435" cy="622189"/>
+      </dsp:txXfrm>
+    </dsp:sp>
   </dsp:spTree>
 </dsp:drawing>
 </file>
@@ -3859,6 +4407,670 @@
       <dsp:cNvGrpSpPr/>
     </dsp:nvGrpSpPr>
     <dsp:grpSpPr/>
+    <dsp:sp modelId="{432D1971-5BC2-40D9-B444-D58533A740C0}">
+      <dsp:nvSpPr>
+        <dsp:cNvPr id="0" name=""/>
+        <dsp:cNvSpPr/>
+      </dsp:nvSpPr>
+      <dsp:spPr>
+        <a:xfrm>
+          <a:off x="1824" y="47977"/>
+          <a:ext cx="1779218" cy="489600"/>
+        </a:xfrm>
+        <a:prstGeom prst="rect">
+          <a:avLst/>
+        </a:prstGeom>
+        <a:solidFill>
+          <a:schemeClr val="accent1">
+            <a:hueOff val="0"/>
+            <a:satOff val="0"/>
+            <a:lumOff val="0"/>
+            <a:alphaOff val="0"/>
+          </a:schemeClr>
+        </a:solidFill>
+        <a:ln w="12700" cap="flat" cmpd="sng" algn="ctr">
+          <a:solidFill>
+            <a:schemeClr val="accent1">
+              <a:hueOff val="0"/>
+              <a:satOff val="0"/>
+              <a:lumOff val="0"/>
+              <a:alphaOff val="0"/>
+            </a:schemeClr>
+          </a:solidFill>
+          <a:prstDash val="solid"/>
+          <a:miter lim="800000"/>
+        </a:ln>
+        <a:effectLst/>
+      </dsp:spPr>
+      <dsp:style>
+        <a:lnRef idx="2">
+          <a:scrgbClr r="0" g="0" b="0"/>
+        </a:lnRef>
+        <a:fillRef idx="1">
+          <a:scrgbClr r="0" g="0" b="0"/>
+        </a:fillRef>
+        <a:effectRef idx="0">
+          <a:scrgbClr r="0" g="0" b="0"/>
+        </a:effectRef>
+        <a:fontRef idx="minor">
+          <a:schemeClr val="lt1"/>
+        </a:fontRef>
+      </dsp:style>
+      <dsp:txBody>
+        <a:bodyPr spcFirstLastPara="0" vert="horz" wrap="square" lIns="120904" tIns="69088" rIns="120904" bIns="69088" numCol="1" spcCol="1270" anchor="ctr" anchorCtr="0">
+          <a:noAutofit/>
+        </a:bodyPr>
+        <a:lstStyle/>
+        <a:p>
+          <a:pPr lvl="0" algn="ctr" defTabSz="755650">
+            <a:lnSpc>
+              <a:spcPct val="90000"/>
+            </a:lnSpc>
+            <a:spcBef>
+              <a:spcPct val="0"/>
+            </a:spcBef>
+            <a:spcAft>
+              <a:spcPct val="35000"/>
+            </a:spcAft>
+          </a:pPr>
+          <a:r>
+            <a:rPr lang="zh-CN" altLang="en-US" sz="1700" kern="1200" dirty="0" smtClean="0"/>
+            <a:t>进程</a:t>
+          </a:r>
+          <a:r>
+            <a:rPr lang="en-US" altLang="zh-CN" sz="1700" kern="1200" dirty="0" smtClean="0"/>
+            <a:t>1</a:t>
+          </a:r>
+          <a:endParaRPr lang="zh-CN" altLang="en-US" sz="1700" kern="1200" dirty="0"/>
+        </a:p>
+      </dsp:txBody>
+      <dsp:txXfrm>
+        <a:off x="1824" y="47977"/>
+        <a:ext cx="1779218" cy="489600"/>
+      </dsp:txXfrm>
+    </dsp:sp>
+    <dsp:sp modelId="{6FC44D69-7B76-476D-AAE9-1CF08B9C5332}">
+      <dsp:nvSpPr>
+        <dsp:cNvPr id="0" name=""/>
+        <dsp:cNvSpPr/>
+      </dsp:nvSpPr>
+      <dsp:spPr>
+        <a:xfrm>
+          <a:off x="1824" y="537578"/>
+          <a:ext cx="1779218" cy="1306620"/>
+        </a:xfrm>
+        <a:prstGeom prst="rect">
+          <a:avLst/>
+        </a:prstGeom>
+        <a:solidFill>
+          <a:schemeClr val="accent1">
+            <a:alpha val="90000"/>
+            <a:tint val="40000"/>
+            <a:hueOff val="0"/>
+            <a:satOff val="0"/>
+            <a:lumOff val="0"/>
+            <a:alphaOff val="0"/>
+          </a:schemeClr>
+        </a:solidFill>
+        <a:ln w="12700" cap="flat" cmpd="sng" algn="ctr">
+          <a:solidFill>
+            <a:schemeClr val="accent1">
+              <a:alpha val="90000"/>
+              <a:tint val="40000"/>
+              <a:hueOff val="0"/>
+              <a:satOff val="0"/>
+              <a:lumOff val="0"/>
+              <a:alphaOff val="0"/>
+            </a:schemeClr>
+          </a:solidFill>
+          <a:prstDash val="solid"/>
+          <a:miter lim="800000"/>
+        </a:ln>
+        <a:effectLst/>
+      </dsp:spPr>
+      <dsp:style>
+        <a:lnRef idx="2">
+          <a:scrgbClr r="0" g="0" b="0"/>
+        </a:lnRef>
+        <a:fillRef idx="1">
+          <a:scrgbClr r="0" g="0" b="0"/>
+        </a:fillRef>
+        <a:effectRef idx="0">
+          <a:scrgbClr r="0" g="0" b="0"/>
+        </a:effectRef>
+        <a:fontRef idx="minor"/>
+      </dsp:style>
+      <dsp:txBody>
+        <a:bodyPr spcFirstLastPara="0" vert="horz" wrap="square" lIns="90678" tIns="90678" rIns="120904" bIns="136017" numCol="1" spcCol="1270" anchor="t" anchorCtr="0">
+          <a:noAutofit/>
+        </a:bodyPr>
+        <a:lstStyle/>
+        <a:p>
+          <a:pPr marL="171450" lvl="1" indent="-171450" algn="l" defTabSz="755650">
+            <a:lnSpc>
+              <a:spcPct val="90000"/>
+            </a:lnSpc>
+            <a:spcBef>
+              <a:spcPct val="0"/>
+            </a:spcBef>
+            <a:spcAft>
+              <a:spcPct val="15000"/>
+            </a:spcAft>
+            <a:buChar char="••"/>
+          </a:pPr>
+          <a:r>
+            <a:rPr lang="en-US" altLang="zh-CN" sz="1700" kern="1200" dirty="0" smtClean="0"/>
+            <a:t>accept</a:t>
+          </a:r>
+          <a:endParaRPr lang="zh-CN" altLang="en-US" sz="1700" kern="1200" dirty="0"/>
+        </a:p>
+        <a:p>
+          <a:pPr marL="171450" lvl="1" indent="-171450" algn="l" defTabSz="755650">
+            <a:lnSpc>
+              <a:spcPct val="90000"/>
+            </a:lnSpc>
+            <a:spcBef>
+              <a:spcPct val="0"/>
+            </a:spcBef>
+            <a:spcAft>
+              <a:spcPct val="15000"/>
+            </a:spcAft>
+            <a:buChar char="••"/>
+          </a:pPr>
+          <a:r>
+            <a:rPr lang="en-US" altLang="zh-CN" sz="1700" kern="1200" dirty="0" err="1" smtClean="0"/>
+            <a:t>recv</a:t>
+          </a:r>
+          <a:endParaRPr lang="zh-CN" altLang="en-US" sz="1700" kern="1200" dirty="0"/>
+        </a:p>
+        <a:p>
+          <a:pPr marL="171450" lvl="1" indent="-171450" algn="l" defTabSz="755650">
+            <a:lnSpc>
+              <a:spcPct val="90000"/>
+            </a:lnSpc>
+            <a:spcBef>
+              <a:spcPct val="0"/>
+            </a:spcBef>
+            <a:spcAft>
+              <a:spcPct val="15000"/>
+            </a:spcAft>
+            <a:buChar char="••"/>
+          </a:pPr>
+          <a:r>
+            <a:rPr lang="en-US" altLang="zh-CN" sz="1700" kern="1200" dirty="0" err="1" smtClean="0"/>
+            <a:t>do_something</a:t>
+          </a:r>
+          <a:endParaRPr lang="zh-CN" altLang="en-US" sz="1700" kern="1200" dirty="0"/>
+        </a:p>
+        <a:p>
+          <a:pPr marL="171450" lvl="1" indent="-171450" algn="l" defTabSz="755650">
+            <a:lnSpc>
+              <a:spcPct val="90000"/>
+            </a:lnSpc>
+            <a:spcBef>
+              <a:spcPct val="0"/>
+            </a:spcBef>
+            <a:spcAft>
+              <a:spcPct val="15000"/>
+            </a:spcAft>
+            <a:buChar char="••"/>
+          </a:pPr>
+          <a:r>
+            <a:rPr lang="en-US" altLang="zh-CN" sz="1700" kern="1200" dirty="0" smtClean="0"/>
+            <a:t>send</a:t>
+          </a:r>
+          <a:endParaRPr lang="zh-CN" altLang="en-US" sz="1700" kern="1200" dirty="0"/>
+        </a:p>
+      </dsp:txBody>
+      <dsp:txXfrm>
+        <a:off x="1824" y="537578"/>
+        <a:ext cx="1779218" cy="1306620"/>
+      </dsp:txXfrm>
+    </dsp:sp>
+    <dsp:sp modelId="{FF03801B-83DC-4F72-A4EF-37591F280430}">
+      <dsp:nvSpPr>
+        <dsp:cNvPr id="0" name=""/>
+        <dsp:cNvSpPr/>
+      </dsp:nvSpPr>
+      <dsp:spPr>
+        <a:xfrm>
+          <a:off x="2030133" y="47977"/>
+          <a:ext cx="1779218" cy="489600"/>
+        </a:xfrm>
+        <a:prstGeom prst="rect">
+          <a:avLst/>
+        </a:prstGeom>
+        <a:solidFill>
+          <a:schemeClr val="accent1">
+            <a:hueOff val="0"/>
+            <a:satOff val="0"/>
+            <a:lumOff val="0"/>
+            <a:alphaOff val="0"/>
+          </a:schemeClr>
+        </a:solidFill>
+        <a:ln w="12700" cap="flat" cmpd="sng" algn="ctr">
+          <a:solidFill>
+            <a:schemeClr val="accent1">
+              <a:hueOff val="0"/>
+              <a:satOff val="0"/>
+              <a:lumOff val="0"/>
+              <a:alphaOff val="0"/>
+            </a:schemeClr>
+          </a:solidFill>
+          <a:prstDash val="solid"/>
+          <a:miter lim="800000"/>
+        </a:ln>
+        <a:effectLst/>
+      </dsp:spPr>
+      <dsp:style>
+        <a:lnRef idx="2">
+          <a:scrgbClr r="0" g="0" b="0"/>
+        </a:lnRef>
+        <a:fillRef idx="1">
+          <a:scrgbClr r="0" g="0" b="0"/>
+        </a:fillRef>
+        <a:effectRef idx="0">
+          <a:scrgbClr r="0" g="0" b="0"/>
+        </a:effectRef>
+        <a:fontRef idx="minor">
+          <a:schemeClr val="lt1"/>
+        </a:fontRef>
+      </dsp:style>
+      <dsp:txBody>
+        <a:bodyPr spcFirstLastPara="0" vert="horz" wrap="square" lIns="120904" tIns="69088" rIns="120904" bIns="69088" numCol="1" spcCol="1270" anchor="ctr" anchorCtr="0">
+          <a:noAutofit/>
+        </a:bodyPr>
+        <a:lstStyle/>
+        <a:p>
+          <a:pPr lvl="0" algn="ctr" defTabSz="755650">
+            <a:lnSpc>
+              <a:spcPct val="90000"/>
+            </a:lnSpc>
+            <a:spcBef>
+              <a:spcPct val="0"/>
+            </a:spcBef>
+            <a:spcAft>
+              <a:spcPct val="35000"/>
+            </a:spcAft>
+          </a:pPr>
+          <a:r>
+            <a:rPr lang="zh-CN" altLang="en-US" sz="1700" kern="1200" dirty="0" smtClean="0"/>
+            <a:t>进程</a:t>
+          </a:r>
+          <a:r>
+            <a:rPr lang="en-US" altLang="zh-CN" sz="1700" kern="1200" dirty="0" smtClean="0"/>
+            <a:t>2</a:t>
+          </a:r>
+          <a:endParaRPr lang="zh-CN" altLang="en-US" sz="1700" kern="1200" dirty="0"/>
+        </a:p>
+      </dsp:txBody>
+      <dsp:txXfrm>
+        <a:off x="2030133" y="47977"/>
+        <a:ext cx="1779218" cy="489600"/>
+      </dsp:txXfrm>
+    </dsp:sp>
+    <dsp:sp modelId="{C2907F33-AB4F-4C15-9B88-A84DE46788B7}">
+      <dsp:nvSpPr>
+        <dsp:cNvPr id="0" name=""/>
+        <dsp:cNvSpPr/>
+      </dsp:nvSpPr>
+      <dsp:spPr>
+        <a:xfrm>
+          <a:off x="2030133" y="537578"/>
+          <a:ext cx="1779218" cy="1306620"/>
+        </a:xfrm>
+        <a:prstGeom prst="rect">
+          <a:avLst/>
+        </a:prstGeom>
+        <a:solidFill>
+          <a:schemeClr val="accent1">
+            <a:alpha val="90000"/>
+            <a:tint val="40000"/>
+            <a:hueOff val="0"/>
+            <a:satOff val="0"/>
+            <a:lumOff val="0"/>
+            <a:alphaOff val="0"/>
+          </a:schemeClr>
+        </a:solidFill>
+        <a:ln w="12700" cap="flat" cmpd="sng" algn="ctr">
+          <a:solidFill>
+            <a:schemeClr val="accent1">
+              <a:alpha val="90000"/>
+              <a:tint val="40000"/>
+              <a:hueOff val="0"/>
+              <a:satOff val="0"/>
+              <a:lumOff val="0"/>
+              <a:alphaOff val="0"/>
+            </a:schemeClr>
+          </a:solidFill>
+          <a:prstDash val="solid"/>
+          <a:miter lim="800000"/>
+        </a:ln>
+        <a:effectLst/>
+      </dsp:spPr>
+      <dsp:style>
+        <a:lnRef idx="2">
+          <a:scrgbClr r="0" g="0" b="0"/>
+        </a:lnRef>
+        <a:fillRef idx="1">
+          <a:scrgbClr r="0" g="0" b="0"/>
+        </a:fillRef>
+        <a:effectRef idx="0">
+          <a:scrgbClr r="0" g="0" b="0"/>
+        </a:effectRef>
+        <a:fontRef idx="minor"/>
+      </dsp:style>
+      <dsp:txBody>
+        <a:bodyPr spcFirstLastPara="0" vert="horz" wrap="square" lIns="90678" tIns="90678" rIns="120904" bIns="136017" numCol="1" spcCol="1270" anchor="t" anchorCtr="0">
+          <a:noAutofit/>
+        </a:bodyPr>
+        <a:lstStyle/>
+        <a:p>
+          <a:pPr marL="171450" lvl="1" indent="-171450" algn="l" defTabSz="755650">
+            <a:lnSpc>
+              <a:spcPct val="90000"/>
+            </a:lnSpc>
+            <a:spcBef>
+              <a:spcPct val="0"/>
+            </a:spcBef>
+            <a:spcAft>
+              <a:spcPct val="15000"/>
+            </a:spcAft>
+            <a:buChar char="••"/>
+          </a:pPr>
+          <a:r>
+            <a:rPr lang="en-US" altLang="zh-CN" sz="1700" kern="1200" dirty="0" smtClean="0"/>
+            <a:t>accept</a:t>
+          </a:r>
+          <a:endParaRPr lang="zh-CN" altLang="en-US" sz="1700" kern="1200" dirty="0"/>
+        </a:p>
+        <a:p>
+          <a:pPr marL="171450" lvl="1" indent="-171450" algn="l" defTabSz="755650">
+            <a:lnSpc>
+              <a:spcPct val="90000"/>
+            </a:lnSpc>
+            <a:spcBef>
+              <a:spcPct val="0"/>
+            </a:spcBef>
+            <a:spcAft>
+              <a:spcPct val="15000"/>
+            </a:spcAft>
+            <a:buChar char="••"/>
+          </a:pPr>
+          <a:r>
+            <a:rPr lang="en-US" altLang="zh-CN" sz="1700" kern="1200" smtClean="0"/>
+            <a:t>recv</a:t>
+          </a:r>
+          <a:endParaRPr lang="zh-CN" altLang="en-US" sz="1700" kern="1200" dirty="0"/>
+        </a:p>
+        <a:p>
+          <a:pPr marL="171450" lvl="1" indent="-171450" algn="l" defTabSz="755650">
+            <a:lnSpc>
+              <a:spcPct val="90000"/>
+            </a:lnSpc>
+            <a:spcBef>
+              <a:spcPct val="0"/>
+            </a:spcBef>
+            <a:spcAft>
+              <a:spcPct val="15000"/>
+            </a:spcAft>
+            <a:buChar char="••"/>
+          </a:pPr>
+          <a:r>
+            <a:rPr lang="en-US" altLang="zh-CN" sz="1700" kern="1200" smtClean="0"/>
+            <a:t>do_something</a:t>
+          </a:r>
+          <a:endParaRPr lang="zh-CN" altLang="en-US" sz="1700" kern="1200" dirty="0"/>
+        </a:p>
+        <a:p>
+          <a:pPr marL="171450" lvl="1" indent="-171450" algn="l" defTabSz="755650">
+            <a:lnSpc>
+              <a:spcPct val="90000"/>
+            </a:lnSpc>
+            <a:spcBef>
+              <a:spcPct val="0"/>
+            </a:spcBef>
+            <a:spcAft>
+              <a:spcPct val="15000"/>
+            </a:spcAft>
+            <a:buChar char="••"/>
+          </a:pPr>
+          <a:r>
+            <a:rPr lang="en-US" altLang="zh-CN" sz="1700" kern="1200" dirty="0" smtClean="0"/>
+            <a:t>send</a:t>
+          </a:r>
+          <a:endParaRPr lang="zh-CN" altLang="en-US" sz="1700" kern="1200" dirty="0"/>
+        </a:p>
+      </dsp:txBody>
+      <dsp:txXfrm>
+        <a:off x="2030133" y="537578"/>
+        <a:ext cx="1779218" cy="1306620"/>
+      </dsp:txXfrm>
+    </dsp:sp>
+    <dsp:sp modelId="{30269B24-1BD6-4D62-905D-3BCD885D213E}">
+      <dsp:nvSpPr>
+        <dsp:cNvPr id="0" name=""/>
+        <dsp:cNvSpPr/>
+      </dsp:nvSpPr>
+      <dsp:spPr>
+        <a:xfrm>
+          <a:off x="4058442" y="47977"/>
+          <a:ext cx="1779218" cy="489600"/>
+        </a:xfrm>
+        <a:prstGeom prst="rect">
+          <a:avLst/>
+        </a:prstGeom>
+        <a:solidFill>
+          <a:schemeClr val="accent1">
+            <a:hueOff val="0"/>
+            <a:satOff val="0"/>
+            <a:lumOff val="0"/>
+            <a:alphaOff val="0"/>
+          </a:schemeClr>
+        </a:solidFill>
+        <a:ln w="12700" cap="flat" cmpd="sng" algn="ctr">
+          <a:solidFill>
+            <a:schemeClr val="accent1">
+              <a:hueOff val="0"/>
+              <a:satOff val="0"/>
+              <a:lumOff val="0"/>
+              <a:alphaOff val="0"/>
+            </a:schemeClr>
+          </a:solidFill>
+          <a:prstDash val="solid"/>
+          <a:miter lim="800000"/>
+        </a:ln>
+        <a:effectLst/>
+      </dsp:spPr>
+      <dsp:style>
+        <a:lnRef idx="2">
+          <a:scrgbClr r="0" g="0" b="0"/>
+        </a:lnRef>
+        <a:fillRef idx="1">
+          <a:scrgbClr r="0" g="0" b="0"/>
+        </a:fillRef>
+        <a:effectRef idx="0">
+          <a:scrgbClr r="0" g="0" b="0"/>
+        </a:effectRef>
+        <a:fontRef idx="minor">
+          <a:schemeClr val="lt1"/>
+        </a:fontRef>
+      </dsp:style>
+      <dsp:txBody>
+        <a:bodyPr spcFirstLastPara="0" vert="horz" wrap="square" lIns="120904" tIns="69088" rIns="120904" bIns="69088" numCol="1" spcCol="1270" anchor="ctr" anchorCtr="0">
+          <a:noAutofit/>
+        </a:bodyPr>
+        <a:lstStyle/>
+        <a:p>
+          <a:pPr lvl="0" algn="ctr" defTabSz="755650">
+            <a:lnSpc>
+              <a:spcPct val="90000"/>
+            </a:lnSpc>
+            <a:spcBef>
+              <a:spcPct val="0"/>
+            </a:spcBef>
+            <a:spcAft>
+              <a:spcPct val="35000"/>
+            </a:spcAft>
+          </a:pPr>
+          <a:r>
+            <a:rPr lang="en-US" altLang="zh-CN" sz="1700" kern="1200" dirty="0" smtClean="0"/>
+            <a:t>…</a:t>
+          </a:r>
+          <a:r>
+            <a:rPr lang="zh-CN" altLang="en-US" sz="1700" kern="1200" dirty="0" smtClean="0"/>
+            <a:t>进程</a:t>
+          </a:r>
+          <a:r>
+            <a:rPr lang="en-US" altLang="zh-CN" sz="1700" kern="1200" dirty="0" smtClean="0"/>
+            <a:t>N</a:t>
+          </a:r>
+          <a:endParaRPr lang="zh-CN" altLang="en-US" sz="1700" kern="1200" dirty="0"/>
+        </a:p>
+      </dsp:txBody>
+      <dsp:txXfrm>
+        <a:off x="4058442" y="47977"/>
+        <a:ext cx="1779218" cy="489600"/>
+      </dsp:txXfrm>
+    </dsp:sp>
+    <dsp:sp modelId="{D3BF1AE5-7152-41DC-8017-2B91E9C576C8}">
+      <dsp:nvSpPr>
+        <dsp:cNvPr id="0" name=""/>
+        <dsp:cNvSpPr/>
+      </dsp:nvSpPr>
+      <dsp:spPr>
+        <a:xfrm>
+          <a:off x="4058442" y="537578"/>
+          <a:ext cx="1779218" cy="1306620"/>
+        </a:xfrm>
+        <a:prstGeom prst="rect">
+          <a:avLst/>
+        </a:prstGeom>
+        <a:solidFill>
+          <a:schemeClr val="accent1">
+            <a:alpha val="90000"/>
+            <a:tint val="40000"/>
+            <a:hueOff val="0"/>
+            <a:satOff val="0"/>
+            <a:lumOff val="0"/>
+            <a:alphaOff val="0"/>
+          </a:schemeClr>
+        </a:solidFill>
+        <a:ln w="12700" cap="flat" cmpd="sng" algn="ctr">
+          <a:solidFill>
+            <a:schemeClr val="accent1">
+              <a:alpha val="90000"/>
+              <a:tint val="40000"/>
+              <a:hueOff val="0"/>
+              <a:satOff val="0"/>
+              <a:lumOff val="0"/>
+              <a:alphaOff val="0"/>
+            </a:schemeClr>
+          </a:solidFill>
+          <a:prstDash val="solid"/>
+          <a:miter lim="800000"/>
+        </a:ln>
+        <a:effectLst/>
+      </dsp:spPr>
+      <dsp:style>
+        <a:lnRef idx="2">
+          <a:scrgbClr r="0" g="0" b="0"/>
+        </a:lnRef>
+        <a:fillRef idx="1">
+          <a:scrgbClr r="0" g="0" b="0"/>
+        </a:fillRef>
+        <a:effectRef idx="0">
+          <a:scrgbClr r="0" g="0" b="0"/>
+        </a:effectRef>
+        <a:fontRef idx="minor"/>
+      </dsp:style>
+      <dsp:txBody>
+        <a:bodyPr spcFirstLastPara="0" vert="horz" wrap="square" lIns="90678" tIns="90678" rIns="120904" bIns="136017" numCol="1" spcCol="1270" anchor="t" anchorCtr="0">
+          <a:noAutofit/>
+        </a:bodyPr>
+        <a:lstStyle/>
+        <a:p>
+          <a:pPr marL="171450" lvl="1" indent="-171450" algn="l" defTabSz="755650">
+            <a:lnSpc>
+              <a:spcPct val="90000"/>
+            </a:lnSpc>
+            <a:spcBef>
+              <a:spcPct val="0"/>
+            </a:spcBef>
+            <a:spcAft>
+              <a:spcPct val="15000"/>
+            </a:spcAft>
+            <a:buChar char="••"/>
+          </a:pPr>
+          <a:r>
+            <a:rPr lang="en-US" altLang="zh-CN" sz="1700" kern="1200" dirty="0" smtClean="0"/>
+            <a:t>accept</a:t>
+          </a:r>
+          <a:endParaRPr lang="zh-CN" altLang="en-US" sz="1700" kern="1200" dirty="0"/>
+        </a:p>
+        <a:p>
+          <a:pPr marL="171450" lvl="1" indent="-171450" algn="l" defTabSz="755650">
+            <a:lnSpc>
+              <a:spcPct val="90000"/>
+            </a:lnSpc>
+            <a:spcBef>
+              <a:spcPct val="0"/>
+            </a:spcBef>
+            <a:spcAft>
+              <a:spcPct val="15000"/>
+            </a:spcAft>
+            <a:buChar char="••"/>
+          </a:pPr>
+          <a:r>
+            <a:rPr lang="en-US" altLang="zh-CN" sz="1700" kern="1200" smtClean="0"/>
+            <a:t>recv</a:t>
+          </a:r>
+          <a:endParaRPr lang="zh-CN" altLang="en-US" sz="1700" kern="1200" dirty="0"/>
+        </a:p>
+        <a:p>
+          <a:pPr marL="171450" lvl="1" indent="-171450" algn="l" defTabSz="755650">
+            <a:lnSpc>
+              <a:spcPct val="90000"/>
+            </a:lnSpc>
+            <a:spcBef>
+              <a:spcPct val="0"/>
+            </a:spcBef>
+            <a:spcAft>
+              <a:spcPct val="15000"/>
+            </a:spcAft>
+            <a:buChar char="••"/>
+          </a:pPr>
+          <a:r>
+            <a:rPr lang="en-US" altLang="zh-CN" sz="1700" kern="1200" smtClean="0"/>
+            <a:t>do_something</a:t>
+          </a:r>
+          <a:endParaRPr lang="zh-CN" altLang="en-US" sz="1700" kern="1200" dirty="0"/>
+        </a:p>
+        <a:p>
+          <a:pPr marL="171450" lvl="1" indent="-171450" algn="l" defTabSz="755650">
+            <a:lnSpc>
+              <a:spcPct val="90000"/>
+            </a:lnSpc>
+            <a:spcBef>
+              <a:spcPct val="0"/>
+            </a:spcBef>
+            <a:spcAft>
+              <a:spcPct val="15000"/>
+            </a:spcAft>
+            <a:buChar char="••"/>
+          </a:pPr>
+          <a:r>
+            <a:rPr lang="en-US" altLang="zh-CN" sz="1700" kern="1200" dirty="0" smtClean="0"/>
+            <a:t>send</a:t>
+          </a:r>
+          <a:endParaRPr lang="zh-CN" altLang="en-US" sz="1700" kern="1200" dirty="0"/>
+        </a:p>
+      </dsp:txBody>
+      <dsp:txXfrm>
+        <a:off x="4058442" y="537578"/>
+        <a:ext cx="1779218" cy="1306620"/>
+      </dsp:txXfrm>
+    </dsp:sp>
   </dsp:spTree>
 </dsp:drawing>
 </file>
@@ -8228,7 +9440,7 @@
           <a:p>
             <a:fld id="{F6B8679B-1287-4B3D-9D7B-E61FD99745B0}" type="datetimeFigureOut">
               <a:rPr lang="zh-CN" altLang="en-US" smtClean="0"/>
-              <a:t>2019-4-19</a:t>
+              <a:t>2019-5-22</a:t>
             </a:fld>
             <a:endParaRPr lang="zh-CN" altLang="en-US"/>
           </a:p>
@@ -8398,7 +9610,7 @@
           <a:p>
             <a:fld id="{F6B8679B-1287-4B3D-9D7B-E61FD99745B0}" type="datetimeFigureOut">
               <a:rPr lang="zh-CN" altLang="en-US" smtClean="0"/>
-              <a:t>2019-4-19</a:t>
+              <a:t>2019-5-22</a:t>
             </a:fld>
             <a:endParaRPr lang="zh-CN" altLang="en-US"/>
           </a:p>
@@ -8578,7 +9790,7 @@
           <a:p>
             <a:fld id="{F6B8679B-1287-4B3D-9D7B-E61FD99745B0}" type="datetimeFigureOut">
               <a:rPr lang="zh-CN" altLang="en-US" smtClean="0"/>
-              <a:t>2019-4-19</a:t>
+              <a:t>2019-5-22</a:t>
             </a:fld>
             <a:endParaRPr lang="zh-CN" altLang="en-US"/>
           </a:p>
@@ -8748,7 +9960,7 @@
           <a:p>
             <a:fld id="{F6B8679B-1287-4B3D-9D7B-E61FD99745B0}" type="datetimeFigureOut">
               <a:rPr lang="zh-CN" altLang="en-US" smtClean="0"/>
-              <a:t>2019-4-19</a:t>
+              <a:t>2019-5-22</a:t>
             </a:fld>
             <a:endParaRPr lang="zh-CN" altLang="en-US"/>
           </a:p>
@@ -8994,7 +10206,7 @@
           <a:p>
             <a:fld id="{F6B8679B-1287-4B3D-9D7B-E61FD99745B0}" type="datetimeFigureOut">
               <a:rPr lang="zh-CN" altLang="en-US" smtClean="0"/>
-              <a:t>2019-4-19</a:t>
+              <a:t>2019-5-22</a:t>
             </a:fld>
             <a:endParaRPr lang="zh-CN" altLang="en-US"/>
           </a:p>
@@ -9226,7 +10438,7 @@
           <a:p>
             <a:fld id="{F6B8679B-1287-4B3D-9D7B-E61FD99745B0}" type="datetimeFigureOut">
               <a:rPr lang="zh-CN" altLang="en-US" smtClean="0"/>
-              <a:t>2019-4-19</a:t>
+              <a:t>2019-5-22</a:t>
             </a:fld>
             <a:endParaRPr lang="zh-CN" altLang="en-US"/>
           </a:p>
@@ -9593,7 +10805,7 @@
           <a:p>
             <a:fld id="{F6B8679B-1287-4B3D-9D7B-E61FD99745B0}" type="datetimeFigureOut">
               <a:rPr lang="zh-CN" altLang="en-US" smtClean="0"/>
-              <a:t>2019-4-19</a:t>
+              <a:t>2019-5-22</a:t>
             </a:fld>
             <a:endParaRPr lang="zh-CN" altLang="en-US"/>
           </a:p>
@@ -9711,7 +10923,7 @@
           <a:p>
             <a:fld id="{F6B8679B-1287-4B3D-9D7B-E61FD99745B0}" type="datetimeFigureOut">
               <a:rPr lang="zh-CN" altLang="en-US" smtClean="0"/>
-              <a:t>2019-4-19</a:t>
+              <a:t>2019-5-22</a:t>
             </a:fld>
             <a:endParaRPr lang="zh-CN" altLang="en-US"/>
           </a:p>
@@ -9806,7 +11018,7 @@
           <a:p>
             <a:fld id="{F6B8679B-1287-4B3D-9D7B-E61FD99745B0}" type="datetimeFigureOut">
               <a:rPr lang="zh-CN" altLang="en-US" smtClean="0"/>
-              <a:t>2019-4-19</a:t>
+              <a:t>2019-5-22</a:t>
             </a:fld>
             <a:endParaRPr lang="zh-CN" altLang="en-US"/>
           </a:p>
@@ -10083,7 +11295,7 @@
           <a:p>
             <a:fld id="{F6B8679B-1287-4B3D-9D7B-E61FD99745B0}" type="datetimeFigureOut">
               <a:rPr lang="zh-CN" altLang="en-US" smtClean="0"/>
-              <a:t>2019-4-19</a:t>
+              <a:t>2019-5-22</a:t>
             </a:fld>
             <a:endParaRPr lang="zh-CN" altLang="en-US"/>
           </a:p>
@@ -10336,7 +11548,7 @@
           <a:p>
             <a:fld id="{F6B8679B-1287-4B3D-9D7B-E61FD99745B0}" type="datetimeFigureOut">
               <a:rPr lang="zh-CN" altLang="en-US" smtClean="0"/>
-              <a:t>2019-4-19</a:t>
+              <a:t>2019-5-22</a:t>
             </a:fld>
             <a:endParaRPr lang="zh-CN" altLang="en-US"/>
           </a:p>
@@ -10549,7 +11761,7 @@
           <a:p>
             <a:fld id="{F6B8679B-1287-4B3D-9D7B-E61FD99745B0}" type="datetimeFigureOut">
               <a:rPr lang="zh-CN" altLang="en-US" smtClean="0"/>
-              <a:t>2019-4-19</a:t>
+              <a:t>2019-5-22</a:t>
             </a:fld>
             <a:endParaRPr lang="zh-CN" altLang="en-US"/>
           </a:p>
@@ -11308,23 +12520,11 @@
           <a:p>
             <a:r>
               <a:rPr lang="en-US" altLang="zh-CN" dirty="0" smtClean="0"/>
-              <a:t>3.3</a:t>
-            </a:r>
-            <a:r>
-              <a:rPr lang="en-US" altLang="zh-CN" dirty="0" smtClean="0"/>
-              <a:t>.1</a:t>
-            </a:r>
-            <a:r>
-              <a:rPr lang="en-US" altLang="zh-CN" dirty="0" smtClean="0"/>
-              <a:t> </a:t>
+              <a:t>3.3.1 </a:t>
             </a:r>
             <a:r>
               <a:rPr lang="zh-CN" altLang="en-US" dirty="0" smtClean="0"/>
-              <a:t>改造后</a:t>
-            </a:r>
-            <a:r>
-              <a:rPr lang="zh-CN" altLang="en-US" dirty="0" smtClean="0"/>
-              <a:t>架构</a:t>
+              <a:t>改造后架构</a:t>
             </a:r>
             <a:r>
               <a:rPr lang="en-US" altLang="zh-CN" dirty="0" smtClean="0"/>
@@ -11412,6 +12612,457 @@
     <p:extLst>
       <p:ext uri="{BB962C8B-B14F-4D97-AF65-F5344CB8AC3E}">
         <p14:creationId xmlns:p14="http://schemas.microsoft.com/office/powerpoint/2010/main" val="2417319167"/>
+      </p:ext>
+    </p:extLst>
+  </p:cSld>
+  <p:clrMapOvr>
+    <a:masterClrMapping/>
+  </p:clrMapOvr>
+</p:sld>
+</file>
+
+<file path=ppt/slides/slide13.xml><?xml version="1.0" encoding="utf-8"?>
+<p:sld xmlns:a="http://schemas.openxmlformats.org/drawingml/2006/main" xmlns:r="http://schemas.openxmlformats.org/officeDocument/2006/relationships" xmlns:p="http://schemas.openxmlformats.org/presentationml/2006/main">
+  <p:cSld>
+    <p:spTree>
+      <p:nvGrpSpPr>
+        <p:cNvPr id="1" name=""/>
+        <p:cNvGrpSpPr/>
+        <p:nvPr/>
+      </p:nvGrpSpPr>
+      <p:grpSpPr>
+        <a:xfrm>
+          <a:off x="0" y="0"/>
+          <a:ext cx="0" cy="0"/>
+          <a:chOff x="0" y="0"/>
+          <a:chExt cx="0" cy="0"/>
+        </a:xfrm>
+      </p:grpSpPr>
+      <p:sp>
+        <p:nvSpPr>
+          <p:cNvPr id="2" name="标题 1"/>
+          <p:cNvSpPr>
+            <a:spLocks noGrp="1"/>
+          </p:cNvSpPr>
+          <p:nvPr>
+            <p:ph type="title"/>
+          </p:nvPr>
+        </p:nvSpPr>
+        <p:spPr/>
+        <p:txBody>
+          <a:bodyPr/>
+          <a:lstStyle/>
+          <a:p>
+            <a:r>
+              <a:rPr lang="en-US" altLang="zh-CN" dirty="0" smtClean="0"/>
+              <a:t>4 </a:t>
+            </a:r>
+            <a:r>
+              <a:rPr lang="zh-CN" altLang="en-US" dirty="0" smtClean="0"/>
+              <a:t>微信协程库</a:t>
+            </a:r>
+            <a:r>
+              <a:rPr lang="en-US" altLang="zh-CN" dirty="0" err="1" smtClean="0"/>
+              <a:t>libco</a:t>
+            </a:r>
+            <a:r>
+              <a:rPr lang="zh-CN" altLang="en-US" dirty="0" smtClean="0"/>
+              <a:t>源码解析</a:t>
+            </a:r>
+            <a:endParaRPr lang="zh-CN" altLang="en-US" dirty="0"/>
+          </a:p>
+        </p:txBody>
+      </p:sp>
+      <p:sp>
+        <p:nvSpPr>
+          <p:cNvPr id="3" name="内容占位符 2"/>
+          <p:cNvSpPr>
+            <a:spLocks noGrp="1"/>
+          </p:cNvSpPr>
+          <p:nvPr>
+            <p:ph idx="1"/>
+          </p:nvPr>
+        </p:nvSpPr>
+        <p:spPr/>
+        <p:txBody>
+          <a:bodyPr/>
+          <a:lstStyle/>
+          <a:p>
+            <a:pPr marL="514350" indent="-514350">
+              <a:buFont typeface="+mj-lt"/>
+              <a:buAutoNum type="arabicPeriod"/>
+            </a:pPr>
+            <a:r>
+              <a:rPr lang="zh-CN" altLang="en-US" dirty="0" smtClean="0"/>
+              <a:t>协成库的三大模块</a:t>
+            </a:r>
+            <a:endParaRPr lang="en-US" altLang="zh-CN" dirty="0" smtClean="0"/>
+          </a:p>
+          <a:p>
+            <a:pPr marL="514350" indent="-514350">
+              <a:buFont typeface="+mj-lt"/>
+              <a:buAutoNum type="arabicPeriod"/>
+            </a:pPr>
+            <a:r>
+              <a:rPr lang="en-US" altLang="zh-CN" dirty="0" err="1" smtClean="0"/>
+              <a:t>Libco</a:t>
+            </a:r>
+            <a:r>
+              <a:rPr lang="zh-CN" altLang="en-US" dirty="0" smtClean="0"/>
+              <a:t>架构</a:t>
+            </a:r>
+            <a:endParaRPr lang="en-US" altLang="zh-CN" dirty="0" smtClean="0"/>
+          </a:p>
+          <a:p>
+            <a:pPr marL="514350" indent="-514350">
+              <a:buFont typeface="+mj-lt"/>
+              <a:buAutoNum type="arabicPeriod"/>
+            </a:pPr>
+            <a:r>
+              <a:rPr lang="zh-CN" altLang="en-US" dirty="0" smtClean="0"/>
+              <a:t>概念的实现</a:t>
+            </a:r>
+            <a:endParaRPr lang="zh-CN" altLang="en-US" dirty="0"/>
+          </a:p>
+        </p:txBody>
+      </p:sp>
+    </p:spTree>
+    <p:extLst>
+      <p:ext uri="{BB962C8B-B14F-4D97-AF65-F5344CB8AC3E}">
+        <p14:creationId xmlns:p14="http://schemas.microsoft.com/office/powerpoint/2010/main" val="3945496726"/>
+      </p:ext>
+    </p:extLst>
+  </p:cSld>
+  <p:clrMapOvr>
+    <a:masterClrMapping/>
+  </p:clrMapOvr>
+</p:sld>
+</file>
+
+<file path=ppt/slides/slide14.xml><?xml version="1.0" encoding="utf-8"?>
+<p:sld xmlns:a="http://schemas.openxmlformats.org/drawingml/2006/main" xmlns:r="http://schemas.openxmlformats.org/officeDocument/2006/relationships" xmlns:p="http://schemas.openxmlformats.org/presentationml/2006/main">
+  <p:cSld>
+    <p:spTree>
+      <p:nvGrpSpPr>
+        <p:cNvPr id="1" name=""/>
+        <p:cNvGrpSpPr/>
+        <p:nvPr/>
+      </p:nvGrpSpPr>
+      <p:grpSpPr>
+        <a:xfrm>
+          <a:off x="0" y="0"/>
+          <a:ext cx="0" cy="0"/>
+          <a:chOff x="0" y="0"/>
+          <a:chExt cx="0" cy="0"/>
+        </a:xfrm>
+      </p:grpSpPr>
+      <p:sp>
+        <p:nvSpPr>
+          <p:cNvPr id="2" name="标题 1"/>
+          <p:cNvSpPr>
+            <a:spLocks noGrp="1"/>
+          </p:cNvSpPr>
+          <p:nvPr>
+            <p:ph type="title"/>
+          </p:nvPr>
+        </p:nvSpPr>
+        <p:spPr/>
+        <p:txBody>
+          <a:bodyPr/>
+          <a:lstStyle/>
+          <a:p>
+            <a:r>
+              <a:rPr lang="en-US" altLang="zh-CN" dirty="0" smtClean="0"/>
+              <a:t>4.1 </a:t>
+            </a:r>
+            <a:r>
+              <a:rPr lang="zh-CN" altLang="en-US" dirty="0" smtClean="0"/>
+              <a:t>协程库三大模块</a:t>
+            </a:r>
+            <a:endParaRPr lang="zh-CN" altLang="en-US" dirty="0"/>
+          </a:p>
+        </p:txBody>
+      </p:sp>
+      <p:sp>
+        <p:nvSpPr>
+          <p:cNvPr id="3" name="内容占位符 2"/>
+          <p:cNvSpPr>
+            <a:spLocks noGrp="1"/>
+          </p:cNvSpPr>
+          <p:nvPr>
+            <p:ph idx="1"/>
+          </p:nvPr>
+        </p:nvSpPr>
+        <p:spPr/>
+        <p:txBody>
+          <a:bodyPr/>
+          <a:lstStyle/>
+          <a:p>
+            <a:r>
+              <a:rPr lang="zh-CN" altLang="en-US" dirty="0" smtClean="0"/>
+              <a:t>执行单元。执行单元包括指令和内存。指令表示操作集合，内存用来存放操作数据。只包含指令和内存的执行单元可以称为最基本的协程。</a:t>
+            </a:r>
+            <a:endParaRPr lang="en-US" altLang="zh-CN" dirty="0" smtClean="0"/>
+          </a:p>
+          <a:p>
+            <a:r>
+              <a:rPr lang="zh-CN" altLang="en-US" dirty="0"/>
+              <a:t>调度</a:t>
+            </a:r>
+            <a:r>
+              <a:rPr lang="zh-CN" altLang="en-US" dirty="0" smtClean="0"/>
+              <a:t>器</a:t>
+            </a:r>
+            <a:r>
+              <a:rPr lang="en-US" altLang="zh-CN" dirty="0" smtClean="0"/>
+              <a:t>:</a:t>
+            </a:r>
+            <a:r>
+              <a:rPr lang="zh-CN" altLang="en-US" dirty="0" smtClean="0"/>
+              <a:t>用来调度执行单元。</a:t>
+            </a:r>
+            <a:endParaRPr lang="en-US" altLang="zh-CN" dirty="0" smtClean="0"/>
+          </a:p>
+          <a:p>
+            <a:r>
+              <a:rPr lang="zh-CN" altLang="en-US" dirty="0" smtClean="0"/>
+              <a:t>异步</a:t>
+            </a:r>
+            <a:r>
+              <a:rPr lang="en-US" altLang="zh-CN" dirty="0" smtClean="0"/>
+              <a:t>IO</a:t>
+            </a:r>
+            <a:r>
+              <a:rPr lang="zh-CN" altLang="en-US" dirty="0" smtClean="0"/>
+              <a:t>机制。阻塞编码下实现非阻塞效果。</a:t>
+            </a:r>
+            <a:endParaRPr lang="zh-CN" altLang="en-US" dirty="0"/>
+          </a:p>
+        </p:txBody>
+      </p:sp>
+    </p:spTree>
+    <p:extLst>
+      <p:ext uri="{BB962C8B-B14F-4D97-AF65-F5344CB8AC3E}">
+        <p14:creationId xmlns:p14="http://schemas.microsoft.com/office/powerpoint/2010/main" val="207054421"/>
+      </p:ext>
+    </p:extLst>
+  </p:cSld>
+  <p:clrMapOvr>
+    <a:masterClrMapping/>
+  </p:clrMapOvr>
+</p:sld>
+</file>
+
+<file path=ppt/slides/slide15.xml><?xml version="1.0" encoding="utf-8"?>
+<p:sld xmlns:a="http://schemas.openxmlformats.org/drawingml/2006/main" xmlns:r="http://schemas.openxmlformats.org/officeDocument/2006/relationships" xmlns:p="http://schemas.openxmlformats.org/presentationml/2006/main">
+  <p:cSld>
+    <p:spTree>
+      <p:nvGrpSpPr>
+        <p:cNvPr id="1" name=""/>
+        <p:cNvGrpSpPr/>
+        <p:nvPr/>
+      </p:nvGrpSpPr>
+      <p:grpSpPr>
+        <a:xfrm>
+          <a:off x="0" y="0"/>
+          <a:ext cx="0" cy="0"/>
+          <a:chOff x="0" y="0"/>
+          <a:chExt cx="0" cy="0"/>
+        </a:xfrm>
+      </p:grpSpPr>
+      <p:sp>
+        <p:nvSpPr>
+          <p:cNvPr id="2" name="标题 1"/>
+          <p:cNvSpPr>
+            <a:spLocks noGrp="1"/>
+          </p:cNvSpPr>
+          <p:nvPr>
+            <p:ph type="title"/>
+          </p:nvPr>
+        </p:nvSpPr>
+        <p:spPr/>
+        <p:txBody>
+          <a:bodyPr/>
+          <a:lstStyle/>
+          <a:p>
+            <a:r>
+              <a:rPr lang="en-US" altLang="zh-CN" dirty="0" smtClean="0"/>
+              <a:t>4.2 </a:t>
+            </a:r>
+            <a:r>
+              <a:rPr lang="en-US" altLang="zh-CN" dirty="0" err="1" smtClean="0"/>
+              <a:t>libco</a:t>
+            </a:r>
+            <a:r>
+              <a:rPr lang="zh-CN" altLang="en-US" dirty="0" smtClean="0"/>
+              <a:t>架构</a:t>
+            </a:r>
+            <a:endParaRPr lang="zh-CN" altLang="en-US" dirty="0"/>
+          </a:p>
+        </p:txBody>
+      </p:sp>
+      <p:pic>
+        <p:nvPicPr>
+          <p:cNvPr id="4" name="内容占位符 3"/>
+          <p:cNvPicPr>
+            <a:picLocks noGrp="1" noChangeAspect="1"/>
+          </p:cNvPicPr>
+          <p:nvPr>
+            <p:ph idx="1"/>
+          </p:nvPr>
+        </p:nvPicPr>
+        <p:blipFill>
+          <a:blip r:embed="rId2">
+            <a:extLst>
+              <a:ext uri="{28A0092B-C50C-407E-A947-70E740481C1C}">
+                <a14:useLocalDpi xmlns:a14="http://schemas.microsoft.com/office/drawing/2010/main" val="0"/>
+              </a:ext>
+            </a:extLst>
+          </a:blip>
+          <a:stretch>
+            <a:fillRect/>
+          </a:stretch>
+        </p:blipFill>
+        <p:spPr>
+          <a:xfrm>
+            <a:off x="3704962" y="1825625"/>
+            <a:ext cx="4782076" cy="4351338"/>
+          </a:xfrm>
+        </p:spPr>
+      </p:pic>
+    </p:spTree>
+    <p:extLst>
+      <p:ext uri="{BB962C8B-B14F-4D97-AF65-F5344CB8AC3E}">
+        <p14:creationId xmlns:p14="http://schemas.microsoft.com/office/powerpoint/2010/main" val="231301408"/>
+      </p:ext>
+    </p:extLst>
+  </p:cSld>
+  <p:clrMapOvr>
+    <a:masterClrMapping/>
+  </p:clrMapOvr>
+</p:sld>
+</file>
+
+<file path=ppt/slides/slide16.xml><?xml version="1.0" encoding="utf-8"?>
+<p:sld xmlns:a="http://schemas.openxmlformats.org/drawingml/2006/main" xmlns:r="http://schemas.openxmlformats.org/officeDocument/2006/relationships" xmlns:p="http://schemas.openxmlformats.org/presentationml/2006/main">
+  <p:cSld>
+    <p:spTree>
+      <p:nvGrpSpPr>
+        <p:cNvPr id="1" name=""/>
+        <p:cNvGrpSpPr/>
+        <p:nvPr/>
+      </p:nvGrpSpPr>
+      <p:grpSpPr>
+        <a:xfrm>
+          <a:off x="0" y="0"/>
+          <a:ext cx="0" cy="0"/>
+          <a:chOff x="0" y="0"/>
+          <a:chExt cx="0" cy="0"/>
+        </a:xfrm>
+      </p:grpSpPr>
+      <p:sp>
+        <p:nvSpPr>
+          <p:cNvPr id="2" name="标题 1"/>
+          <p:cNvSpPr>
+            <a:spLocks noGrp="1"/>
+          </p:cNvSpPr>
+          <p:nvPr>
+            <p:ph type="title"/>
+          </p:nvPr>
+        </p:nvSpPr>
+        <p:spPr/>
+        <p:txBody>
+          <a:bodyPr/>
+          <a:lstStyle/>
+          <a:p>
+            <a:r>
+              <a:rPr lang="en-US" altLang="zh-CN" dirty="0" smtClean="0"/>
+              <a:t>4.3 </a:t>
+            </a:r>
+            <a:r>
+              <a:rPr lang="zh-CN" altLang="en-US" dirty="0" smtClean="0"/>
+              <a:t>概念的实现</a:t>
+            </a:r>
+            <a:endParaRPr lang="zh-CN" altLang="en-US" dirty="0"/>
+          </a:p>
+        </p:txBody>
+      </p:sp>
+      <p:sp>
+        <p:nvSpPr>
+          <p:cNvPr id="3" name="内容占位符 2"/>
+          <p:cNvSpPr>
+            <a:spLocks noGrp="1"/>
+          </p:cNvSpPr>
+          <p:nvPr>
+            <p:ph idx="1"/>
+          </p:nvPr>
+        </p:nvSpPr>
+        <p:spPr/>
+        <p:txBody>
+          <a:bodyPr/>
+          <a:lstStyle/>
+          <a:p>
+            <a:r>
+              <a:rPr lang="en-US" altLang="zh-CN" dirty="0" err="1" smtClean="0"/>
+              <a:t>stCoRoutine_t</a:t>
+            </a:r>
+            <a:r>
+              <a:rPr lang="en-US" altLang="zh-CN" dirty="0" smtClean="0"/>
+              <a:t> </a:t>
+            </a:r>
+            <a:r>
+              <a:rPr lang="zh-CN" altLang="en-US" dirty="0" smtClean="0"/>
+              <a:t>表示一个协程。协程有两个属性：调度器属性和协程属性。所有协程共享的用于调度的属性叫调度器属性。</a:t>
+            </a:r>
+            <a:r>
+              <a:rPr lang="en-US" altLang="zh-CN" dirty="0" err="1" smtClean="0"/>
+              <a:t>Libco</a:t>
+            </a:r>
+            <a:r>
+              <a:rPr lang="zh-CN" altLang="en-US" dirty="0" smtClean="0"/>
+              <a:t>中用</a:t>
+            </a:r>
+            <a:r>
+              <a:rPr lang="en-US" altLang="zh-CN" dirty="0" err="1" smtClean="0"/>
+              <a:t>env</a:t>
+            </a:r>
+            <a:r>
+              <a:rPr lang="zh-CN" altLang="en-US" dirty="0" smtClean="0"/>
+              <a:t>表示。其它的成员变量为协程属性。</a:t>
+            </a:r>
+            <a:endParaRPr lang="en-US" altLang="zh-CN" dirty="0" smtClean="0"/>
+          </a:p>
+          <a:p>
+            <a:r>
+              <a:rPr lang="zh-CN" altLang="en-US" dirty="0" smtClean="0"/>
+              <a:t>协程的原语有：创建、切换、让出，对应的接口分别是</a:t>
+            </a:r>
+            <a:r>
+              <a:rPr lang="en-US" altLang="zh-CN" dirty="0" err="1" smtClean="0"/>
+              <a:t>co_create,co_resume,co_yield</a:t>
+            </a:r>
+            <a:endParaRPr lang="en-US" altLang="zh-CN" dirty="0" smtClean="0"/>
+          </a:p>
+          <a:p>
+            <a:r>
+              <a:rPr lang="en-US" altLang="zh-CN" dirty="0" err="1" smtClean="0"/>
+              <a:t>co_create</a:t>
+            </a:r>
+            <a:r>
+              <a:rPr lang="zh-CN" altLang="en-US" dirty="0" smtClean="0"/>
+              <a:t>：创建协程属性。如果调度器属性不存在则创建。</a:t>
+            </a:r>
+            <a:endParaRPr lang="en-US" altLang="zh-CN" dirty="0" smtClean="0"/>
+          </a:p>
+          <a:p>
+            <a:endParaRPr lang="zh-CN" altLang="en-US" dirty="0"/>
+          </a:p>
+        </p:txBody>
+      </p:sp>
+    </p:spTree>
+    <p:extLst>
+      <p:ext uri="{BB962C8B-B14F-4D97-AF65-F5344CB8AC3E}">
+        <p14:creationId xmlns:p14="http://schemas.microsoft.com/office/powerpoint/2010/main" val="3879526932"/>
       </p:ext>
     </p:extLst>
   </p:cSld>

--- a/协程/协程-潘东经.pptx
+++ b/协程/协程-潘东经.pptx
@@ -21,6 +21,9 @@
     <p:sldId id="268" r:id="rId15"/>
     <p:sldId id="270" r:id="rId16"/>
     <p:sldId id="271" r:id="rId17"/>
+    <p:sldId id="272" r:id="rId18"/>
+    <p:sldId id="273" r:id="rId19"/>
+    <p:sldId id="274" r:id="rId20"/>
   </p:sldIdLst>
   <p:sldSz cx="12192000" cy="6858000"/>
   <p:notesSz cx="6858000" cy="9144000"/>
@@ -3851,550 +3854,6 @@
       <dsp:cNvGrpSpPr/>
     </dsp:nvGrpSpPr>
     <dsp:grpSpPr/>
-    <dsp:sp modelId="{8EB859A4-7596-4658-98BB-F0FC81E8F5ED}">
-      <dsp:nvSpPr>
-        <dsp:cNvPr id="0" name=""/>
-        <dsp:cNvSpPr/>
-      </dsp:nvSpPr>
-      <dsp:spPr>
-        <a:xfrm>
-          <a:off x="3739" y="0"/>
-          <a:ext cx="1635149" cy="660903"/>
-        </a:xfrm>
-        <a:prstGeom prst="roundRect">
-          <a:avLst>
-            <a:gd name="adj" fmla="val 10000"/>
-          </a:avLst>
-        </a:prstGeom>
-        <a:solidFill>
-          <a:schemeClr val="accent1">
-            <a:hueOff val="0"/>
-            <a:satOff val="0"/>
-            <a:lumOff val="0"/>
-            <a:alphaOff val="0"/>
-          </a:schemeClr>
-        </a:solidFill>
-        <a:ln w="12700" cap="flat" cmpd="sng" algn="ctr">
-          <a:solidFill>
-            <a:schemeClr val="lt1">
-              <a:hueOff val="0"/>
-              <a:satOff val="0"/>
-              <a:lumOff val="0"/>
-              <a:alphaOff val="0"/>
-            </a:schemeClr>
-          </a:solidFill>
-          <a:prstDash val="solid"/>
-          <a:miter lim="800000"/>
-        </a:ln>
-        <a:effectLst/>
-      </dsp:spPr>
-      <dsp:style>
-        <a:lnRef idx="2">
-          <a:scrgbClr r="0" g="0" b="0"/>
-        </a:lnRef>
-        <a:fillRef idx="1">
-          <a:scrgbClr r="0" g="0" b="0"/>
-        </a:fillRef>
-        <a:effectRef idx="0">
-          <a:scrgbClr r="0" g="0" b="0"/>
-        </a:effectRef>
-        <a:fontRef idx="minor">
-          <a:schemeClr val="lt1"/>
-        </a:fontRef>
-      </dsp:style>
-      <dsp:txBody>
-        <a:bodyPr spcFirstLastPara="0" vert="horz" wrap="square" lIns="57150" tIns="57150" rIns="57150" bIns="57150" numCol="1" spcCol="1270" anchor="ctr" anchorCtr="0">
-          <a:noAutofit/>
-        </a:bodyPr>
-        <a:lstStyle/>
-        <a:p>
-          <a:pPr lvl="0" algn="ctr" defTabSz="666750">
-            <a:lnSpc>
-              <a:spcPct val="90000"/>
-            </a:lnSpc>
-            <a:spcBef>
-              <a:spcPct val="0"/>
-            </a:spcBef>
-            <a:spcAft>
-              <a:spcPct val="35000"/>
-            </a:spcAft>
-          </a:pPr>
-          <a:r>
-            <a:rPr lang="en-US" altLang="zh-CN" sz="1500" kern="1200" dirty="0" smtClean="0"/>
-            <a:t>accept</a:t>
-          </a:r>
-          <a:endParaRPr lang="zh-CN" altLang="en-US" sz="1500" kern="1200" dirty="0"/>
-        </a:p>
-      </dsp:txBody>
-      <dsp:txXfrm>
-        <a:off x="23096" y="19357"/>
-        <a:ext cx="1596435" cy="622189"/>
-      </dsp:txXfrm>
-    </dsp:sp>
-    <dsp:sp modelId="{A5BF49FD-B05A-418E-9BCB-FC975247347C}">
-      <dsp:nvSpPr>
-        <dsp:cNvPr id="0" name=""/>
-        <dsp:cNvSpPr/>
-      </dsp:nvSpPr>
-      <dsp:spPr>
-        <a:xfrm>
-          <a:off x="1802404" y="127692"/>
-          <a:ext cx="346651" cy="405517"/>
-        </a:xfrm>
-        <a:prstGeom prst="rightArrow">
-          <a:avLst>
-            <a:gd name="adj1" fmla="val 60000"/>
-            <a:gd name="adj2" fmla="val 50000"/>
-          </a:avLst>
-        </a:prstGeom>
-        <a:solidFill>
-          <a:schemeClr val="accent1">
-            <a:tint val="60000"/>
-            <a:hueOff val="0"/>
-            <a:satOff val="0"/>
-            <a:lumOff val="0"/>
-            <a:alphaOff val="0"/>
-          </a:schemeClr>
-        </a:solidFill>
-        <a:ln>
-          <a:noFill/>
-        </a:ln>
-        <a:effectLst/>
-      </dsp:spPr>
-      <dsp:style>
-        <a:lnRef idx="0">
-          <a:scrgbClr r="0" g="0" b="0"/>
-        </a:lnRef>
-        <a:fillRef idx="1">
-          <a:scrgbClr r="0" g="0" b="0"/>
-        </a:fillRef>
-        <a:effectRef idx="0">
-          <a:scrgbClr r="0" g="0" b="0"/>
-        </a:effectRef>
-        <a:fontRef idx="minor">
-          <a:schemeClr val="lt1"/>
-        </a:fontRef>
-      </dsp:style>
-      <dsp:txBody>
-        <a:bodyPr spcFirstLastPara="0" vert="horz" wrap="square" lIns="0" tIns="0" rIns="0" bIns="0" numCol="1" spcCol="1270" anchor="ctr" anchorCtr="0">
-          <a:noAutofit/>
-        </a:bodyPr>
-        <a:lstStyle/>
-        <a:p>
-          <a:pPr lvl="0" algn="ctr" defTabSz="533400">
-            <a:lnSpc>
-              <a:spcPct val="90000"/>
-            </a:lnSpc>
-            <a:spcBef>
-              <a:spcPct val="0"/>
-            </a:spcBef>
-            <a:spcAft>
-              <a:spcPct val="35000"/>
-            </a:spcAft>
-          </a:pPr>
-          <a:endParaRPr lang="zh-CN" altLang="en-US" sz="1200" kern="1200"/>
-        </a:p>
-      </dsp:txBody>
-      <dsp:txXfrm>
-        <a:off x="1802404" y="208795"/>
-        <a:ext cx="242656" cy="243311"/>
-      </dsp:txXfrm>
-    </dsp:sp>
-    <dsp:sp modelId="{8D578BC3-A8A2-4EDE-8DD7-D6AD2101C298}">
-      <dsp:nvSpPr>
-        <dsp:cNvPr id="0" name=""/>
-        <dsp:cNvSpPr/>
-      </dsp:nvSpPr>
-      <dsp:spPr>
-        <a:xfrm>
-          <a:off x="2292948" y="0"/>
-          <a:ext cx="1635149" cy="660903"/>
-        </a:xfrm>
-        <a:prstGeom prst="roundRect">
-          <a:avLst>
-            <a:gd name="adj" fmla="val 10000"/>
-          </a:avLst>
-        </a:prstGeom>
-        <a:solidFill>
-          <a:schemeClr val="accent1">
-            <a:hueOff val="0"/>
-            <a:satOff val="0"/>
-            <a:lumOff val="0"/>
-            <a:alphaOff val="0"/>
-          </a:schemeClr>
-        </a:solidFill>
-        <a:ln w="12700" cap="flat" cmpd="sng" algn="ctr">
-          <a:solidFill>
-            <a:schemeClr val="lt1">
-              <a:hueOff val="0"/>
-              <a:satOff val="0"/>
-              <a:lumOff val="0"/>
-              <a:alphaOff val="0"/>
-            </a:schemeClr>
-          </a:solidFill>
-          <a:prstDash val="solid"/>
-          <a:miter lim="800000"/>
-        </a:ln>
-        <a:effectLst/>
-      </dsp:spPr>
-      <dsp:style>
-        <a:lnRef idx="2">
-          <a:scrgbClr r="0" g="0" b="0"/>
-        </a:lnRef>
-        <a:fillRef idx="1">
-          <a:scrgbClr r="0" g="0" b="0"/>
-        </a:fillRef>
-        <a:effectRef idx="0">
-          <a:scrgbClr r="0" g="0" b="0"/>
-        </a:effectRef>
-        <a:fontRef idx="minor">
-          <a:schemeClr val="lt1"/>
-        </a:fontRef>
-      </dsp:style>
-      <dsp:txBody>
-        <a:bodyPr spcFirstLastPara="0" vert="horz" wrap="square" lIns="57150" tIns="57150" rIns="57150" bIns="57150" numCol="1" spcCol="1270" anchor="ctr" anchorCtr="0">
-          <a:noAutofit/>
-        </a:bodyPr>
-        <a:lstStyle/>
-        <a:p>
-          <a:pPr lvl="0" algn="ctr" defTabSz="666750">
-            <a:lnSpc>
-              <a:spcPct val="90000"/>
-            </a:lnSpc>
-            <a:spcBef>
-              <a:spcPct val="0"/>
-            </a:spcBef>
-            <a:spcAft>
-              <a:spcPct val="35000"/>
-            </a:spcAft>
-          </a:pPr>
-          <a:r>
-            <a:rPr lang="en-US" altLang="zh-CN" sz="1500" kern="1200" dirty="0" err="1" smtClean="0"/>
-            <a:t>recv</a:t>
-          </a:r>
-          <a:endParaRPr lang="zh-CN" altLang="en-US" sz="1500" kern="1200" dirty="0"/>
-        </a:p>
-      </dsp:txBody>
-      <dsp:txXfrm>
-        <a:off x="2312305" y="19357"/>
-        <a:ext cx="1596435" cy="622189"/>
-      </dsp:txXfrm>
-    </dsp:sp>
-    <dsp:sp modelId="{4C11A65F-E1FF-4112-8871-E89CC7510EEC}">
-      <dsp:nvSpPr>
-        <dsp:cNvPr id="0" name=""/>
-        <dsp:cNvSpPr/>
-      </dsp:nvSpPr>
-      <dsp:spPr>
-        <a:xfrm>
-          <a:off x="4091613" y="127692"/>
-          <a:ext cx="346651" cy="405517"/>
-        </a:xfrm>
-        <a:prstGeom prst="rightArrow">
-          <a:avLst>
-            <a:gd name="adj1" fmla="val 60000"/>
-            <a:gd name="adj2" fmla="val 50000"/>
-          </a:avLst>
-        </a:prstGeom>
-        <a:solidFill>
-          <a:schemeClr val="accent1">
-            <a:tint val="60000"/>
-            <a:hueOff val="0"/>
-            <a:satOff val="0"/>
-            <a:lumOff val="0"/>
-            <a:alphaOff val="0"/>
-          </a:schemeClr>
-        </a:solidFill>
-        <a:ln>
-          <a:noFill/>
-        </a:ln>
-        <a:effectLst/>
-      </dsp:spPr>
-      <dsp:style>
-        <a:lnRef idx="0">
-          <a:scrgbClr r="0" g="0" b="0"/>
-        </a:lnRef>
-        <a:fillRef idx="1">
-          <a:scrgbClr r="0" g="0" b="0"/>
-        </a:fillRef>
-        <a:effectRef idx="0">
-          <a:scrgbClr r="0" g="0" b="0"/>
-        </a:effectRef>
-        <a:fontRef idx="minor">
-          <a:schemeClr val="lt1"/>
-        </a:fontRef>
-      </dsp:style>
-      <dsp:txBody>
-        <a:bodyPr spcFirstLastPara="0" vert="horz" wrap="square" lIns="0" tIns="0" rIns="0" bIns="0" numCol="1" spcCol="1270" anchor="ctr" anchorCtr="0">
-          <a:noAutofit/>
-        </a:bodyPr>
-        <a:lstStyle/>
-        <a:p>
-          <a:pPr lvl="0" algn="ctr" defTabSz="533400">
-            <a:lnSpc>
-              <a:spcPct val="90000"/>
-            </a:lnSpc>
-            <a:spcBef>
-              <a:spcPct val="0"/>
-            </a:spcBef>
-            <a:spcAft>
-              <a:spcPct val="35000"/>
-            </a:spcAft>
-          </a:pPr>
-          <a:endParaRPr lang="zh-CN" altLang="en-US" sz="1200" kern="1200"/>
-        </a:p>
-      </dsp:txBody>
-      <dsp:txXfrm>
-        <a:off x="4091613" y="208795"/>
-        <a:ext cx="242656" cy="243311"/>
-      </dsp:txXfrm>
-    </dsp:sp>
-    <dsp:sp modelId="{E863B95B-0F7B-4BDE-8C39-4B4308DFA217}">
-      <dsp:nvSpPr>
-        <dsp:cNvPr id="0" name=""/>
-        <dsp:cNvSpPr/>
-      </dsp:nvSpPr>
-      <dsp:spPr>
-        <a:xfrm>
-          <a:off x="4582157" y="0"/>
-          <a:ext cx="1635149" cy="660903"/>
-        </a:xfrm>
-        <a:prstGeom prst="roundRect">
-          <a:avLst>
-            <a:gd name="adj" fmla="val 10000"/>
-          </a:avLst>
-        </a:prstGeom>
-        <a:solidFill>
-          <a:schemeClr val="accent1">
-            <a:hueOff val="0"/>
-            <a:satOff val="0"/>
-            <a:lumOff val="0"/>
-            <a:alphaOff val="0"/>
-          </a:schemeClr>
-        </a:solidFill>
-        <a:ln w="12700" cap="flat" cmpd="sng" algn="ctr">
-          <a:solidFill>
-            <a:schemeClr val="lt1">
-              <a:hueOff val="0"/>
-              <a:satOff val="0"/>
-              <a:lumOff val="0"/>
-              <a:alphaOff val="0"/>
-            </a:schemeClr>
-          </a:solidFill>
-          <a:prstDash val="solid"/>
-          <a:miter lim="800000"/>
-        </a:ln>
-        <a:effectLst/>
-      </dsp:spPr>
-      <dsp:style>
-        <a:lnRef idx="2">
-          <a:scrgbClr r="0" g="0" b="0"/>
-        </a:lnRef>
-        <a:fillRef idx="1">
-          <a:scrgbClr r="0" g="0" b="0"/>
-        </a:fillRef>
-        <a:effectRef idx="0">
-          <a:scrgbClr r="0" g="0" b="0"/>
-        </a:effectRef>
-        <a:fontRef idx="minor">
-          <a:schemeClr val="lt1"/>
-        </a:fontRef>
-      </dsp:style>
-      <dsp:txBody>
-        <a:bodyPr spcFirstLastPara="0" vert="horz" wrap="square" lIns="57150" tIns="57150" rIns="57150" bIns="57150" numCol="1" spcCol="1270" anchor="ctr" anchorCtr="0">
-          <a:noAutofit/>
-        </a:bodyPr>
-        <a:lstStyle/>
-        <a:p>
-          <a:pPr lvl="0" algn="ctr" defTabSz="666750">
-            <a:lnSpc>
-              <a:spcPct val="90000"/>
-            </a:lnSpc>
-            <a:spcBef>
-              <a:spcPct val="0"/>
-            </a:spcBef>
-            <a:spcAft>
-              <a:spcPct val="35000"/>
-            </a:spcAft>
-          </a:pPr>
-          <a:r>
-            <a:rPr lang="en-US" altLang="zh-CN" sz="1500" kern="1200" dirty="0" smtClean="0"/>
-            <a:t>do</a:t>
-          </a:r>
-        </a:p>
-        <a:p>
-          <a:pPr lvl="0" algn="ctr" defTabSz="666750">
-            <a:lnSpc>
-              <a:spcPct val="90000"/>
-            </a:lnSpc>
-            <a:spcBef>
-              <a:spcPct val="0"/>
-            </a:spcBef>
-            <a:spcAft>
-              <a:spcPct val="35000"/>
-            </a:spcAft>
-          </a:pPr>
-          <a:r>
-            <a:rPr lang="en-US" altLang="zh-CN" sz="1500" kern="1200" dirty="0" smtClean="0"/>
-            <a:t>something</a:t>
-          </a:r>
-          <a:endParaRPr lang="zh-CN" altLang="en-US" sz="1500" kern="1200" dirty="0"/>
-        </a:p>
-      </dsp:txBody>
-      <dsp:txXfrm>
-        <a:off x="4601514" y="19357"/>
-        <a:ext cx="1596435" cy="622189"/>
-      </dsp:txXfrm>
-    </dsp:sp>
-    <dsp:sp modelId="{911DB76E-5DC0-4408-B7A7-336DDE41EF5A}">
-      <dsp:nvSpPr>
-        <dsp:cNvPr id="0" name=""/>
-        <dsp:cNvSpPr/>
-      </dsp:nvSpPr>
-      <dsp:spPr>
-        <a:xfrm>
-          <a:off x="6380822" y="127692"/>
-          <a:ext cx="346651" cy="405517"/>
-        </a:xfrm>
-        <a:prstGeom prst="rightArrow">
-          <a:avLst>
-            <a:gd name="adj1" fmla="val 60000"/>
-            <a:gd name="adj2" fmla="val 50000"/>
-          </a:avLst>
-        </a:prstGeom>
-        <a:solidFill>
-          <a:schemeClr val="accent1">
-            <a:tint val="60000"/>
-            <a:hueOff val="0"/>
-            <a:satOff val="0"/>
-            <a:lumOff val="0"/>
-            <a:alphaOff val="0"/>
-          </a:schemeClr>
-        </a:solidFill>
-        <a:ln>
-          <a:noFill/>
-        </a:ln>
-        <a:effectLst/>
-      </dsp:spPr>
-      <dsp:style>
-        <a:lnRef idx="0">
-          <a:scrgbClr r="0" g="0" b="0"/>
-        </a:lnRef>
-        <a:fillRef idx="1">
-          <a:scrgbClr r="0" g="0" b="0"/>
-        </a:fillRef>
-        <a:effectRef idx="0">
-          <a:scrgbClr r="0" g="0" b="0"/>
-        </a:effectRef>
-        <a:fontRef idx="minor">
-          <a:schemeClr val="lt1"/>
-        </a:fontRef>
-      </dsp:style>
-      <dsp:txBody>
-        <a:bodyPr spcFirstLastPara="0" vert="horz" wrap="square" lIns="0" tIns="0" rIns="0" bIns="0" numCol="1" spcCol="1270" anchor="ctr" anchorCtr="0">
-          <a:noAutofit/>
-        </a:bodyPr>
-        <a:lstStyle/>
-        <a:p>
-          <a:pPr lvl="0" algn="ctr" defTabSz="533400">
-            <a:lnSpc>
-              <a:spcPct val="90000"/>
-            </a:lnSpc>
-            <a:spcBef>
-              <a:spcPct val="0"/>
-            </a:spcBef>
-            <a:spcAft>
-              <a:spcPct val="35000"/>
-            </a:spcAft>
-          </a:pPr>
-          <a:endParaRPr lang="zh-CN" altLang="en-US" sz="1200" kern="1200"/>
-        </a:p>
-      </dsp:txBody>
-      <dsp:txXfrm>
-        <a:off x="6380822" y="208795"/>
-        <a:ext cx="242656" cy="243311"/>
-      </dsp:txXfrm>
-    </dsp:sp>
-    <dsp:sp modelId="{8C4F1557-888B-401F-B366-2568C5753FCD}">
-      <dsp:nvSpPr>
-        <dsp:cNvPr id="0" name=""/>
-        <dsp:cNvSpPr/>
-      </dsp:nvSpPr>
-      <dsp:spPr>
-        <a:xfrm>
-          <a:off x="6871366" y="0"/>
-          <a:ext cx="1635149" cy="660903"/>
-        </a:xfrm>
-        <a:prstGeom prst="roundRect">
-          <a:avLst>
-            <a:gd name="adj" fmla="val 10000"/>
-          </a:avLst>
-        </a:prstGeom>
-        <a:solidFill>
-          <a:schemeClr val="accent1">
-            <a:hueOff val="0"/>
-            <a:satOff val="0"/>
-            <a:lumOff val="0"/>
-            <a:alphaOff val="0"/>
-          </a:schemeClr>
-        </a:solidFill>
-        <a:ln w="12700" cap="flat" cmpd="sng" algn="ctr">
-          <a:solidFill>
-            <a:schemeClr val="lt1">
-              <a:hueOff val="0"/>
-              <a:satOff val="0"/>
-              <a:lumOff val="0"/>
-              <a:alphaOff val="0"/>
-            </a:schemeClr>
-          </a:solidFill>
-          <a:prstDash val="solid"/>
-          <a:miter lim="800000"/>
-        </a:ln>
-        <a:effectLst/>
-      </dsp:spPr>
-      <dsp:style>
-        <a:lnRef idx="2">
-          <a:scrgbClr r="0" g="0" b="0"/>
-        </a:lnRef>
-        <a:fillRef idx="1">
-          <a:scrgbClr r="0" g="0" b="0"/>
-        </a:fillRef>
-        <a:effectRef idx="0">
-          <a:scrgbClr r="0" g="0" b="0"/>
-        </a:effectRef>
-        <a:fontRef idx="minor">
-          <a:schemeClr val="lt1"/>
-        </a:fontRef>
-      </dsp:style>
-      <dsp:txBody>
-        <a:bodyPr spcFirstLastPara="0" vert="horz" wrap="square" lIns="57150" tIns="57150" rIns="57150" bIns="57150" numCol="1" spcCol="1270" anchor="ctr" anchorCtr="0">
-          <a:noAutofit/>
-        </a:bodyPr>
-        <a:lstStyle/>
-        <a:p>
-          <a:pPr lvl="0" algn="ctr" defTabSz="666750">
-            <a:lnSpc>
-              <a:spcPct val="90000"/>
-            </a:lnSpc>
-            <a:spcBef>
-              <a:spcPct val="0"/>
-            </a:spcBef>
-            <a:spcAft>
-              <a:spcPct val="35000"/>
-            </a:spcAft>
-          </a:pPr>
-          <a:r>
-            <a:rPr lang="en-US" altLang="zh-CN" sz="1500" kern="1200" dirty="0" smtClean="0"/>
-            <a:t>send</a:t>
-          </a:r>
-          <a:endParaRPr lang="zh-CN" altLang="en-US" sz="1500" kern="1200" dirty="0"/>
-        </a:p>
-      </dsp:txBody>
-      <dsp:txXfrm>
-        <a:off x="6890723" y="19357"/>
-        <a:ext cx="1596435" cy="622189"/>
-      </dsp:txXfrm>
-    </dsp:sp>
   </dsp:spTree>
 </dsp:drawing>
 </file>
@@ -4407,670 +3866,6 @@
       <dsp:cNvGrpSpPr/>
     </dsp:nvGrpSpPr>
     <dsp:grpSpPr/>
-    <dsp:sp modelId="{432D1971-5BC2-40D9-B444-D58533A740C0}">
-      <dsp:nvSpPr>
-        <dsp:cNvPr id="0" name=""/>
-        <dsp:cNvSpPr/>
-      </dsp:nvSpPr>
-      <dsp:spPr>
-        <a:xfrm>
-          <a:off x="1824" y="47977"/>
-          <a:ext cx="1779218" cy="489600"/>
-        </a:xfrm>
-        <a:prstGeom prst="rect">
-          <a:avLst/>
-        </a:prstGeom>
-        <a:solidFill>
-          <a:schemeClr val="accent1">
-            <a:hueOff val="0"/>
-            <a:satOff val="0"/>
-            <a:lumOff val="0"/>
-            <a:alphaOff val="0"/>
-          </a:schemeClr>
-        </a:solidFill>
-        <a:ln w="12700" cap="flat" cmpd="sng" algn="ctr">
-          <a:solidFill>
-            <a:schemeClr val="accent1">
-              <a:hueOff val="0"/>
-              <a:satOff val="0"/>
-              <a:lumOff val="0"/>
-              <a:alphaOff val="0"/>
-            </a:schemeClr>
-          </a:solidFill>
-          <a:prstDash val="solid"/>
-          <a:miter lim="800000"/>
-        </a:ln>
-        <a:effectLst/>
-      </dsp:spPr>
-      <dsp:style>
-        <a:lnRef idx="2">
-          <a:scrgbClr r="0" g="0" b="0"/>
-        </a:lnRef>
-        <a:fillRef idx="1">
-          <a:scrgbClr r="0" g="0" b="0"/>
-        </a:fillRef>
-        <a:effectRef idx="0">
-          <a:scrgbClr r="0" g="0" b="0"/>
-        </a:effectRef>
-        <a:fontRef idx="minor">
-          <a:schemeClr val="lt1"/>
-        </a:fontRef>
-      </dsp:style>
-      <dsp:txBody>
-        <a:bodyPr spcFirstLastPara="0" vert="horz" wrap="square" lIns="120904" tIns="69088" rIns="120904" bIns="69088" numCol="1" spcCol="1270" anchor="ctr" anchorCtr="0">
-          <a:noAutofit/>
-        </a:bodyPr>
-        <a:lstStyle/>
-        <a:p>
-          <a:pPr lvl="0" algn="ctr" defTabSz="755650">
-            <a:lnSpc>
-              <a:spcPct val="90000"/>
-            </a:lnSpc>
-            <a:spcBef>
-              <a:spcPct val="0"/>
-            </a:spcBef>
-            <a:spcAft>
-              <a:spcPct val="35000"/>
-            </a:spcAft>
-          </a:pPr>
-          <a:r>
-            <a:rPr lang="zh-CN" altLang="en-US" sz="1700" kern="1200" dirty="0" smtClean="0"/>
-            <a:t>进程</a:t>
-          </a:r>
-          <a:r>
-            <a:rPr lang="en-US" altLang="zh-CN" sz="1700" kern="1200" dirty="0" smtClean="0"/>
-            <a:t>1</a:t>
-          </a:r>
-          <a:endParaRPr lang="zh-CN" altLang="en-US" sz="1700" kern="1200" dirty="0"/>
-        </a:p>
-      </dsp:txBody>
-      <dsp:txXfrm>
-        <a:off x="1824" y="47977"/>
-        <a:ext cx="1779218" cy="489600"/>
-      </dsp:txXfrm>
-    </dsp:sp>
-    <dsp:sp modelId="{6FC44D69-7B76-476D-AAE9-1CF08B9C5332}">
-      <dsp:nvSpPr>
-        <dsp:cNvPr id="0" name=""/>
-        <dsp:cNvSpPr/>
-      </dsp:nvSpPr>
-      <dsp:spPr>
-        <a:xfrm>
-          <a:off x="1824" y="537578"/>
-          <a:ext cx="1779218" cy="1306620"/>
-        </a:xfrm>
-        <a:prstGeom prst="rect">
-          <a:avLst/>
-        </a:prstGeom>
-        <a:solidFill>
-          <a:schemeClr val="accent1">
-            <a:alpha val="90000"/>
-            <a:tint val="40000"/>
-            <a:hueOff val="0"/>
-            <a:satOff val="0"/>
-            <a:lumOff val="0"/>
-            <a:alphaOff val="0"/>
-          </a:schemeClr>
-        </a:solidFill>
-        <a:ln w="12700" cap="flat" cmpd="sng" algn="ctr">
-          <a:solidFill>
-            <a:schemeClr val="accent1">
-              <a:alpha val="90000"/>
-              <a:tint val="40000"/>
-              <a:hueOff val="0"/>
-              <a:satOff val="0"/>
-              <a:lumOff val="0"/>
-              <a:alphaOff val="0"/>
-            </a:schemeClr>
-          </a:solidFill>
-          <a:prstDash val="solid"/>
-          <a:miter lim="800000"/>
-        </a:ln>
-        <a:effectLst/>
-      </dsp:spPr>
-      <dsp:style>
-        <a:lnRef idx="2">
-          <a:scrgbClr r="0" g="0" b="0"/>
-        </a:lnRef>
-        <a:fillRef idx="1">
-          <a:scrgbClr r="0" g="0" b="0"/>
-        </a:fillRef>
-        <a:effectRef idx="0">
-          <a:scrgbClr r="0" g="0" b="0"/>
-        </a:effectRef>
-        <a:fontRef idx="minor"/>
-      </dsp:style>
-      <dsp:txBody>
-        <a:bodyPr spcFirstLastPara="0" vert="horz" wrap="square" lIns="90678" tIns="90678" rIns="120904" bIns="136017" numCol="1" spcCol="1270" anchor="t" anchorCtr="0">
-          <a:noAutofit/>
-        </a:bodyPr>
-        <a:lstStyle/>
-        <a:p>
-          <a:pPr marL="171450" lvl="1" indent="-171450" algn="l" defTabSz="755650">
-            <a:lnSpc>
-              <a:spcPct val="90000"/>
-            </a:lnSpc>
-            <a:spcBef>
-              <a:spcPct val="0"/>
-            </a:spcBef>
-            <a:spcAft>
-              <a:spcPct val="15000"/>
-            </a:spcAft>
-            <a:buChar char="••"/>
-          </a:pPr>
-          <a:r>
-            <a:rPr lang="en-US" altLang="zh-CN" sz="1700" kern="1200" dirty="0" smtClean="0"/>
-            <a:t>accept</a:t>
-          </a:r>
-          <a:endParaRPr lang="zh-CN" altLang="en-US" sz="1700" kern="1200" dirty="0"/>
-        </a:p>
-        <a:p>
-          <a:pPr marL="171450" lvl="1" indent="-171450" algn="l" defTabSz="755650">
-            <a:lnSpc>
-              <a:spcPct val="90000"/>
-            </a:lnSpc>
-            <a:spcBef>
-              <a:spcPct val="0"/>
-            </a:spcBef>
-            <a:spcAft>
-              <a:spcPct val="15000"/>
-            </a:spcAft>
-            <a:buChar char="••"/>
-          </a:pPr>
-          <a:r>
-            <a:rPr lang="en-US" altLang="zh-CN" sz="1700" kern="1200" dirty="0" err="1" smtClean="0"/>
-            <a:t>recv</a:t>
-          </a:r>
-          <a:endParaRPr lang="zh-CN" altLang="en-US" sz="1700" kern="1200" dirty="0"/>
-        </a:p>
-        <a:p>
-          <a:pPr marL="171450" lvl="1" indent="-171450" algn="l" defTabSz="755650">
-            <a:lnSpc>
-              <a:spcPct val="90000"/>
-            </a:lnSpc>
-            <a:spcBef>
-              <a:spcPct val="0"/>
-            </a:spcBef>
-            <a:spcAft>
-              <a:spcPct val="15000"/>
-            </a:spcAft>
-            <a:buChar char="••"/>
-          </a:pPr>
-          <a:r>
-            <a:rPr lang="en-US" altLang="zh-CN" sz="1700" kern="1200" dirty="0" err="1" smtClean="0"/>
-            <a:t>do_something</a:t>
-          </a:r>
-          <a:endParaRPr lang="zh-CN" altLang="en-US" sz="1700" kern="1200" dirty="0"/>
-        </a:p>
-        <a:p>
-          <a:pPr marL="171450" lvl="1" indent="-171450" algn="l" defTabSz="755650">
-            <a:lnSpc>
-              <a:spcPct val="90000"/>
-            </a:lnSpc>
-            <a:spcBef>
-              <a:spcPct val="0"/>
-            </a:spcBef>
-            <a:spcAft>
-              <a:spcPct val="15000"/>
-            </a:spcAft>
-            <a:buChar char="••"/>
-          </a:pPr>
-          <a:r>
-            <a:rPr lang="en-US" altLang="zh-CN" sz="1700" kern="1200" dirty="0" smtClean="0"/>
-            <a:t>send</a:t>
-          </a:r>
-          <a:endParaRPr lang="zh-CN" altLang="en-US" sz="1700" kern="1200" dirty="0"/>
-        </a:p>
-      </dsp:txBody>
-      <dsp:txXfrm>
-        <a:off x="1824" y="537578"/>
-        <a:ext cx="1779218" cy="1306620"/>
-      </dsp:txXfrm>
-    </dsp:sp>
-    <dsp:sp modelId="{FF03801B-83DC-4F72-A4EF-37591F280430}">
-      <dsp:nvSpPr>
-        <dsp:cNvPr id="0" name=""/>
-        <dsp:cNvSpPr/>
-      </dsp:nvSpPr>
-      <dsp:spPr>
-        <a:xfrm>
-          <a:off x="2030133" y="47977"/>
-          <a:ext cx="1779218" cy="489600"/>
-        </a:xfrm>
-        <a:prstGeom prst="rect">
-          <a:avLst/>
-        </a:prstGeom>
-        <a:solidFill>
-          <a:schemeClr val="accent1">
-            <a:hueOff val="0"/>
-            <a:satOff val="0"/>
-            <a:lumOff val="0"/>
-            <a:alphaOff val="0"/>
-          </a:schemeClr>
-        </a:solidFill>
-        <a:ln w="12700" cap="flat" cmpd="sng" algn="ctr">
-          <a:solidFill>
-            <a:schemeClr val="accent1">
-              <a:hueOff val="0"/>
-              <a:satOff val="0"/>
-              <a:lumOff val="0"/>
-              <a:alphaOff val="0"/>
-            </a:schemeClr>
-          </a:solidFill>
-          <a:prstDash val="solid"/>
-          <a:miter lim="800000"/>
-        </a:ln>
-        <a:effectLst/>
-      </dsp:spPr>
-      <dsp:style>
-        <a:lnRef idx="2">
-          <a:scrgbClr r="0" g="0" b="0"/>
-        </a:lnRef>
-        <a:fillRef idx="1">
-          <a:scrgbClr r="0" g="0" b="0"/>
-        </a:fillRef>
-        <a:effectRef idx="0">
-          <a:scrgbClr r="0" g="0" b="0"/>
-        </a:effectRef>
-        <a:fontRef idx="minor">
-          <a:schemeClr val="lt1"/>
-        </a:fontRef>
-      </dsp:style>
-      <dsp:txBody>
-        <a:bodyPr spcFirstLastPara="0" vert="horz" wrap="square" lIns="120904" tIns="69088" rIns="120904" bIns="69088" numCol="1" spcCol="1270" anchor="ctr" anchorCtr="0">
-          <a:noAutofit/>
-        </a:bodyPr>
-        <a:lstStyle/>
-        <a:p>
-          <a:pPr lvl="0" algn="ctr" defTabSz="755650">
-            <a:lnSpc>
-              <a:spcPct val="90000"/>
-            </a:lnSpc>
-            <a:spcBef>
-              <a:spcPct val="0"/>
-            </a:spcBef>
-            <a:spcAft>
-              <a:spcPct val="35000"/>
-            </a:spcAft>
-          </a:pPr>
-          <a:r>
-            <a:rPr lang="zh-CN" altLang="en-US" sz="1700" kern="1200" dirty="0" smtClean="0"/>
-            <a:t>进程</a:t>
-          </a:r>
-          <a:r>
-            <a:rPr lang="en-US" altLang="zh-CN" sz="1700" kern="1200" dirty="0" smtClean="0"/>
-            <a:t>2</a:t>
-          </a:r>
-          <a:endParaRPr lang="zh-CN" altLang="en-US" sz="1700" kern="1200" dirty="0"/>
-        </a:p>
-      </dsp:txBody>
-      <dsp:txXfrm>
-        <a:off x="2030133" y="47977"/>
-        <a:ext cx="1779218" cy="489600"/>
-      </dsp:txXfrm>
-    </dsp:sp>
-    <dsp:sp modelId="{C2907F33-AB4F-4C15-9B88-A84DE46788B7}">
-      <dsp:nvSpPr>
-        <dsp:cNvPr id="0" name=""/>
-        <dsp:cNvSpPr/>
-      </dsp:nvSpPr>
-      <dsp:spPr>
-        <a:xfrm>
-          <a:off x="2030133" y="537578"/>
-          <a:ext cx="1779218" cy="1306620"/>
-        </a:xfrm>
-        <a:prstGeom prst="rect">
-          <a:avLst/>
-        </a:prstGeom>
-        <a:solidFill>
-          <a:schemeClr val="accent1">
-            <a:alpha val="90000"/>
-            <a:tint val="40000"/>
-            <a:hueOff val="0"/>
-            <a:satOff val="0"/>
-            <a:lumOff val="0"/>
-            <a:alphaOff val="0"/>
-          </a:schemeClr>
-        </a:solidFill>
-        <a:ln w="12700" cap="flat" cmpd="sng" algn="ctr">
-          <a:solidFill>
-            <a:schemeClr val="accent1">
-              <a:alpha val="90000"/>
-              <a:tint val="40000"/>
-              <a:hueOff val="0"/>
-              <a:satOff val="0"/>
-              <a:lumOff val="0"/>
-              <a:alphaOff val="0"/>
-            </a:schemeClr>
-          </a:solidFill>
-          <a:prstDash val="solid"/>
-          <a:miter lim="800000"/>
-        </a:ln>
-        <a:effectLst/>
-      </dsp:spPr>
-      <dsp:style>
-        <a:lnRef idx="2">
-          <a:scrgbClr r="0" g="0" b="0"/>
-        </a:lnRef>
-        <a:fillRef idx="1">
-          <a:scrgbClr r="0" g="0" b="0"/>
-        </a:fillRef>
-        <a:effectRef idx="0">
-          <a:scrgbClr r="0" g="0" b="0"/>
-        </a:effectRef>
-        <a:fontRef idx="minor"/>
-      </dsp:style>
-      <dsp:txBody>
-        <a:bodyPr spcFirstLastPara="0" vert="horz" wrap="square" lIns="90678" tIns="90678" rIns="120904" bIns="136017" numCol="1" spcCol="1270" anchor="t" anchorCtr="0">
-          <a:noAutofit/>
-        </a:bodyPr>
-        <a:lstStyle/>
-        <a:p>
-          <a:pPr marL="171450" lvl="1" indent="-171450" algn="l" defTabSz="755650">
-            <a:lnSpc>
-              <a:spcPct val="90000"/>
-            </a:lnSpc>
-            <a:spcBef>
-              <a:spcPct val="0"/>
-            </a:spcBef>
-            <a:spcAft>
-              <a:spcPct val="15000"/>
-            </a:spcAft>
-            <a:buChar char="••"/>
-          </a:pPr>
-          <a:r>
-            <a:rPr lang="en-US" altLang="zh-CN" sz="1700" kern="1200" dirty="0" smtClean="0"/>
-            <a:t>accept</a:t>
-          </a:r>
-          <a:endParaRPr lang="zh-CN" altLang="en-US" sz="1700" kern="1200" dirty="0"/>
-        </a:p>
-        <a:p>
-          <a:pPr marL="171450" lvl="1" indent="-171450" algn="l" defTabSz="755650">
-            <a:lnSpc>
-              <a:spcPct val="90000"/>
-            </a:lnSpc>
-            <a:spcBef>
-              <a:spcPct val="0"/>
-            </a:spcBef>
-            <a:spcAft>
-              <a:spcPct val="15000"/>
-            </a:spcAft>
-            <a:buChar char="••"/>
-          </a:pPr>
-          <a:r>
-            <a:rPr lang="en-US" altLang="zh-CN" sz="1700" kern="1200" smtClean="0"/>
-            <a:t>recv</a:t>
-          </a:r>
-          <a:endParaRPr lang="zh-CN" altLang="en-US" sz="1700" kern="1200" dirty="0"/>
-        </a:p>
-        <a:p>
-          <a:pPr marL="171450" lvl="1" indent="-171450" algn="l" defTabSz="755650">
-            <a:lnSpc>
-              <a:spcPct val="90000"/>
-            </a:lnSpc>
-            <a:spcBef>
-              <a:spcPct val="0"/>
-            </a:spcBef>
-            <a:spcAft>
-              <a:spcPct val="15000"/>
-            </a:spcAft>
-            <a:buChar char="••"/>
-          </a:pPr>
-          <a:r>
-            <a:rPr lang="en-US" altLang="zh-CN" sz="1700" kern="1200" smtClean="0"/>
-            <a:t>do_something</a:t>
-          </a:r>
-          <a:endParaRPr lang="zh-CN" altLang="en-US" sz="1700" kern="1200" dirty="0"/>
-        </a:p>
-        <a:p>
-          <a:pPr marL="171450" lvl="1" indent="-171450" algn="l" defTabSz="755650">
-            <a:lnSpc>
-              <a:spcPct val="90000"/>
-            </a:lnSpc>
-            <a:spcBef>
-              <a:spcPct val="0"/>
-            </a:spcBef>
-            <a:spcAft>
-              <a:spcPct val="15000"/>
-            </a:spcAft>
-            <a:buChar char="••"/>
-          </a:pPr>
-          <a:r>
-            <a:rPr lang="en-US" altLang="zh-CN" sz="1700" kern="1200" dirty="0" smtClean="0"/>
-            <a:t>send</a:t>
-          </a:r>
-          <a:endParaRPr lang="zh-CN" altLang="en-US" sz="1700" kern="1200" dirty="0"/>
-        </a:p>
-      </dsp:txBody>
-      <dsp:txXfrm>
-        <a:off x="2030133" y="537578"/>
-        <a:ext cx="1779218" cy="1306620"/>
-      </dsp:txXfrm>
-    </dsp:sp>
-    <dsp:sp modelId="{30269B24-1BD6-4D62-905D-3BCD885D213E}">
-      <dsp:nvSpPr>
-        <dsp:cNvPr id="0" name=""/>
-        <dsp:cNvSpPr/>
-      </dsp:nvSpPr>
-      <dsp:spPr>
-        <a:xfrm>
-          <a:off x="4058442" y="47977"/>
-          <a:ext cx="1779218" cy="489600"/>
-        </a:xfrm>
-        <a:prstGeom prst="rect">
-          <a:avLst/>
-        </a:prstGeom>
-        <a:solidFill>
-          <a:schemeClr val="accent1">
-            <a:hueOff val="0"/>
-            <a:satOff val="0"/>
-            <a:lumOff val="0"/>
-            <a:alphaOff val="0"/>
-          </a:schemeClr>
-        </a:solidFill>
-        <a:ln w="12700" cap="flat" cmpd="sng" algn="ctr">
-          <a:solidFill>
-            <a:schemeClr val="accent1">
-              <a:hueOff val="0"/>
-              <a:satOff val="0"/>
-              <a:lumOff val="0"/>
-              <a:alphaOff val="0"/>
-            </a:schemeClr>
-          </a:solidFill>
-          <a:prstDash val="solid"/>
-          <a:miter lim="800000"/>
-        </a:ln>
-        <a:effectLst/>
-      </dsp:spPr>
-      <dsp:style>
-        <a:lnRef idx="2">
-          <a:scrgbClr r="0" g="0" b="0"/>
-        </a:lnRef>
-        <a:fillRef idx="1">
-          <a:scrgbClr r="0" g="0" b="0"/>
-        </a:fillRef>
-        <a:effectRef idx="0">
-          <a:scrgbClr r="0" g="0" b="0"/>
-        </a:effectRef>
-        <a:fontRef idx="minor">
-          <a:schemeClr val="lt1"/>
-        </a:fontRef>
-      </dsp:style>
-      <dsp:txBody>
-        <a:bodyPr spcFirstLastPara="0" vert="horz" wrap="square" lIns="120904" tIns="69088" rIns="120904" bIns="69088" numCol="1" spcCol="1270" anchor="ctr" anchorCtr="0">
-          <a:noAutofit/>
-        </a:bodyPr>
-        <a:lstStyle/>
-        <a:p>
-          <a:pPr lvl="0" algn="ctr" defTabSz="755650">
-            <a:lnSpc>
-              <a:spcPct val="90000"/>
-            </a:lnSpc>
-            <a:spcBef>
-              <a:spcPct val="0"/>
-            </a:spcBef>
-            <a:spcAft>
-              <a:spcPct val="35000"/>
-            </a:spcAft>
-          </a:pPr>
-          <a:r>
-            <a:rPr lang="en-US" altLang="zh-CN" sz="1700" kern="1200" dirty="0" smtClean="0"/>
-            <a:t>…</a:t>
-          </a:r>
-          <a:r>
-            <a:rPr lang="zh-CN" altLang="en-US" sz="1700" kern="1200" dirty="0" smtClean="0"/>
-            <a:t>进程</a:t>
-          </a:r>
-          <a:r>
-            <a:rPr lang="en-US" altLang="zh-CN" sz="1700" kern="1200" dirty="0" smtClean="0"/>
-            <a:t>N</a:t>
-          </a:r>
-          <a:endParaRPr lang="zh-CN" altLang="en-US" sz="1700" kern="1200" dirty="0"/>
-        </a:p>
-      </dsp:txBody>
-      <dsp:txXfrm>
-        <a:off x="4058442" y="47977"/>
-        <a:ext cx="1779218" cy="489600"/>
-      </dsp:txXfrm>
-    </dsp:sp>
-    <dsp:sp modelId="{D3BF1AE5-7152-41DC-8017-2B91E9C576C8}">
-      <dsp:nvSpPr>
-        <dsp:cNvPr id="0" name=""/>
-        <dsp:cNvSpPr/>
-      </dsp:nvSpPr>
-      <dsp:spPr>
-        <a:xfrm>
-          <a:off x="4058442" y="537578"/>
-          <a:ext cx="1779218" cy="1306620"/>
-        </a:xfrm>
-        <a:prstGeom prst="rect">
-          <a:avLst/>
-        </a:prstGeom>
-        <a:solidFill>
-          <a:schemeClr val="accent1">
-            <a:alpha val="90000"/>
-            <a:tint val="40000"/>
-            <a:hueOff val="0"/>
-            <a:satOff val="0"/>
-            <a:lumOff val="0"/>
-            <a:alphaOff val="0"/>
-          </a:schemeClr>
-        </a:solidFill>
-        <a:ln w="12700" cap="flat" cmpd="sng" algn="ctr">
-          <a:solidFill>
-            <a:schemeClr val="accent1">
-              <a:alpha val="90000"/>
-              <a:tint val="40000"/>
-              <a:hueOff val="0"/>
-              <a:satOff val="0"/>
-              <a:lumOff val="0"/>
-              <a:alphaOff val="0"/>
-            </a:schemeClr>
-          </a:solidFill>
-          <a:prstDash val="solid"/>
-          <a:miter lim="800000"/>
-        </a:ln>
-        <a:effectLst/>
-      </dsp:spPr>
-      <dsp:style>
-        <a:lnRef idx="2">
-          <a:scrgbClr r="0" g="0" b="0"/>
-        </a:lnRef>
-        <a:fillRef idx="1">
-          <a:scrgbClr r="0" g="0" b="0"/>
-        </a:fillRef>
-        <a:effectRef idx="0">
-          <a:scrgbClr r="0" g="0" b="0"/>
-        </a:effectRef>
-        <a:fontRef idx="minor"/>
-      </dsp:style>
-      <dsp:txBody>
-        <a:bodyPr spcFirstLastPara="0" vert="horz" wrap="square" lIns="90678" tIns="90678" rIns="120904" bIns="136017" numCol="1" spcCol="1270" anchor="t" anchorCtr="0">
-          <a:noAutofit/>
-        </a:bodyPr>
-        <a:lstStyle/>
-        <a:p>
-          <a:pPr marL="171450" lvl="1" indent="-171450" algn="l" defTabSz="755650">
-            <a:lnSpc>
-              <a:spcPct val="90000"/>
-            </a:lnSpc>
-            <a:spcBef>
-              <a:spcPct val="0"/>
-            </a:spcBef>
-            <a:spcAft>
-              <a:spcPct val="15000"/>
-            </a:spcAft>
-            <a:buChar char="••"/>
-          </a:pPr>
-          <a:r>
-            <a:rPr lang="en-US" altLang="zh-CN" sz="1700" kern="1200" dirty="0" smtClean="0"/>
-            <a:t>accept</a:t>
-          </a:r>
-          <a:endParaRPr lang="zh-CN" altLang="en-US" sz="1700" kern="1200" dirty="0"/>
-        </a:p>
-        <a:p>
-          <a:pPr marL="171450" lvl="1" indent="-171450" algn="l" defTabSz="755650">
-            <a:lnSpc>
-              <a:spcPct val="90000"/>
-            </a:lnSpc>
-            <a:spcBef>
-              <a:spcPct val="0"/>
-            </a:spcBef>
-            <a:spcAft>
-              <a:spcPct val="15000"/>
-            </a:spcAft>
-            <a:buChar char="••"/>
-          </a:pPr>
-          <a:r>
-            <a:rPr lang="en-US" altLang="zh-CN" sz="1700" kern="1200" smtClean="0"/>
-            <a:t>recv</a:t>
-          </a:r>
-          <a:endParaRPr lang="zh-CN" altLang="en-US" sz="1700" kern="1200" dirty="0"/>
-        </a:p>
-        <a:p>
-          <a:pPr marL="171450" lvl="1" indent="-171450" algn="l" defTabSz="755650">
-            <a:lnSpc>
-              <a:spcPct val="90000"/>
-            </a:lnSpc>
-            <a:spcBef>
-              <a:spcPct val="0"/>
-            </a:spcBef>
-            <a:spcAft>
-              <a:spcPct val="15000"/>
-            </a:spcAft>
-            <a:buChar char="••"/>
-          </a:pPr>
-          <a:r>
-            <a:rPr lang="en-US" altLang="zh-CN" sz="1700" kern="1200" smtClean="0"/>
-            <a:t>do_something</a:t>
-          </a:r>
-          <a:endParaRPr lang="zh-CN" altLang="en-US" sz="1700" kern="1200" dirty="0"/>
-        </a:p>
-        <a:p>
-          <a:pPr marL="171450" lvl="1" indent="-171450" algn="l" defTabSz="755650">
-            <a:lnSpc>
-              <a:spcPct val="90000"/>
-            </a:lnSpc>
-            <a:spcBef>
-              <a:spcPct val="0"/>
-            </a:spcBef>
-            <a:spcAft>
-              <a:spcPct val="15000"/>
-            </a:spcAft>
-            <a:buChar char="••"/>
-          </a:pPr>
-          <a:r>
-            <a:rPr lang="en-US" altLang="zh-CN" sz="1700" kern="1200" dirty="0" smtClean="0"/>
-            <a:t>send</a:t>
-          </a:r>
-          <a:endParaRPr lang="zh-CN" altLang="en-US" sz="1700" kern="1200" dirty="0"/>
-        </a:p>
-      </dsp:txBody>
-      <dsp:txXfrm>
-        <a:off x="4058442" y="537578"/>
-        <a:ext cx="1779218" cy="1306620"/>
-      </dsp:txXfrm>
-    </dsp:sp>
   </dsp:spTree>
 </dsp:drawing>
 </file>
@@ -5083,617 +3878,6 @@
       <dsp:cNvGrpSpPr/>
     </dsp:nvGrpSpPr>
     <dsp:grpSpPr/>
-    <dsp:sp modelId="{D9A2B3E3-B044-4D7B-A1BC-2B896068F71D}">
-      <dsp:nvSpPr>
-        <dsp:cNvPr id="0" name=""/>
-        <dsp:cNvSpPr/>
-      </dsp:nvSpPr>
-      <dsp:spPr>
-        <a:xfrm>
-          <a:off x="3692" y="0"/>
-          <a:ext cx="1614275" cy="805758"/>
-        </a:xfrm>
-        <a:prstGeom prst="roundRect">
-          <a:avLst>
-            <a:gd name="adj" fmla="val 10000"/>
-          </a:avLst>
-        </a:prstGeom>
-        <a:solidFill>
-          <a:schemeClr val="accent1">
-            <a:hueOff val="0"/>
-            <a:satOff val="0"/>
-            <a:lumOff val="0"/>
-            <a:alphaOff val="0"/>
-          </a:schemeClr>
-        </a:solidFill>
-        <a:ln w="12700" cap="flat" cmpd="sng" algn="ctr">
-          <a:solidFill>
-            <a:schemeClr val="lt1">
-              <a:hueOff val="0"/>
-              <a:satOff val="0"/>
-              <a:lumOff val="0"/>
-              <a:alphaOff val="0"/>
-            </a:schemeClr>
-          </a:solidFill>
-          <a:prstDash val="solid"/>
-          <a:miter lim="800000"/>
-        </a:ln>
-        <a:effectLst/>
-      </dsp:spPr>
-      <dsp:style>
-        <a:lnRef idx="2">
-          <a:scrgbClr r="0" g="0" b="0"/>
-        </a:lnRef>
-        <a:fillRef idx="1">
-          <a:scrgbClr r="0" g="0" b="0"/>
-        </a:fillRef>
-        <a:effectRef idx="0">
-          <a:scrgbClr r="0" g="0" b="0"/>
-        </a:effectRef>
-        <a:fontRef idx="minor">
-          <a:schemeClr val="lt1"/>
-        </a:fontRef>
-      </dsp:style>
-      <dsp:txBody>
-        <a:bodyPr spcFirstLastPara="0" vert="horz" wrap="square" lIns="64770" tIns="64770" rIns="64770" bIns="64770" numCol="1" spcCol="1270" anchor="ctr" anchorCtr="0">
-          <a:noAutofit/>
-        </a:bodyPr>
-        <a:lstStyle/>
-        <a:p>
-          <a:pPr lvl="0" algn="ctr" defTabSz="755650">
-            <a:lnSpc>
-              <a:spcPct val="90000"/>
-            </a:lnSpc>
-            <a:spcBef>
-              <a:spcPct val="0"/>
-            </a:spcBef>
-            <a:spcAft>
-              <a:spcPct val="35000"/>
-            </a:spcAft>
-          </a:pPr>
-          <a:r>
-            <a:rPr lang="zh-CN" altLang="en-US" sz="1700" kern="1200" dirty="0" smtClean="0"/>
-            <a:t>线程</a:t>
-          </a:r>
-          <a:r>
-            <a:rPr lang="en-US" altLang="zh-CN" sz="1700" kern="1200" dirty="0" smtClean="0"/>
-            <a:t>1</a:t>
-          </a:r>
-        </a:p>
-        <a:p>
-          <a:pPr lvl="0" algn="ctr" defTabSz="755650">
-            <a:lnSpc>
-              <a:spcPct val="90000"/>
-            </a:lnSpc>
-            <a:spcBef>
-              <a:spcPct val="0"/>
-            </a:spcBef>
-            <a:spcAft>
-              <a:spcPct val="35000"/>
-            </a:spcAft>
-          </a:pPr>
-          <a:r>
-            <a:rPr lang="en-US" altLang="zh-CN" sz="1700" kern="1200" dirty="0" smtClean="0"/>
-            <a:t>accept</a:t>
-          </a:r>
-          <a:endParaRPr lang="zh-CN" altLang="en-US" sz="1700" kern="1200" dirty="0"/>
-        </a:p>
-      </dsp:txBody>
-      <dsp:txXfrm>
-        <a:off x="27292" y="23600"/>
-        <a:ext cx="1567075" cy="758558"/>
-      </dsp:txXfrm>
-    </dsp:sp>
-    <dsp:sp modelId="{0784254F-87B2-466A-A21B-70ACC571F79C}">
-      <dsp:nvSpPr>
-        <dsp:cNvPr id="0" name=""/>
-        <dsp:cNvSpPr/>
-      </dsp:nvSpPr>
-      <dsp:spPr>
-        <a:xfrm>
-          <a:off x="1779394" y="202708"/>
-          <a:ext cx="342226" cy="400340"/>
-        </a:xfrm>
-        <a:prstGeom prst="rightArrow">
-          <a:avLst>
-            <a:gd name="adj1" fmla="val 60000"/>
-            <a:gd name="adj2" fmla="val 50000"/>
-          </a:avLst>
-        </a:prstGeom>
-        <a:solidFill>
-          <a:schemeClr val="accent1">
-            <a:tint val="60000"/>
-            <a:hueOff val="0"/>
-            <a:satOff val="0"/>
-            <a:lumOff val="0"/>
-            <a:alphaOff val="0"/>
-          </a:schemeClr>
-        </a:solidFill>
-        <a:ln>
-          <a:noFill/>
-        </a:ln>
-        <a:effectLst/>
-      </dsp:spPr>
-      <dsp:style>
-        <a:lnRef idx="0">
-          <a:scrgbClr r="0" g="0" b="0"/>
-        </a:lnRef>
-        <a:fillRef idx="1">
-          <a:scrgbClr r="0" g="0" b="0"/>
-        </a:fillRef>
-        <a:effectRef idx="0">
-          <a:scrgbClr r="0" g="0" b="0"/>
-        </a:effectRef>
-        <a:fontRef idx="minor">
-          <a:schemeClr val="lt1"/>
-        </a:fontRef>
-      </dsp:style>
-      <dsp:txBody>
-        <a:bodyPr spcFirstLastPara="0" vert="horz" wrap="square" lIns="0" tIns="0" rIns="0" bIns="0" numCol="1" spcCol="1270" anchor="ctr" anchorCtr="0">
-          <a:noAutofit/>
-        </a:bodyPr>
-        <a:lstStyle/>
-        <a:p>
-          <a:pPr lvl="0" algn="ctr" defTabSz="622300">
-            <a:lnSpc>
-              <a:spcPct val="90000"/>
-            </a:lnSpc>
-            <a:spcBef>
-              <a:spcPct val="0"/>
-            </a:spcBef>
-            <a:spcAft>
-              <a:spcPct val="35000"/>
-            </a:spcAft>
-          </a:pPr>
-          <a:endParaRPr lang="zh-CN" altLang="en-US" sz="1400" kern="1200"/>
-        </a:p>
-      </dsp:txBody>
-      <dsp:txXfrm>
-        <a:off x="1779394" y="282776"/>
-        <a:ext cx="239558" cy="240204"/>
-      </dsp:txXfrm>
-    </dsp:sp>
-    <dsp:sp modelId="{CF7AF10A-777B-42D9-A028-087B4049DDE0}">
-      <dsp:nvSpPr>
-        <dsp:cNvPr id="0" name=""/>
-        <dsp:cNvSpPr/>
-      </dsp:nvSpPr>
-      <dsp:spPr>
-        <a:xfrm>
-          <a:off x="2263677" y="0"/>
-          <a:ext cx="1614275" cy="805758"/>
-        </a:xfrm>
-        <a:prstGeom prst="roundRect">
-          <a:avLst>
-            <a:gd name="adj" fmla="val 10000"/>
-          </a:avLst>
-        </a:prstGeom>
-        <a:solidFill>
-          <a:schemeClr val="accent1">
-            <a:hueOff val="0"/>
-            <a:satOff val="0"/>
-            <a:lumOff val="0"/>
-            <a:alphaOff val="0"/>
-          </a:schemeClr>
-        </a:solidFill>
-        <a:ln w="12700" cap="flat" cmpd="sng" algn="ctr">
-          <a:solidFill>
-            <a:schemeClr val="lt1">
-              <a:hueOff val="0"/>
-              <a:satOff val="0"/>
-              <a:lumOff val="0"/>
-              <a:alphaOff val="0"/>
-            </a:schemeClr>
-          </a:solidFill>
-          <a:prstDash val="solid"/>
-          <a:miter lim="800000"/>
-        </a:ln>
-        <a:effectLst/>
-      </dsp:spPr>
-      <dsp:style>
-        <a:lnRef idx="2">
-          <a:scrgbClr r="0" g="0" b="0"/>
-        </a:lnRef>
-        <a:fillRef idx="1">
-          <a:scrgbClr r="0" g="0" b="0"/>
-        </a:fillRef>
-        <a:effectRef idx="0">
-          <a:scrgbClr r="0" g="0" b="0"/>
-        </a:effectRef>
-        <a:fontRef idx="minor">
-          <a:schemeClr val="lt1"/>
-        </a:fontRef>
-      </dsp:style>
-      <dsp:txBody>
-        <a:bodyPr spcFirstLastPara="0" vert="horz" wrap="square" lIns="64770" tIns="64770" rIns="64770" bIns="64770" numCol="1" spcCol="1270" anchor="ctr" anchorCtr="0">
-          <a:noAutofit/>
-        </a:bodyPr>
-        <a:lstStyle/>
-        <a:p>
-          <a:pPr lvl="0" algn="ctr" defTabSz="755650">
-            <a:lnSpc>
-              <a:spcPct val="90000"/>
-            </a:lnSpc>
-            <a:spcBef>
-              <a:spcPct val="0"/>
-            </a:spcBef>
-            <a:spcAft>
-              <a:spcPct val="35000"/>
-            </a:spcAft>
-          </a:pPr>
-          <a:r>
-            <a:rPr lang="zh-CN" altLang="en-US" sz="1700" kern="1200" dirty="0" smtClean="0"/>
-            <a:t>线程</a:t>
-          </a:r>
-          <a:r>
-            <a:rPr lang="en-US" altLang="zh-CN" sz="1700" kern="1200" dirty="0" smtClean="0"/>
-            <a:t>2</a:t>
-          </a:r>
-        </a:p>
-        <a:p>
-          <a:pPr lvl="0" algn="ctr" defTabSz="755650">
-            <a:lnSpc>
-              <a:spcPct val="90000"/>
-            </a:lnSpc>
-            <a:spcBef>
-              <a:spcPct val="0"/>
-            </a:spcBef>
-            <a:spcAft>
-              <a:spcPct val="35000"/>
-            </a:spcAft>
-          </a:pPr>
-          <a:r>
-            <a:rPr lang="en-US" altLang="zh-CN" sz="1700" kern="1200" dirty="0" err="1" smtClean="0"/>
-            <a:t>recv</a:t>
-          </a:r>
-          <a:endParaRPr lang="zh-CN" altLang="en-US" sz="1700" kern="1200" dirty="0"/>
-        </a:p>
-      </dsp:txBody>
-      <dsp:txXfrm>
-        <a:off x="2287277" y="23600"/>
-        <a:ext cx="1567075" cy="758558"/>
-      </dsp:txXfrm>
-    </dsp:sp>
-    <dsp:sp modelId="{62F4B9BE-6FEC-4AF3-8ADF-8A166BCE97A8}">
-      <dsp:nvSpPr>
-        <dsp:cNvPr id="0" name=""/>
-        <dsp:cNvSpPr/>
-      </dsp:nvSpPr>
-      <dsp:spPr>
-        <a:xfrm>
-          <a:off x="4039380" y="202708"/>
-          <a:ext cx="342226" cy="400340"/>
-        </a:xfrm>
-        <a:prstGeom prst="rightArrow">
-          <a:avLst>
-            <a:gd name="adj1" fmla="val 60000"/>
-            <a:gd name="adj2" fmla="val 50000"/>
-          </a:avLst>
-        </a:prstGeom>
-        <a:solidFill>
-          <a:schemeClr val="accent1">
-            <a:tint val="60000"/>
-            <a:hueOff val="0"/>
-            <a:satOff val="0"/>
-            <a:lumOff val="0"/>
-            <a:alphaOff val="0"/>
-          </a:schemeClr>
-        </a:solidFill>
-        <a:ln>
-          <a:noFill/>
-        </a:ln>
-        <a:effectLst/>
-      </dsp:spPr>
-      <dsp:style>
-        <a:lnRef idx="0">
-          <a:scrgbClr r="0" g="0" b="0"/>
-        </a:lnRef>
-        <a:fillRef idx="1">
-          <a:scrgbClr r="0" g="0" b="0"/>
-        </a:fillRef>
-        <a:effectRef idx="0">
-          <a:scrgbClr r="0" g="0" b="0"/>
-        </a:effectRef>
-        <a:fontRef idx="minor">
-          <a:schemeClr val="lt1"/>
-        </a:fontRef>
-      </dsp:style>
-      <dsp:txBody>
-        <a:bodyPr spcFirstLastPara="0" vert="horz" wrap="square" lIns="0" tIns="0" rIns="0" bIns="0" numCol="1" spcCol="1270" anchor="ctr" anchorCtr="0">
-          <a:noAutofit/>
-        </a:bodyPr>
-        <a:lstStyle/>
-        <a:p>
-          <a:pPr lvl="0" algn="ctr" defTabSz="622300">
-            <a:lnSpc>
-              <a:spcPct val="90000"/>
-            </a:lnSpc>
-            <a:spcBef>
-              <a:spcPct val="0"/>
-            </a:spcBef>
-            <a:spcAft>
-              <a:spcPct val="35000"/>
-            </a:spcAft>
-          </a:pPr>
-          <a:endParaRPr lang="zh-CN" altLang="en-US" sz="1400" kern="1200"/>
-        </a:p>
-      </dsp:txBody>
-      <dsp:txXfrm>
-        <a:off x="4039380" y="282776"/>
-        <a:ext cx="239558" cy="240204"/>
-      </dsp:txXfrm>
-    </dsp:sp>
-    <dsp:sp modelId="{40342753-7EFF-40F6-857F-5EFDD18CA404}">
-      <dsp:nvSpPr>
-        <dsp:cNvPr id="0" name=""/>
-        <dsp:cNvSpPr/>
-      </dsp:nvSpPr>
-      <dsp:spPr>
-        <a:xfrm>
-          <a:off x="4523663" y="0"/>
-          <a:ext cx="1614275" cy="805758"/>
-        </a:xfrm>
-        <a:prstGeom prst="roundRect">
-          <a:avLst>
-            <a:gd name="adj" fmla="val 10000"/>
-          </a:avLst>
-        </a:prstGeom>
-        <a:solidFill>
-          <a:schemeClr val="accent1">
-            <a:hueOff val="0"/>
-            <a:satOff val="0"/>
-            <a:lumOff val="0"/>
-            <a:alphaOff val="0"/>
-          </a:schemeClr>
-        </a:solidFill>
-        <a:ln w="12700" cap="flat" cmpd="sng" algn="ctr">
-          <a:solidFill>
-            <a:schemeClr val="lt1">
-              <a:hueOff val="0"/>
-              <a:satOff val="0"/>
-              <a:lumOff val="0"/>
-              <a:alphaOff val="0"/>
-            </a:schemeClr>
-          </a:solidFill>
-          <a:prstDash val="solid"/>
-          <a:miter lim="800000"/>
-        </a:ln>
-        <a:effectLst/>
-      </dsp:spPr>
-      <dsp:style>
-        <a:lnRef idx="2">
-          <a:scrgbClr r="0" g="0" b="0"/>
-        </a:lnRef>
-        <a:fillRef idx="1">
-          <a:scrgbClr r="0" g="0" b="0"/>
-        </a:fillRef>
-        <a:effectRef idx="0">
-          <a:scrgbClr r="0" g="0" b="0"/>
-        </a:effectRef>
-        <a:fontRef idx="minor">
-          <a:schemeClr val="lt1"/>
-        </a:fontRef>
-      </dsp:style>
-      <dsp:txBody>
-        <a:bodyPr spcFirstLastPara="0" vert="horz" wrap="square" lIns="64770" tIns="64770" rIns="64770" bIns="64770" numCol="1" spcCol="1270" anchor="ctr" anchorCtr="0">
-          <a:noAutofit/>
-        </a:bodyPr>
-        <a:lstStyle/>
-        <a:p>
-          <a:pPr lvl="0" algn="ctr" defTabSz="755650">
-            <a:lnSpc>
-              <a:spcPct val="90000"/>
-            </a:lnSpc>
-            <a:spcBef>
-              <a:spcPct val="0"/>
-            </a:spcBef>
-            <a:spcAft>
-              <a:spcPct val="35000"/>
-            </a:spcAft>
-          </a:pPr>
-          <a:r>
-            <a:rPr lang="zh-CN" altLang="en-US" sz="1700" kern="1200" dirty="0" smtClean="0"/>
-            <a:t>线程</a:t>
-          </a:r>
-          <a:r>
-            <a:rPr lang="en-US" altLang="zh-CN" sz="1700" kern="1200" dirty="0" smtClean="0"/>
-            <a:t>3</a:t>
-          </a:r>
-        </a:p>
-        <a:p>
-          <a:pPr lvl="0" algn="ctr" defTabSz="755650">
-            <a:lnSpc>
-              <a:spcPct val="90000"/>
-            </a:lnSpc>
-            <a:spcBef>
-              <a:spcPct val="0"/>
-            </a:spcBef>
-            <a:spcAft>
-              <a:spcPct val="35000"/>
-            </a:spcAft>
-          </a:pPr>
-          <a:r>
-            <a:rPr lang="en-US" altLang="zh-CN" sz="1700" kern="1200" dirty="0" smtClean="0"/>
-            <a:t>do something</a:t>
-          </a:r>
-          <a:endParaRPr lang="zh-CN" altLang="en-US" sz="1700" kern="1200" dirty="0"/>
-        </a:p>
-      </dsp:txBody>
-      <dsp:txXfrm>
-        <a:off x="4547263" y="23600"/>
-        <a:ext cx="1567075" cy="758558"/>
-      </dsp:txXfrm>
-    </dsp:sp>
-    <dsp:sp modelId="{EF578CF1-F19E-44A8-8091-38F2FF8C3E18}">
-      <dsp:nvSpPr>
-        <dsp:cNvPr id="0" name=""/>
-        <dsp:cNvSpPr/>
-      </dsp:nvSpPr>
-      <dsp:spPr>
-        <a:xfrm>
-          <a:off x="6299365" y="202708"/>
-          <a:ext cx="342226" cy="400340"/>
-        </a:xfrm>
-        <a:prstGeom prst="rightArrow">
-          <a:avLst>
-            <a:gd name="adj1" fmla="val 60000"/>
-            <a:gd name="adj2" fmla="val 50000"/>
-          </a:avLst>
-        </a:prstGeom>
-        <a:solidFill>
-          <a:schemeClr val="accent1">
-            <a:tint val="60000"/>
-            <a:hueOff val="0"/>
-            <a:satOff val="0"/>
-            <a:lumOff val="0"/>
-            <a:alphaOff val="0"/>
-          </a:schemeClr>
-        </a:solidFill>
-        <a:ln>
-          <a:noFill/>
-        </a:ln>
-        <a:effectLst/>
-      </dsp:spPr>
-      <dsp:style>
-        <a:lnRef idx="0">
-          <a:scrgbClr r="0" g="0" b="0"/>
-        </a:lnRef>
-        <a:fillRef idx="1">
-          <a:scrgbClr r="0" g="0" b="0"/>
-        </a:fillRef>
-        <a:effectRef idx="0">
-          <a:scrgbClr r="0" g="0" b="0"/>
-        </a:effectRef>
-        <a:fontRef idx="minor">
-          <a:schemeClr val="lt1"/>
-        </a:fontRef>
-      </dsp:style>
-      <dsp:txBody>
-        <a:bodyPr spcFirstLastPara="0" vert="horz" wrap="square" lIns="0" tIns="0" rIns="0" bIns="0" numCol="1" spcCol="1270" anchor="ctr" anchorCtr="0">
-          <a:noAutofit/>
-        </a:bodyPr>
-        <a:lstStyle/>
-        <a:p>
-          <a:pPr lvl="0" algn="ctr" defTabSz="622300">
-            <a:lnSpc>
-              <a:spcPct val="90000"/>
-            </a:lnSpc>
-            <a:spcBef>
-              <a:spcPct val="0"/>
-            </a:spcBef>
-            <a:spcAft>
-              <a:spcPct val="35000"/>
-            </a:spcAft>
-          </a:pPr>
-          <a:endParaRPr lang="zh-CN" altLang="en-US" sz="1400" kern="1200"/>
-        </a:p>
-      </dsp:txBody>
-      <dsp:txXfrm>
-        <a:off x="6299365" y="282776"/>
-        <a:ext cx="239558" cy="240204"/>
-      </dsp:txXfrm>
-    </dsp:sp>
-    <dsp:sp modelId="{07245CB5-CF8A-417C-A4B2-9AFEA7A2647E}">
-      <dsp:nvSpPr>
-        <dsp:cNvPr id="0" name=""/>
-        <dsp:cNvSpPr/>
-      </dsp:nvSpPr>
-      <dsp:spPr>
-        <a:xfrm>
-          <a:off x="6783648" y="0"/>
-          <a:ext cx="1614275" cy="805758"/>
-        </a:xfrm>
-        <a:prstGeom prst="roundRect">
-          <a:avLst>
-            <a:gd name="adj" fmla="val 10000"/>
-          </a:avLst>
-        </a:prstGeom>
-        <a:solidFill>
-          <a:schemeClr val="accent1">
-            <a:hueOff val="0"/>
-            <a:satOff val="0"/>
-            <a:lumOff val="0"/>
-            <a:alphaOff val="0"/>
-          </a:schemeClr>
-        </a:solidFill>
-        <a:ln w="12700" cap="flat" cmpd="sng" algn="ctr">
-          <a:solidFill>
-            <a:schemeClr val="lt1">
-              <a:hueOff val="0"/>
-              <a:satOff val="0"/>
-              <a:lumOff val="0"/>
-              <a:alphaOff val="0"/>
-            </a:schemeClr>
-          </a:solidFill>
-          <a:prstDash val="solid"/>
-          <a:miter lim="800000"/>
-        </a:ln>
-        <a:effectLst/>
-      </dsp:spPr>
-      <dsp:style>
-        <a:lnRef idx="2">
-          <a:scrgbClr r="0" g="0" b="0"/>
-        </a:lnRef>
-        <a:fillRef idx="1">
-          <a:scrgbClr r="0" g="0" b="0"/>
-        </a:fillRef>
-        <a:effectRef idx="0">
-          <a:scrgbClr r="0" g="0" b="0"/>
-        </a:effectRef>
-        <a:fontRef idx="minor">
-          <a:schemeClr val="lt1"/>
-        </a:fontRef>
-      </dsp:style>
-      <dsp:txBody>
-        <a:bodyPr spcFirstLastPara="0" vert="horz" wrap="square" lIns="64770" tIns="64770" rIns="64770" bIns="64770" numCol="1" spcCol="1270" anchor="ctr" anchorCtr="0">
-          <a:noAutofit/>
-        </a:bodyPr>
-        <a:lstStyle/>
-        <a:p>
-          <a:pPr lvl="0" algn="ctr" defTabSz="755650">
-            <a:lnSpc>
-              <a:spcPct val="90000"/>
-            </a:lnSpc>
-            <a:spcBef>
-              <a:spcPct val="0"/>
-            </a:spcBef>
-            <a:spcAft>
-              <a:spcPct val="35000"/>
-            </a:spcAft>
-          </a:pPr>
-          <a:r>
-            <a:rPr lang="zh-CN" altLang="en-US" sz="1700" kern="1200" dirty="0" smtClean="0"/>
-            <a:t>线程</a:t>
-          </a:r>
-          <a:r>
-            <a:rPr lang="en-US" altLang="zh-CN" sz="1700" kern="1200" dirty="0" smtClean="0"/>
-            <a:t>4</a:t>
-          </a:r>
-        </a:p>
-        <a:p>
-          <a:pPr lvl="0" algn="ctr" defTabSz="755650">
-            <a:lnSpc>
-              <a:spcPct val="90000"/>
-            </a:lnSpc>
-            <a:spcBef>
-              <a:spcPct val="0"/>
-            </a:spcBef>
-            <a:spcAft>
-              <a:spcPct val="35000"/>
-            </a:spcAft>
-          </a:pPr>
-          <a:r>
-            <a:rPr lang="en-US" altLang="zh-CN" sz="1700" kern="1200" dirty="0" smtClean="0"/>
-            <a:t>send</a:t>
-          </a:r>
-          <a:endParaRPr lang="zh-CN" altLang="en-US" sz="1700" kern="1200" dirty="0"/>
-        </a:p>
-      </dsp:txBody>
-      <dsp:txXfrm>
-        <a:off x="6807248" y="23600"/>
-        <a:ext cx="1567075" cy="758558"/>
-      </dsp:txXfrm>
-    </dsp:sp>
   </dsp:spTree>
 </dsp:drawing>
 </file>
@@ -9440,7 +7624,7 @@
           <a:p>
             <a:fld id="{F6B8679B-1287-4B3D-9D7B-E61FD99745B0}" type="datetimeFigureOut">
               <a:rPr lang="zh-CN" altLang="en-US" smtClean="0"/>
-              <a:t>2019-5-22</a:t>
+              <a:t>2019-6-18</a:t>
             </a:fld>
             <a:endParaRPr lang="zh-CN" altLang="en-US"/>
           </a:p>
@@ -9610,7 +7794,7 @@
           <a:p>
             <a:fld id="{F6B8679B-1287-4B3D-9D7B-E61FD99745B0}" type="datetimeFigureOut">
               <a:rPr lang="zh-CN" altLang="en-US" smtClean="0"/>
-              <a:t>2019-5-22</a:t>
+              <a:t>2019-6-18</a:t>
             </a:fld>
             <a:endParaRPr lang="zh-CN" altLang="en-US"/>
           </a:p>
@@ -9790,7 +7974,7 @@
           <a:p>
             <a:fld id="{F6B8679B-1287-4B3D-9D7B-E61FD99745B0}" type="datetimeFigureOut">
               <a:rPr lang="zh-CN" altLang="en-US" smtClean="0"/>
-              <a:t>2019-5-22</a:t>
+              <a:t>2019-6-18</a:t>
             </a:fld>
             <a:endParaRPr lang="zh-CN" altLang="en-US"/>
           </a:p>
@@ -9960,7 +8144,7 @@
           <a:p>
             <a:fld id="{F6B8679B-1287-4B3D-9D7B-E61FD99745B0}" type="datetimeFigureOut">
               <a:rPr lang="zh-CN" altLang="en-US" smtClean="0"/>
-              <a:t>2019-5-22</a:t>
+              <a:t>2019-6-18</a:t>
             </a:fld>
             <a:endParaRPr lang="zh-CN" altLang="en-US"/>
           </a:p>
@@ -10206,7 +8390,7 @@
           <a:p>
             <a:fld id="{F6B8679B-1287-4B3D-9D7B-E61FD99745B0}" type="datetimeFigureOut">
               <a:rPr lang="zh-CN" altLang="en-US" smtClean="0"/>
-              <a:t>2019-5-22</a:t>
+              <a:t>2019-6-18</a:t>
             </a:fld>
             <a:endParaRPr lang="zh-CN" altLang="en-US"/>
           </a:p>
@@ -10438,7 +8622,7 @@
           <a:p>
             <a:fld id="{F6B8679B-1287-4B3D-9D7B-E61FD99745B0}" type="datetimeFigureOut">
               <a:rPr lang="zh-CN" altLang="en-US" smtClean="0"/>
-              <a:t>2019-5-22</a:t>
+              <a:t>2019-6-18</a:t>
             </a:fld>
             <a:endParaRPr lang="zh-CN" altLang="en-US"/>
           </a:p>
@@ -10805,7 +8989,7 @@
           <a:p>
             <a:fld id="{F6B8679B-1287-4B3D-9D7B-E61FD99745B0}" type="datetimeFigureOut">
               <a:rPr lang="zh-CN" altLang="en-US" smtClean="0"/>
-              <a:t>2019-5-22</a:t>
+              <a:t>2019-6-18</a:t>
             </a:fld>
             <a:endParaRPr lang="zh-CN" altLang="en-US"/>
           </a:p>
@@ -10923,7 +9107,7 @@
           <a:p>
             <a:fld id="{F6B8679B-1287-4B3D-9D7B-E61FD99745B0}" type="datetimeFigureOut">
               <a:rPr lang="zh-CN" altLang="en-US" smtClean="0"/>
-              <a:t>2019-5-22</a:t>
+              <a:t>2019-6-18</a:t>
             </a:fld>
             <a:endParaRPr lang="zh-CN" altLang="en-US"/>
           </a:p>
@@ -11018,7 +9202,7 @@
           <a:p>
             <a:fld id="{F6B8679B-1287-4B3D-9D7B-E61FD99745B0}" type="datetimeFigureOut">
               <a:rPr lang="zh-CN" altLang="en-US" smtClean="0"/>
-              <a:t>2019-5-22</a:t>
+              <a:t>2019-6-18</a:t>
             </a:fld>
             <a:endParaRPr lang="zh-CN" altLang="en-US"/>
           </a:p>
@@ -11295,7 +9479,7 @@
           <a:p>
             <a:fld id="{F6B8679B-1287-4B3D-9D7B-E61FD99745B0}" type="datetimeFigureOut">
               <a:rPr lang="zh-CN" altLang="en-US" smtClean="0"/>
-              <a:t>2019-5-22</a:t>
+              <a:t>2019-6-18</a:t>
             </a:fld>
             <a:endParaRPr lang="zh-CN" altLang="en-US"/>
           </a:p>
@@ -11548,7 +9732,7 @@
           <a:p>
             <a:fld id="{F6B8679B-1287-4B3D-9D7B-E61FD99745B0}" type="datetimeFigureOut">
               <a:rPr lang="zh-CN" altLang="en-US" smtClean="0"/>
-              <a:t>2019-5-22</a:t>
+              <a:t>2019-6-18</a:t>
             </a:fld>
             <a:endParaRPr lang="zh-CN" altLang="en-US"/>
           </a:p>
@@ -11761,7 +9945,7 @@
           <a:p>
             <a:fld id="{F6B8679B-1287-4B3D-9D7B-E61FD99745B0}" type="datetimeFigureOut">
               <a:rPr lang="zh-CN" altLang="en-US" smtClean="0"/>
-              <a:t>2019-5-22</a:t>
+              <a:t>2019-6-18</a:t>
             </a:fld>
             <a:endParaRPr lang="zh-CN" altLang="en-US"/>
           </a:p>
@@ -13072,6 +11256,519 @@
 </p:sld>
 </file>
 
+<file path=ppt/slides/slide17.xml><?xml version="1.0" encoding="utf-8"?>
+<p:sld xmlns:a="http://schemas.openxmlformats.org/drawingml/2006/main" xmlns:r="http://schemas.openxmlformats.org/officeDocument/2006/relationships" xmlns:p="http://schemas.openxmlformats.org/presentationml/2006/main">
+  <p:cSld>
+    <p:spTree>
+      <p:nvGrpSpPr>
+        <p:cNvPr id="1" name=""/>
+        <p:cNvGrpSpPr/>
+        <p:nvPr/>
+      </p:nvGrpSpPr>
+      <p:grpSpPr>
+        <a:xfrm>
+          <a:off x="0" y="0"/>
+          <a:ext cx="0" cy="0"/>
+          <a:chOff x="0" y="0"/>
+          <a:chExt cx="0" cy="0"/>
+        </a:xfrm>
+      </p:grpSpPr>
+      <p:sp>
+        <p:nvSpPr>
+          <p:cNvPr id="2" name="标题 1"/>
+          <p:cNvSpPr>
+            <a:spLocks noGrp="1"/>
+          </p:cNvSpPr>
+          <p:nvPr>
+            <p:ph type="title"/>
+          </p:nvPr>
+        </p:nvSpPr>
+        <p:spPr/>
+        <p:txBody>
+          <a:bodyPr/>
+          <a:lstStyle/>
+          <a:p>
+            <a:r>
+              <a:rPr lang="en-US" altLang="zh-CN" dirty="0" smtClean="0"/>
+              <a:t>4.4 </a:t>
+            </a:r>
+            <a:r>
+              <a:rPr lang="en-US" altLang="zh-CN" dirty="0" err="1" smtClean="0"/>
+              <a:t>libco</a:t>
+            </a:r>
+            <a:r>
+              <a:rPr lang="zh-CN" altLang="en-US" dirty="0" smtClean="0"/>
+              <a:t>的堆栈模型</a:t>
+            </a:r>
+            <a:r>
+              <a:rPr lang="en-US" altLang="zh-CN" dirty="0" smtClean="0"/>
+              <a:t>(</a:t>
+            </a:r>
+            <a:r>
+              <a:rPr lang="zh-CN" altLang="en-US" dirty="0" smtClean="0"/>
+              <a:t>一</a:t>
+            </a:r>
+            <a:r>
+              <a:rPr lang="en-US" altLang="zh-CN" dirty="0" smtClean="0"/>
+              <a:t>)</a:t>
+            </a:r>
+            <a:endParaRPr lang="zh-CN" altLang="en-US" dirty="0"/>
+          </a:p>
+        </p:txBody>
+      </p:sp>
+      <p:sp>
+        <p:nvSpPr>
+          <p:cNvPr id="3" name="内容占位符 2"/>
+          <p:cNvSpPr>
+            <a:spLocks noGrp="1"/>
+          </p:cNvSpPr>
+          <p:nvPr>
+            <p:ph idx="1"/>
+          </p:nvPr>
+        </p:nvSpPr>
+        <p:spPr/>
+        <p:txBody>
+          <a:bodyPr>
+            <a:normAutofit lnSpcReduction="10000"/>
+          </a:bodyPr>
+          <a:lstStyle/>
+          <a:p>
+            <a:r>
+              <a:rPr lang="zh-CN" altLang="en-US" dirty="0" smtClean="0"/>
+              <a:t>协程栈的使用有两种方式：共享栈</a:t>
+            </a:r>
+            <a:r>
+              <a:rPr lang="zh-CN" altLang="en-US" dirty="0" smtClean="0"/>
+              <a:t>和独享栈</a:t>
+            </a:r>
+            <a:r>
+              <a:rPr lang="zh-CN" altLang="en-US" dirty="0" smtClean="0"/>
+              <a:t>。</a:t>
+            </a:r>
+            <a:endParaRPr lang="en-US" altLang="zh-CN" dirty="0" smtClean="0"/>
+          </a:p>
+          <a:p>
+            <a:r>
+              <a:rPr lang="zh-CN" altLang="en-US" dirty="0" smtClean="0"/>
+              <a:t>共享栈</a:t>
+            </a:r>
+            <a:r>
+              <a:rPr lang="zh-CN" altLang="en-US" dirty="0" smtClean="0"/>
+              <a:t>：给运行环境分配一块固定大小的内存，所有的协程共享这块内存。同时每个协程都有自己私有的栈。当协程切入</a:t>
+            </a:r>
+            <a:r>
+              <a:rPr lang="en-US" altLang="zh-CN" dirty="0" smtClean="0"/>
+              <a:t>/</a:t>
+            </a:r>
+            <a:r>
+              <a:rPr lang="zh-CN" altLang="en-US" dirty="0" smtClean="0"/>
+              <a:t>切出时对协程的局部变量</a:t>
+            </a:r>
+            <a:r>
+              <a:rPr lang="en-US" altLang="zh-CN" dirty="0" err="1" smtClean="0"/>
+              <a:t>copyin</a:t>
+            </a:r>
+            <a:r>
+              <a:rPr lang="en-US" altLang="zh-CN" dirty="0" smtClean="0"/>
+              <a:t>/</a:t>
+            </a:r>
+            <a:r>
+              <a:rPr lang="en-US" altLang="zh-CN" dirty="0" err="1" smtClean="0"/>
+              <a:t>copyout</a:t>
+            </a:r>
+            <a:r>
+              <a:rPr lang="zh-CN" altLang="en-US" dirty="0" smtClean="0"/>
+              <a:t>到协程的私有空间。</a:t>
+            </a:r>
+            <a:endParaRPr lang="en-US" altLang="zh-CN" dirty="0" smtClean="0"/>
+          </a:p>
+          <a:p>
+            <a:r>
+              <a:rPr lang="zh-CN" altLang="en-US" dirty="0" smtClean="0"/>
+              <a:t>共享栈的优点：</a:t>
+            </a:r>
+            <a:endParaRPr lang="en-US" altLang="zh-CN" dirty="0" smtClean="0"/>
+          </a:p>
+          <a:p>
+            <a:pPr marL="514350" indent="-514350">
+              <a:buFont typeface="+mj-lt"/>
+              <a:buAutoNum type="arabicPeriod"/>
+            </a:pPr>
+            <a:r>
+              <a:rPr lang="zh-CN" altLang="en-US" dirty="0" smtClean="0"/>
+              <a:t>省内存。</a:t>
+            </a:r>
+            <a:r>
+              <a:rPr lang="en-US" altLang="zh-CN" dirty="0" smtClean="0"/>
+              <a:t>(</a:t>
+            </a:r>
+            <a:r>
+              <a:rPr lang="zh-CN" altLang="en-US" dirty="0" smtClean="0"/>
+              <a:t>私有栈按需分配</a:t>
+            </a:r>
+            <a:r>
+              <a:rPr lang="en-US" altLang="zh-CN" dirty="0" smtClean="0"/>
+              <a:t>)</a:t>
+            </a:r>
+          </a:p>
+          <a:p>
+            <a:r>
+              <a:rPr lang="zh-CN" altLang="en-US" dirty="0" smtClean="0"/>
+              <a:t>共享栈的缺点：</a:t>
+            </a:r>
+            <a:endParaRPr lang="en-US" altLang="zh-CN" dirty="0" smtClean="0"/>
+          </a:p>
+          <a:p>
+            <a:pPr marL="514350" indent="-514350">
+              <a:buFont typeface="+mj-lt"/>
+              <a:buAutoNum type="arabicPeriod"/>
+            </a:pPr>
+            <a:r>
+              <a:rPr lang="zh-CN" altLang="en-US" dirty="0" smtClean="0"/>
+              <a:t>每次协程切换都要进行私有栈的恢复</a:t>
+            </a:r>
+            <a:r>
+              <a:rPr lang="en-US" altLang="zh-CN" dirty="0" smtClean="0"/>
+              <a:t>/</a:t>
+            </a:r>
+            <a:r>
+              <a:rPr lang="zh-CN" altLang="en-US" dirty="0" smtClean="0"/>
+              <a:t>保存，比较消耗</a:t>
+            </a:r>
+            <a:r>
+              <a:rPr lang="en-US" altLang="zh-CN" dirty="0" err="1" smtClean="0"/>
+              <a:t>cpu</a:t>
+            </a:r>
+            <a:r>
+              <a:rPr lang="zh-CN" altLang="en-US" dirty="0" smtClean="0"/>
+              <a:t>。如果协程私有栈很大，拷贝开销会很大。</a:t>
+            </a:r>
+            <a:endParaRPr lang="en-US" altLang="zh-CN" dirty="0" smtClean="0"/>
+          </a:p>
+          <a:p>
+            <a:pPr marL="514350" indent="-514350">
+              <a:buFont typeface="+mj-lt"/>
+              <a:buAutoNum type="arabicPeriod"/>
+            </a:pPr>
+            <a:r>
+              <a:rPr lang="zh-CN" altLang="en-US" dirty="0"/>
+              <a:t>共享</a:t>
+            </a:r>
+            <a:r>
+              <a:rPr lang="zh-CN" altLang="en-US" dirty="0" smtClean="0"/>
+              <a:t>栈大小固定，无法动态分配。</a:t>
+            </a:r>
+            <a:endParaRPr lang="zh-CN" altLang="en-US" dirty="0"/>
+          </a:p>
+        </p:txBody>
+      </p:sp>
+    </p:spTree>
+    <p:extLst>
+      <p:ext uri="{BB962C8B-B14F-4D97-AF65-F5344CB8AC3E}">
+        <p14:creationId xmlns:p14="http://schemas.microsoft.com/office/powerpoint/2010/main" val="2387136329"/>
+      </p:ext>
+    </p:extLst>
+  </p:cSld>
+  <p:clrMapOvr>
+    <a:masterClrMapping/>
+  </p:clrMapOvr>
+</p:sld>
+</file>
+
+<file path=ppt/slides/slide18.xml><?xml version="1.0" encoding="utf-8"?>
+<p:sld xmlns:a="http://schemas.openxmlformats.org/drawingml/2006/main" xmlns:r="http://schemas.openxmlformats.org/officeDocument/2006/relationships" xmlns:p="http://schemas.openxmlformats.org/presentationml/2006/main">
+  <p:cSld>
+    <p:spTree>
+      <p:nvGrpSpPr>
+        <p:cNvPr id="1" name=""/>
+        <p:cNvGrpSpPr/>
+        <p:nvPr/>
+      </p:nvGrpSpPr>
+      <p:grpSpPr>
+        <a:xfrm>
+          <a:off x="0" y="0"/>
+          <a:ext cx="0" cy="0"/>
+          <a:chOff x="0" y="0"/>
+          <a:chExt cx="0" cy="0"/>
+        </a:xfrm>
+      </p:grpSpPr>
+      <p:sp>
+        <p:nvSpPr>
+          <p:cNvPr id="2" name="标题 1"/>
+          <p:cNvSpPr>
+            <a:spLocks noGrp="1"/>
+          </p:cNvSpPr>
+          <p:nvPr>
+            <p:ph type="title"/>
+          </p:nvPr>
+        </p:nvSpPr>
+        <p:spPr/>
+        <p:txBody>
+          <a:bodyPr/>
+          <a:lstStyle/>
+          <a:p>
+            <a:r>
+              <a:rPr lang="en-US" altLang="zh-CN" dirty="0" smtClean="0"/>
+              <a:t>4.4 </a:t>
+            </a:r>
+            <a:r>
+              <a:rPr lang="en-US" altLang="zh-CN" dirty="0" err="1"/>
+              <a:t>libco</a:t>
+            </a:r>
+            <a:r>
+              <a:rPr lang="zh-CN" altLang="en-US" dirty="0"/>
+              <a:t>的堆栈模型</a:t>
+            </a:r>
+            <a:r>
+              <a:rPr lang="en-US" altLang="zh-CN" dirty="0" smtClean="0"/>
+              <a:t>(</a:t>
+            </a:r>
+            <a:r>
+              <a:rPr lang="zh-CN" altLang="en-US" dirty="0" smtClean="0"/>
+              <a:t>二</a:t>
+            </a:r>
+            <a:r>
+              <a:rPr lang="en-US" altLang="zh-CN" dirty="0" smtClean="0"/>
+              <a:t>)</a:t>
+            </a:r>
+            <a:endParaRPr lang="zh-CN" altLang="en-US" dirty="0"/>
+          </a:p>
+        </p:txBody>
+      </p:sp>
+      <p:sp>
+        <p:nvSpPr>
+          <p:cNvPr id="3" name="内容占位符 2"/>
+          <p:cNvSpPr>
+            <a:spLocks noGrp="1"/>
+          </p:cNvSpPr>
+          <p:nvPr>
+            <p:ph idx="1"/>
+          </p:nvPr>
+        </p:nvSpPr>
+        <p:spPr/>
+        <p:txBody>
+          <a:bodyPr/>
+          <a:lstStyle/>
+          <a:p>
+            <a:r>
+              <a:rPr lang="zh-CN" altLang="en-US" dirty="0"/>
+              <a:t>独享栈</a:t>
+            </a:r>
+            <a:r>
+              <a:rPr lang="zh-CN" altLang="en-US" dirty="0" smtClean="0"/>
+              <a:t>：每个协程</a:t>
+            </a:r>
+            <a:r>
+              <a:rPr lang="zh-CN" altLang="en-US" dirty="0" smtClean="0"/>
+              <a:t>都</a:t>
+            </a:r>
+            <a:r>
+              <a:rPr lang="zh-CN" altLang="en-US" dirty="0"/>
+              <a:t>预先分配大小固定</a:t>
+            </a:r>
+            <a:r>
+              <a:rPr lang="zh-CN" altLang="en-US" dirty="0" smtClean="0"/>
+              <a:t>单独</a:t>
+            </a:r>
+            <a:r>
+              <a:rPr lang="zh-CN" altLang="en-US" dirty="0" smtClean="0"/>
+              <a:t>空间。</a:t>
+            </a:r>
+            <a:r>
+              <a:rPr lang="zh-CN" altLang="en-US" dirty="0"/>
+              <a:t>当协程切换</a:t>
+            </a:r>
+            <a:r>
+              <a:rPr lang="zh-CN" altLang="en-US" dirty="0" smtClean="0"/>
+              <a:t>时</a:t>
+            </a:r>
+            <a:r>
+              <a:rPr lang="zh-CN" altLang="en-US" dirty="0" smtClean="0"/>
+              <a:t>直接使用该空间进行数据的存放</a:t>
+            </a:r>
+            <a:r>
+              <a:rPr lang="zh-CN" altLang="en-US" dirty="0" smtClean="0"/>
+              <a:t>。</a:t>
+            </a:r>
+            <a:endParaRPr lang="en-US" altLang="zh-CN" dirty="0" smtClean="0"/>
+          </a:p>
+          <a:p>
+            <a:r>
+              <a:rPr lang="zh-CN" altLang="en-US" dirty="0"/>
+              <a:t>独享栈</a:t>
+            </a:r>
+            <a:r>
+              <a:rPr lang="zh-CN" altLang="en-US" dirty="0" smtClean="0"/>
+              <a:t>的优点：</a:t>
+            </a:r>
+            <a:endParaRPr lang="en-US" altLang="zh-CN" dirty="0" smtClean="0"/>
+          </a:p>
+          <a:p>
+            <a:pPr marL="514350" indent="-514350">
+              <a:buFont typeface="+mj-lt"/>
+              <a:buAutoNum type="arabicPeriod"/>
+            </a:pPr>
+            <a:r>
+              <a:rPr lang="zh-CN" altLang="en-US" dirty="0" smtClean="0"/>
+              <a:t>避免协程切入切出内存的拷贝</a:t>
+            </a:r>
+            <a:endParaRPr lang="en-US" altLang="zh-CN" dirty="0" smtClean="0"/>
+          </a:p>
+          <a:p>
+            <a:r>
+              <a:rPr lang="zh-CN" altLang="en-US" dirty="0"/>
+              <a:t>独享栈</a:t>
+            </a:r>
+            <a:r>
+              <a:rPr lang="zh-CN" altLang="en-US" dirty="0" smtClean="0"/>
+              <a:t>的缺点：</a:t>
+            </a:r>
+            <a:endParaRPr lang="en-US" altLang="zh-CN" dirty="0" smtClean="0"/>
+          </a:p>
+          <a:p>
+            <a:pPr marL="514350" indent="-514350">
+              <a:buFont typeface="+mj-lt"/>
+              <a:buAutoNum type="arabicPeriod"/>
+            </a:pPr>
+            <a:r>
+              <a:rPr lang="zh-CN" altLang="en-US" dirty="0" smtClean="0"/>
+              <a:t>栈的大小时固定的。栈太小容易爆栈，太大协程数量一多容易浪费内存。</a:t>
+            </a:r>
+            <a:endParaRPr lang="zh-CN" altLang="en-US" dirty="0"/>
+          </a:p>
+        </p:txBody>
+      </p:sp>
+    </p:spTree>
+    <p:extLst>
+      <p:ext uri="{BB962C8B-B14F-4D97-AF65-F5344CB8AC3E}">
+        <p14:creationId xmlns:p14="http://schemas.microsoft.com/office/powerpoint/2010/main" val="904720145"/>
+      </p:ext>
+    </p:extLst>
+  </p:cSld>
+  <p:clrMapOvr>
+    <a:masterClrMapping/>
+  </p:clrMapOvr>
+</p:sld>
+</file>
+
+<file path=ppt/slides/slide19.xml><?xml version="1.0" encoding="utf-8"?>
+<p:sld xmlns:a="http://schemas.openxmlformats.org/drawingml/2006/main" xmlns:r="http://schemas.openxmlformats.org/officeDocument/2006/relationships" xmlns:p="http://schemas.openxmlformats.org/presentationml/2006/main">
+  <p:cSld>
+    <p:spTree>
+      <p:nvGrpSpPr>
+        <p:cNvPr id="1" name=""/>
+        <p:cNvGrpSpPr/>
+        <p:nvPr/>
+      </p:nvGrpSpPr>
+      <p:grpSpPr>
+        <a:xfrm>
+          <a:off x="0" y="0"/>
+          <a:ext cx="0" cy="0"/>
+          <a:chOff x="0" y="0"/>
+          <a:chExt cx="0" cy="0"/>
+        </a:xfrm>
+      </p:grpSpPr>
+      <p:sp>
+        <p:nvSpPr>
+          <p:cNvPr id="2" name="标题 1"/>
+          <p:cNvSpPr>
+            <a:spLocks noGrp="1"/>
+          </p:cNvSpPr>
+          <p:nvPr>
+            <p:ph type="title"/>
+          </p:nvPr>
+        </p:nvSpPr>
+        <p:spPr/>
+        <p:txBody>
+          <a:bodyPr/>
+          <a:lstStyle/>
+          <a:p>
+            <a:r>
+              <a:rPr lang="en-US" altLang="zh-CN" dirty="0" err="1"/>
+              <a:t>libco</a:t>
+            </a:r>
+            <a:r>
+              <a:rPr lang="zh-CN" altLang="en-US" dirty="0"/>
+              <a:t>的堆栈模型</a:t>
+            </a:r>
+            <a:r>
+              <a:rPr lang="en-US" altLang="zh-CN" dirty="0" smtClean="0"/>
+              <a:t>(</a:t>
+            </a:r>
+            <a:r>
+              <a:rPr lang="zh-CN" altLang="en-US" dirty="0" smtClean="0"/>
+              <a:t>三</a:t>
+            </a:r>
+            <a:r>
+              <a:rPr lang="en-US" altLang="zh-CN" dirty="0" smtClean="0"/>
+              <a:t>)</a:t>
+            </a:r>
+            <a:endParaRPr lang="zh-CN" altLang="en-US" dirty="0"/>
+          </a:p>
+        </p:txBody>
+      </p:sp>
+      <p:sp>
+        <p:nvSpPr>
+          <p:cNvPr id="3" name="内容占位符 2"/>
+          <p:cNvSpPr>
+            <a:spLocks noGrp="1"/>
+          </p:cNvSpPr>
+          <p:nvPr>
+            <p:ph idx="1"/>
+          </p:nvPr>
+        </p:nvSpPr>
+        <p:spPr/>
+        <p:txBody>
+          <a:bodyPr/>
+          <a:lstStyle/>
+          <a:p>
+            <a:r>
+              <a:rPr lang="en-US" altLang="zh-CN" dirty="0" err="1" smtClean="0"/>
+              <a:t>Libco</a:t>
+            </a:r>
+            <a:r>
+              <a:rPr lang="zh-CN" altLang="en-US" dirty="0" smtClean="0"/>
+              <a:t>使用</a:t>
+            </a:r>
+            <a:r>
+              <a:rPr lang="zh-CN" altLang="en-US" dirty="0" smtClean="0"/>
+              <a:t>的是共享</a:t>
+            </a:r>
+            <a:r>
+              <a:rPr lang="zh-CN" altLang="en-US" dirty="0" smtClean="0"/>
+              <a:t>栈的模式</a:t>
+            </a:r>
+            <a:endParaRPr lang="en-US" altLang="zh-CN" dirty="0" smtClean="0"/>
+          </a:p>
+          <a:p>
+            <a:r>
+              <a:rPr lang="en-US" altLang="zh-CN" dirty="0" err="1" smtClean="0"/>
+              <a:t>Libco</a:t>
+            </a:r>
+            <a:r>
+              <a:rPr lang="zh-CN" altLang="en-US" dirty="0" smtClean="0"/>
+              <a:t>分配了多个共享栈，每个协成按照一定的映射关系使用对应的共享栈。</a:t>
+            </a:r>
+            <a:endParaRPr lang="en-US" altLang="zh-CN" dirty="0" smtClean="0"/>
+          </a:p>
+          <a:p>
+            <a:endParaRPr lang="zh-CN" altLang="en-US" dirty="0"/>
+          </a:p>
+        </p:txBody>
+      </p:sp>
+    </p:spTree>
+    <p:extLst>
+      <p:ext uri="{BB962C8B-B14F-4D97-AF65-F5344CB8AC3E}">
+        <p14:creationId xmlns:p14="http://schemas.microsoft.com/office/powerpoint/2010/main" val="3014233177"/>
+      </p:ext>
+    </p:extLst>
+  </p:cSld>
+  <p:clrMapOvr>
+    <a:masterClrMapping/>
+  </p:clrMapOvr>
+</p:sld>
+</file>
+
 <file path=ppt/slides/slide2.xml><?xml version="1.0" encoding="utf-8"?>
 <p:sld xmlns:a="http://schemas.openxmlformats.org/drawingml/2006/main" xmlns:r="http://schemas.openxmlformats.org/officeDocument/2006/relationships" xmlns:p="http://schemas.openxmlformats.org/presentationml/2006/main">
   <p:cSld>
